--- a/doc/Rapport de stage/Presentation suivi de stagiaire.pptx
+++ b/doc/Rapport de stage/Presentation suivi de stagiaire.pptx
@@ -2,20 +2,29 @@
 <file path=ppt/presentation.xml><?xml version="1.0" encoding="utf-8"?>
 <p:presentation xmlns:a="http://schemas.openxmlformats.org/drawingml/2006/main" xmlns:r="http://schemas.openxmlformats.org/officeDocument/2006/relationships" xmlns:p="http://schemas.openxmlformats.org/presentationml/2006/main" removePersonalInfoOnSave="1" saveSubsetFonts="1">
   <p:sldMasterIdLst>
-    <p:sldMasterId id="2147483658" r:id="rId2"/>
+    <p:sldMasterId id="2147483660" r:id="rId2"/>
   </p:sldMasterIdLst>
   <p:notesMasterIdLst>
-    <p:notesMasterId r:id="rId11"/>
+    <p:notesMasterId r:id="rId20"/>
   </p:notesMasterIdLst>
   <p:sldIdLst>
     <p:sldId id="256" r:id="rId3"/>
     <p:sldId id="257" r:id="rId4"/>
     <p:sldId id="258" r:id="rId5"/>
-    <p:sldId id="264" r:id="rId6"/>
-    <p:sldId id="259" r:id="rId7"/>
-    <p:sldId id="260" r:id="rId8"/>
+    <p:sldId id="259" r:id="rId6"/>
+    <p:sldId id="275" r:id="rId7"/>
+    <p:sldId id="261" r:id="rId8"/>
     <p:sldId id="262" r:id="rId9"/>
     <p:sldId id="263" r:id="rId10"/>
+    <p:sldId id="267" r:id="rId11"/>
+    <p:sldId id="265" r:id="rId12"/>
+    <p:sldId id="268" r:id="rId13"/>
+    <p:sldId id="269" r:id="rId14"/>
+    <p:sldId id="270" r:id="rId15"/>
+    <p:sldId id="271" r:id="rId16"/>
+    <p:sldId id="272" r:id="rId17"/>
+    <p:sldId id="273" r:id="rId18"/>
+    <p:sldId id="266" r:id="rId19"/>
   </p:sldIdLst>
   <p:sldSz cx="9144000" cy="6858000" type="screen4x3"/>
   <p:notesSz cx="6858000" cy="9144000"/>
@@ -159,14 +168,14 @@
           </a:prstGeom>
         </p:spPr>
         <p:txBody>
-          <a:bodyPr vert="horz" rtlCol="0"/>
+          <a:bodyPr vert="horz" lIns="91440" tIns="45720" rIns="91440" bIns="45720" rtlCol="0"/>
           <a:lstStyle>
             <a:lvl1pPr algn="l" latinLnBrk="0">
               <a:defRPr lang="fr-FR" sz="1200"/>
             </a:lvl1pPr>
           </a:lstStyle>
           <a:p>
-            <a:endParaRPr lang="fr-FR" dirty="0"/>
+            <a:endParaRPr lang="fr-FR"/>
           </a:p>
         </p:txBody>
       </p:sp>
@@ -190,19 +199,19 @@
           </a:prstGeom>
         </p:spPr>
         <p:txBody>
-          <a:bodyPr vert="horz" rtlCol="0"/>
+          <a:bodyPr vert="horz" lIns="91440" tIns="45720" rIns="91440" bIns="45720" rtlCol="0"/>
           <a:lstStyle>
             <a:lvl1pPr algn="r" latinLnBrk="0">
               <a:defRPr lang="fr-FR" sz="1200"/>
             </a:lvl1pPr>
           </a:lstStyle>
           <a:p>
-            <a:fld id="{3842907C-D0AA-4C58-9F94-58B40AD65B29}" type="datetimeFigureOut">
+            <a:fld id="{3A590FE9-0B05-44A1-8E28-B3DBBEE66BAB}" type="datetimeFigureOut">
               <a:rPr lang="fr-FR"/>
               <a:pPr/>
-              <a:t>17/07/2017</a:t>
+              <a:t>25/07/2017</a:t>
             </a:fld>
-            <a:endParaRPr lang="fr-FR" dirty="0"/>
+            <a:endParaRPr lang="fr-FR"/>
           </a:p>
         </p:txBody>
       </p:sp>
@@ -232,10 +241,10 @@
           </a:ln>
         </p:spPr>
         <p:txBody>
-          <a:bodyPr vert="horz" rtlCol="0" anchor="ctr"/>
+          <a:bodyPr vert="horz" lIns="91440" tIns="45720" rIns="91440" bIns="45720" rtlCol="0" anchor="ctr"/>
           <a:lstStyle/>
           <a:p>
-            <a:endParaRPr lang="fr-FR" dirty="0"/>
+            <a:endParaRPr lang="fr-FR"/>
           </a:p>
         </p:txBody>
       </p:sp>
@@ -259,7 +268,7 @@
           </a:prstGeom>
         </p:spPr>
         <p:txBody>
-          <a:bodyPr vert="horz" rtlCol="0">
+          <a:bodyPr vert="horz" lIns="91440" tIns="45720" rIns="91440" bIns="45720" rtlCol="0">
             <a:normAutofit/>
           </a:bodyPr>
           <a:lstStyle/>
@@ -267,7 +276,7 @@
             <a:pPr lvl="0"/>
             <a:r>
               <a:rPr lang="fr-FR"/>
-              <a:t>Cliquer ici pour modifier les styles du texte du masque</a:t>
+              <a:t>Cliquez pour modifier les styles du texte du masque</a:t>
             </a:r>
           </a:p>
           <a:p>
@@ -320,14 +329,14 @@
           </a:prstGeom>
         </p:spPr>
         <p:txBody>
-          <a:bodyPr vert="horz" rtlCol="0" anchor="b"/>
+          <a:bodyPr vert="horz" lIns="91440" tIns="45720" rIns="91440" bIns="45720" rtlCol="0" anchor="b"/>
           <a:lstStyle>
             <a:lvl1pPr algn="l" latinLnBrk="0">
               <a:defRPr lang="fr-FR" sz="1200"/>
             </a:lvl1pPr>
           </a:lstStyle>
           <a:p>
-            <a:endParaRPr lang="fr-FR" dirty="0"/>
+            <a:endParaRPr lang="fr-FR"/>
           </a:p>
         </p:txBody>
       </p:sp>
@@ -351,32 +360,32 @@
           </a:prstGeom>
         </p:spPr>
         <p:txBody>
-          <a:bodyPr vert="horz" rtlCol="0" anchor="b"/>
+          <a:bodyPr vert="horz" lIns="91440" tIns="45720" rIns="91440" bIns="45720" rtlCol="0" anchor="b"/>
           <a:lstStyle>
             <a:lvl1pPr algn="r" latinLnBrk="0">
               <a:defRPr lang="fr-FR" sz="1200"/>
             </a:lvl1pPr>
           </a:lstStyle>
           <a:p>
-            <a:fld id="{1D76769E-C829-4283-B80E-CB90D995C291}" type="slidenum">
+            <a:fld id="{DB5CB03D-52F8-45FC-9D51-CC9AF1B89DEC}" type="slidenum">
               <a:rPr/>
               <a:pPr/>
               <a:t>‹N°›</a:t>
             </a:fld>
-            <a:endParaRPr lang="fr-FR" dirty="0"/>
+            <a:endParaRPr lang="fr-FR"/>
           </a:p>
         </p:txBody>
       </p:sp>
     </p:spTree>
     <p:extLst>
       <p:ext uri="{BB962C8B-B14F-4D97-AF65-F5344CB8AC3E}">
-        <p14:creationId xmlns:p14="http://schemas.microsoft.com/office/powerpoint/2010/main" val="859945574"/>
+        <p14:creationId xmlns:p14="http://schemas.microsoft.com/office/powerpoint/2010/main" val="1800824900"/>
       </p:ext>
     </p:extLst>
   </p:cSld>
   <p:clrMap bg1="lt1" tx1="dk1" bg2="lt2" tx2="dk2" accent1="accent1" accent2="accent2" accent3="accent3" accent4="accent4" accent5="accent5" accent6="accent6" hlink="hlink" folHlink="folHlink"/>
   <p:notesStyle>
-    <a:lvl1pPr marL="0" algn="l" rtl="0" latinLnBrk="0">
+    <a:lvl1pPr marL="0" algn="l" defTabSz="914400" rtl="0" eaLnBrk="1" latinLnBrk="0" hangingPunct="1">
       <a:defRPr lang="fr-FR" sz="1200" kern="1200">
         <a:solidFill>
           <a:schemeClr val="tx1"/>
@@ -386,7 +395,7 @@
         <a:cs typeface="+mn-cs"/>
       </a:defRPr>
     </a:lvl1pPr>
-    <a:lvl2pPr marL="457200" algn="l" rtl="0">
+    <a:lvl2pPr marL="457200" algn="l" defTabSz="914400" rtl="0" eaLnBrk="1" latinLnBrk="0" hangingPunct="1">
       <a:defRPr lang="fr-FR" sz="1200" kern="1200">
         <a:solidFill>
           <a:schemeClr val="tx1"/>
@@ -396,7 +405,7 @@
         <a:cs typeface="+mn-cs"/>
       </a:defRPr>
     </a:lvl2pPr>
-    <a:lvl3pPr marL="914400" algn="l" rtl="0">
+    <a:lvl3pPr marL="914400" algn="l" defTabSz="914400" rtl="0" eaLnBrk="1" latinLnBrk="0" hangingPunct="1">
       <a:defRPr lang="fr-FR" sz="1200" kern="1200">
         <a:solidFill>
           <a:schemeClr val="tx1"/>
@@ -406,7 +415,7 @@
         <a:cs typeface="+mn-cs"/>
       </a:defRPr>
     </a:lvl3pPr>
-    <a:lvl4pPr marL="1371600" algn="l" rtl="0">
+    <a:lvl4pPr marL="1371600" algn="l" defTabSz="914400" rtl="0" eaLnBrk="1" latinLnBrk="0" hangingPunct="1">
       <a:defRPr lang="fr-FR" sz="1200" kern="1200">
         <a:solidFill>
           <a:schemeClr val="tx1"/>
@@ -416,7 +425,7 @@
         <a:cs typeface="+mn-cs"/>
       </a:defRPr>
     </a:lvl4pPr>
-    <a:lvl5pPr marL="1828800" algn="l" rtl="0">
+    <a:lvl5pPr marL="1828800" algn="l" defTabSz="914400" rtl="0" eaLnBrk="1" latinLnBrk="0" hangingPunct="1">
       <a:defRPr lang="fr-FR" sz="1200" kern="1200">
         <a:solidFill>
           <a:schemeClr val="tx1"/>
@@ -426,7 +435,7 @@
         <a:cs typeface="+mn-cs"/>
       </a:defRPr>
     </a:lvl5pPr>
-    <a:lvl6pPr marL="2286000" algn="l" rtl="0">
+    <a:lvl6pPr marL="2286000" algn="l" defTabSz="914400" rtl="0" eaLnBrk="1" latinLnBrk="0" hangingPunct="1">
       <a:defRPr lang="fr-FR" sz="1200" kern="1200">
         <a:solidFill>
           <a:schemeClr val="tx1"/>
@@ -436,7 +445,7 @@
         <a:cs typeface="+mn-cs"/>
       </a:defRPr>
     </a:lvl6pPr>
-    <a:lvl7pPr marL="2743200" algn="l" rtl="0">
+    <a:lvl7pPr marL="2743200" algn="l" defTabSz="914400" rtl="0" eaLnBrk="1" latinLnBrk="0" hangingPunct="1">
       <a:defRPr lang="fr-FR" sz="1200" kern="1200">
         <a:solidFill>
           <a:schemeClr val="tx1"/>
@@ -446,7 +455,7 @@
         <a:cs typeface="+mn-cs"/>
       </a:defRPr>
     </a:lvl7pPr>
-    <a:lvl8pPr marL="3200400" algn="l" rtl="0">
+    <a:lvl8pPr marL="3200400" algn="l" defTabSz="914400" rtl="0" eaLnBrk="1" latinLnBrk="0" hangingPunct="1">
       <a:defRPr lang="fr-FR" sz="1200" kern="1200">
         <a:solidFill>
           <a:schemeClr val="tx1"/>
@@ -456,7 +465,7 @@
         <a:cs typeface="+mn-cs"/>
       </a:defRPr>
     </a:lvl8pPr>
-    <a:lvl9pPr marL="3657600" algn="l" rtl="0">
+    <a:lvl9pPr marL="3657600" algn="l" defTabSz="914400" rtl="0" eaLnBrk="1" latinLnBrk="0" hangingPunct="1">
       <a:defRPr lang="fr-FR" sz="1200" kern="1200">
         <a:solidFill>
           <a:schemeClr val="tx1"/>
@@ -516,7 +525,7 @@
           </a:bodyPr>
           <a:lstStyle/>
           <a:p>
-            <a:endParaRPr lang="fr-FR" dirty="0"/>
+            <a:endParaRPr lang="fr-FR"/>
           </a:p>
         </p:txBody>
       </p:sp>
@@ -535,12 +544,669 @@
           <a:bodyPr/>
           <a:lstStyle/>
           <a:p>
-            <a:fld id="{1D76769E-C829-4283-B80E-CB90D995C291}" type="slidenum">
+            <a:fld id="{DB5CB03D-52F8-45FC-9D51-CC9AF1B89DEC}" type="slidenum">
               <a:rPr lang="fr-FR" smtClean="0"/>
               <a:pPr/>
               <a:t>1</a:t>
             </a:fld>
+            <a:endParaRPr lang="fr-FR"/>
+          </a:p>
+        </p:txBody>
+      </p:sp>
+    </p:spTree>
+  </p:cSld>
+  <p:clrMapOvr>
+    <a:masterClrMapping/>
+  </p:clrMapOvr>
+</p:notes>
+</file>
+
+<file path=ppt/notesSlides/notesSlide10.xml><?xml version="1.0" encoding="utf-8"?>
+<p:notes xmlns:a="http://schemas.openxmlformats.org/drawingml/2006/main" xmlns:r="http://schemas.openxmlformats.org/officeDocument/2006/relationships" xmlns:p="http://schemas.openxmlformats.org/presentationml/2006/main">
+  <p:cSld>
+    <p:spTree>
+      <p:nvGrpSpPr>
+        <p:cNvPr id="1" name=""/>
+        <p:cNvGrpSpPr/>
+        <p:nvPr/>
+      </p:nvGrpSpPr>
+      <p:grpSpPr>
+        <a:xfrm>
+          <a:off x="0" y="0"/>
+          <a:ext cx="0" cy="0"/>
+          <a:chOff x="0" y="0"/>
+          <a:chExt cx="0" cy="0"/>
+        </a:xfrm>
+      </p:grpSpPr>
+      <p:sp>
+        <p:nvSpPr>
+          <p:cNvPr id="2" name="Slide Image Placeholder 1"/>
+          <p:cNvSpPr>
+            <a:spLocks noGrp="1" noRot="1" noChangeAspect="1"/>
+          </p:cNvSpPr>
+          <p:nvPr>
+            <p:ph type="sldImg"/>
+          </p:nvPr>
+        </p:nvSpPr>
+        <p:spPr/>
+      </p:sp>
+      <p:sp>
+        <p:nvSpPr>
+          <p:cNvPr id="3" name="Notes Placeholder 2"/>
+          <p:cNvSpPr>
+            <a:spLocks noGrp="1"/>
+          </p:cNvSpPr>
+          <p:nvPr>
+            <p:ph type="body" idx="1"/>
+          </p:nvPr>
+        </p:nvSpPr>
+        <p:spPr/>
+        <p:txBody>
+          <a:bodyPr>
+            <a:normAutofit/>
+          </a:bodyPr>
+          <a:lstStyle/>
+          <a:p>
+            <a:pPr lvl="1"/>
+            <a:endParaRPr lang="fr-FR" dirty="0" smtClean="0"/>
+          </a:p>
+        </p:txBody>
+      </p:sp>
+      <p:sp>
+        <p:nvSpPr>
+          <p:cNvPr id="4" name="Slide Number Placeholder 3"/>
+          <p:cNvSpPr>
+            <a:spLocks noGrp="1"/>
+          </p:cNvSpPr>
+          <p:nvPr>
+            <p:ph type="sldNum" sz="quarter" idx="10"/>
+          </p:nvPr>
+        </p:nvSpPr>
+        <p:spPr/>
+        <p:txBody>
+          <a:bodyPr/>
+          <a:lstStyle/>
+          <a:p>
+            <a:fld id="{DB5CB03D-52F8-45FC-9D51-CC9AF1B89DEC}" type="slidenum">
+              <a:rPr lang="fr-FR" smtClean="0"/>
+              <a:pPr/>
+              <a:t>10</a:t>
+            </a:fld>
+            <a:endParaRPr lang="fr-FR"/>
+          </a:p>
+        </p:txBody>
+      </p:sp>
+    </p:spTree>
+  </p:cSld>
+  <p:clrMapOvr>
+    <a:masterClrMapping/>
+  </p:clrMapOvr>
+</p:notes>
+</file>
+
+<file path=ppt/notesSlides/notesSlide11.xml><?xml version="1.0" encoding="utf-8"?>
+<p:notes xmlns:a="http://schemas.openxmlformats.org/drawingml/2006/main" xmlns:r="http://schemas.openxmlformats.org/officeDocument/2006/relationships" xmlns:p="http://schemas.openxmlformats.org/presentationml/2006/main">
+  <p:cSld>
+    <p:spTree>
+      <p:nvGrpSpPr>
+        <p:cNvPr id="1" name=""/>
+        <p:cNvGrpSpPr/>
+        <p:nvPr/>
+      </p:nvGrpSpPr>
+      <p:grpSpPr>
+        <a:xfrm>
+          <a:off x="0" y="0"/>
+          <a:ext cx="0" cy="0"/>
+          <a:chOff x="0" y="0"/>
+          <a:chExt cx="0" cy="0"/>
+        </a:xfrm>
+      </p:grpSpPr>
+      <p:sp>
+        <p:nvSpPr>
+          <p:cNvPr id="2" name="Slide Image Placeholder 1"/>
+          <p:cNvSpPr>
+            <a:spLocks noGrp="1" noRot="1" noChangeAspect="1"/>
+          </p:cNvSpPr>
+          <p:nvPr>
+            <p:ph type="sldImg"/>
+          </p:nvPr>
+        </p:nvSpPr>
+        <p:spPr/>
+      </p:sp>
+      <p:sp>
+        <p:nvSpPr>
+          <p:cNvPr id="3" name="Notes Placeholder 2"/>
+          <p:cNvSpPr>
+            <a:spLocks noGrp="1"/>
+          </p:cNvSpPr>
+          <p:nvPr>
+            <p:ph type="body" idx="1"/>
+          </p:nvPr>
+        </p:nvSpPr>
+        <p:spPr/>
+        <p:txBody>
+          <a:bodyPr>
+            <a:normAutofit/>
+          </a:bodyPr>
+          <a:lstStyle/>
+          <a:p>
             <a:endParaRPr lang="fr-FR" dirty="0"/>
+          </a:p>
+        </p:txBody>
+      </p:sp>
+      <p:sp>
+        <p:nvSpPr>
+          <p:cNvPr id="4" name="Slide Number Placeholder 3"/>
+          <p:cNvSpPr>
+            <a:spLocks noGrp="1"/>
+          </p:cNvSpPr>
+          <p:nvPr>
+            <p:ph type="sldNum" sz="quarter" idx="10"/>
+          </p:nvPr>
+        </p:nvSpPr>
+        <p:spPr/>
+        <p:txBody>
+          <a:bodyPr/>
+          <a:lstStyle/>
+          <a:p>
+            <a:fld id="{DB5CB03D-52F8-45FC-9D51-CC9AF1B89DEC}" type="slidenum">
+              <a:rPr lang="fr-FR" smtClean="0"/>
+              <a:pPr/>
+              <a:t>11</a:t>
+            </a:fld>
+            <a:endParaRPr lang="fr-FR"/>
+          </a:p>
+        </p:txBody>
+      </p:sp>
+    </p:spTree>
+  </p:cSld>
+  <p:clrMapOvr>
+    <a:masterClrMapping/>
+  </p:clrMapOvr>
+</p:notes>
+</file>
+
+<file path=ppt/notesSlides/notesSlide12.xml><?xml version="1.0" encoding="utf-8"?>
+<p:notes xmlns:a="http://schemas.openxmlformats.org/drawingml/2006/main" xmlns:r="http://schemas.openxmlformats.org/officeDocument/2006/relationships" xmlns:p="http://schemas.openxmlformats.org/presentationml/2006/main">
+  <p:cSld>
+    <p:spTree>
+      <p:nvGrpSpPr>
+        <p:cNvPr id="1" name=""/>
+        <p:cNvGrpSpPr/>
+        <p:nvPr/>
+      </p:nvGrpSpPr>
+      <p:grpSpPr>
+        <a:xfrm>
+          <a:off x="0" y="0"/>
+          <a:ext cx="0" cy="0"/>
+          <a:chOff x="0" y="0"/>
+          <a:chExt cx="0" cy="0"/>
+        </a:xfrm>
+      </p:grpSpPr>
+      <p:sp>
+        <p:nvSpPr>
+          <p:cNvPr id="2" name="Slide Image Placeholder 1"/>
+          <p:cNvSpPr>
+            <a:spLocks noGrp="1" noRot="1" noChangeAspect="1"/>
+          </p:cNvSpPr>
+          <p:nvPr>
+            <p:ph type="sldImg"/>
+          </p:nvPr>
+        </p:nvSpPr>
+        <p:spPr/>
+      </p:sp>
+      <p:sp>
+        <p:nvSpPr>
+          <p:cNvPr id="3" name="Notes Placeholder 2"/>
+          <p:cNvSpPr>
+            <a:spLocks noGrp="1"/>
+          </p:cNvSpPr>
+          <p:nvPr>
+            <p:ph type="body" idx="1"/>
+          </p:nvPr>
+        </p:nvSpPr>
+        <p:spPr/>
+        <p:txBody>
+          <a:bodyPr>
+            <a:normAutofit/>
+          </a:bodyPr>
+          <a:lstStyle/>
+          <a:p>
+            <a:endParaRPr lang="fr-FR" dirty="0"/>
+          </a:p>
+        </p:txBody>
+      </p:sp>
+      <p:sp>
+        <p:nvSpPr>
+          <p:cNvPr id="4" name="Slide Number Placeholder 3"/>
+          <p:cNvSpPr>
+            <a:spLocks noGrp="1"/>
+          </p:cNvSpPr>
+          <p:nvPr>
+            <p:ph type="sldNum" sz="quarter" idx="10"/>
+          </p:nvPr>
+        </p:nvSpPr>
+        <p:spPr/>
+        <p:txBody>
+          <a:bodyPr/>
+          <a:lstStyle/>
+          <a:p>
+            <a:fld id="{DB5CB03D-52F8-45FC-9D51-CC9AF1B89DEC}" type="slidenum">
+              <a:rPr lang="fr-FR" smtClean="0"/>
+              <a:pPr/>
+              <a:t>12</a:t>
+            </a:fld>
+            <a:endParaRPr lang="fr-FR"/>
+          </a:p>
+        </p:txBody>
+      </p:sp>
+    </p:spTree>
+  </p:cSld>
+  <p:clrMapOvr>
+    <a:masterClrMapping/>
+  </p:clrMapOvr>
+</p:notes>
+</file>
+
+<file path=ppt/notesSlides/notesSlide13.xml><?xml version="1.0" encoding="utf-8"?>
+<p:notes xmlns:a="http://schemas.openxmlformats.org/drawingml/2006/main" xmlns:r="http://schemas.openxmlformats.org/officeDocument/2006/relationships" xmlns:p="http://schemas.openxmlformats.org/presentationml/2006/main">
+  <p:cSld>
+    <p:spTree>
+      <p:nvGrpSpPr>
+        <p:cNvPr id="1" name=""/>
+        <p:cNvGrpSpPr/>
+        <p:nvPr/>
+      </p:nvGrpSpPr>
+      <p:grpSpPr>
+        <a:xfrm>
+          <a:off x="0" y="0"/>
+          <a:ext cx="0" cy="0"/>
+          <a:chOff x="0" y="0"/>
+          <a:chExt cx="0" cy="0"/>
+        </a:xfrm>
+      </p:grpSpPr>
+      <p:sp>
+        <p:nvSpPr>
+          <p:cNvPr id="2" name="Slide Image Placeholder 1"/>
+          <p:cNvSpPr>
+            <a:spLocks noGrp="1" noRot="1" noChangeAspect="1"/>
+          </p:cNvSpPr>
+          <p:nvPr>
+            <p:ph type="sldImg"/>
+          </p:nvPr>
+        </p:nvSpPr>
+        <p:spPr/>
+      </p:sp>
+      <p:sp>
+        <p:nvSpPr>
+          <p:cNvPr id="3" name="Notes Placeholder 2"/>
+          <p:cNvSpPr>
+            <a:spLocks noGrp="1"/>
+          </p:cNvSpPr>
+          <p:nvPr>
+            <p:ph type="body" idx="1"/>
+          </p:nvPr>
+        </p:nvSpPr>
+        <p:spPr/>
+        <p:txBody>
+          <a:bodyPr>
+            <a:normAutofit/>
+          </a:bodyPr>
+          <a:lstStyle/>
+          <a:p>
+            <a:endParaRPr lang="fr-FR" dirty="0"/>
+          </a:p>
+        </p:txBody>
+      </p:sp>
+      <p:sp>
+        <p:nvSpPr>
+          <p:cNvPr id="4" name="Slide Number Placeholder 3"/>
+          <p:cNvSpPr>
+            <a:spLocks noGrp="1"/>
+          </p:cNvSpPr>
+          <p:nvPr>
+            <p:ph type="sldNum" sz="quarter" idx="10"/>
+          </p:nvPr>
+        </p:nvSpPr>
+        <p:spPr/>
+        <p:txBody>
+          <a:bodyPr/>
+          <a:lstStyle/>
+          <a:p>
+            <a:fld id="{DB5CB03D-52F8-45FC-9D51-CC9AF1B89DEC}" type="slidenum">
+              <a:rPr lang="fr-FR" smtClean="0"/>
+              <a:pPr/>
+              <a:t>13</a:t>
+            </a:fld>
+            <a:endParaRPr lang="fr-FR"/>
+          </a:p>
+        </p:txBody>
+      </p:sp>
+    </p:spTree>
+  </p:cSld>
+  <p:clrMapOvr>
+    <a:masterClrMapping/>
+  </p:clrMapOvr>
+</p:notes>
+</file>
+
+<file path=ppt/notesSlides/notesSlide14.xml><?xml version="1.0" encoding="utf-8"?>
+<p:notes xmlns:a="http://schemas.openxmlformats.org/drawingml/2006/main" xmlns:r="http://schemas.openxmlformats.org/officeDocument/2006/relationships" xmlns:p="http://schemas.openxmlformats.org/presentationml/2006/main">
+  <p:cSld>
+    <p:spTree>
+      <p:nvGrpSpPr>
+        <p:cNvPr id="1" name=""/>
+        <p:cNvGrpSpPr/>
+        <p:nvPr/>
+      </p:nvGrpSpPr>
+      <p:grpSpPr>
+        <a:xfrm>
+          <a:off x="0" y="0"/>
+          <a:ext cx="0" cy="0"/>
+          <a:chOff x="0" y="0"/>
+          <a:chExt cx="0" cy="0"/>
+        </a:xfrm>
+      </p:grpSpPr>
+      <p:sp>
+        <p:nvSpPr>
+          <p:cNvPr id="2" name="Slide Image Placeholder 1"/>
+          <p:cNvSpPr>
+            <a:spLocks noGrp="1" noRot="1" noChangeAspect="1"/>
+          </p:cNvSpPr>
+          <p:nvPr>
+            <p:ph type="sldImg"/>
+          </p:nvPr>
+        </p:nvSpPr>
+        <p:spPr/>
+      </p:sp>
+      <p:sp>
+        <p:nvSpPr>
+          <p:cNvPr id="3" name="Notes Placeholder 2"/>
+          <p:cNvSpPr>
+            <a:spLocks noGrp="1"/>
+          </p:cNvSpPr>
+          <p:nvPr>
+            <p:ph type="body" idx="1"/>
+          </p:nvPr>
+        </p:nvSpPr>
+        <p:spPr/>
+        <p:txBody>
+          <a:bodyPr>
+            <a:normAutofit/>
+          </a:bodyPr>
+          <a:lstStyle/>
+          <a:p>
+            <a:endParaRPr lang="fr-FR" dirty="0"/>
+          </a:p>
+        </p:txBody>
+      </p:sp>
+      <p:sp>
+        <p:nvSpPr>
+          <p:cNvPr id="4" name="Slide Number Placeholder 3"/>
+          <p:cNvSpPr>
+            <a:spLocks noGrp="1"/>
+          </p:cNvSpPr>
+          <p:nvPr>
+            <p:ph type="sldNum" sz="quarter" idx="10"/>
+          </p:nvPr>
+        </p:nvSpPr>
+        <p:spPr/>
+        <p:txBody>
+          <a:bodyPr/>
+          <a:lstStyle/>
+          <a:p>
+            <a:fld id="{DB5CB03D-52F8-45FC-9D51-CC9AF1B89DEC}" type="slidenum">
+              <a:rPr lang="fr-FR" smtClean="0"/>
+              <a:pPr/>
+              <a:t>14</a:t>
+            </a:fld>
+            <a:endParaRPr lang="fr-FR"/>
+          </a:p>
+        </p:txBody>
+      </p:sp>
+    </p:spTree>
+  </p:cSld>
+  <p:clrMapOvr>
+    <a:masterClrMapping/>
+  </p:clrMapOvr>
+</p:notes>
+</file>
+
+<file path=ppt/notesSlides/notesSlide15.xml><?xml version="1.0" encoding="utf-8"?>
+<p:notes xmlns:a="http://schemas.openxmlformats.org/drawingml/2006/main" xmlns:r="http://schemas.openxmlformats.org/officeDocument/2006/relationships" xmlns:p="http://schemas.openxmlformats.org/presentationml/2006/main">
+  <p:cSld>
+    <p:spTree>
+      <p:nvGrpSpPr>
+        <p:cNvPr id="1" name=""/>
+        <p:cNvGrpSpPr/>
+        <p:nvPr/>
+      </p:nvGrpSpPr>
+      <p:grpSpPr>
+        <a:xfrm>
+          <a:off x="0" y="0"/>
+          <a:ext cx="0" cy="0"/>
+          <a:chOff x="0" y="0"/>
+          <a:chExt cx="0" cy="0"/>
+        </a:xfrm>
+      </p:grpSpPr>
+      <p:sp>
+        <p:nvSpPr>
+          <p:cNvPr id="2" name="Slide Image Placeholder 1"/>
+          <p:cNvSpPr>
+            <a:spLocks noGrp="1" noRot="1" noChangeAspect="1"/>
+          </p:cNvSpPr>
+          <p:nvPr>
+            <p:ph type="sldImg"/>
+          </p:nvPr>
+        </p:nvSpPr>
+        <p:spPr/>
+      </p:sp>
+      <p:sp>
+        <p:nvSpPr>
+          <p:cNvPr id="3" name="Notes Placeholder 2"/>
+          <p:cNvSpPr>
+            <a:spLocks noGrp="1"/>
+          </p:cNvSpPr>
+          <p:nvPr>
+            <p:ph type="body" idx="1"/>
+          </p:nvPr>
+        </p:nvSpPr>
+        <p:spPr/>
+        <p:txBody>
+          <a:bodyPr>
+            <a:normAutofit/>
+          </a:bodyPr>
+          <a:lstStyle/>
+          <a:p>
+            <a:endParaRPr lang="fr-FR" dirty="0"/>
+          </a:p>
+        </p:txBody>
+      </p:sp>
+      <p:sp>
+        <p:nvSpPr>
+          <p:cNvPr id="4" name="Slide Number Placeholder 3"/>
+          <p:cNvSpPr>
+            <a:spLocks noGrp="1"/>
+          </p:cNvSpPr>
+          <p:nvPr>
+            <p:ph type="sldNum" sz="quarter" idx="10"/>
+          </p:nvPr>
+        </p:nvSpPr>
+        <p:spPr/>
+        <p:txBody>
+          <a:bodyPr/>
+          <a:lstStyle/>
+          <a:p>
+            <a:fld id="{DB5CB03D-52F8-45FC-9D51-CC9AF1B89DEC}" type="slidenum">
+              <a:rPr lang="fr-FR" smtClean="0"/>
+              <a:pPr/>
+              <a:t>15</a:t>
+            </a:fld>
+            <a:endParaRPr lang="fr-FR"/>
+          </a:p>
+        </p:txBody>
+      </p:sp>
+    </p:spTree>
+  </p:cSld>
+  <p:clrMapOvr>
+    <a:masterClrMapping/>
+  </p:clrMapOvr>
+</p:notes>
+</file>
+
+<file path=ppt/notesSlides/notesSlide16.xml><?xml version="1.0" encoding="utf-8"?>
+<p:notes xmlns:a="http://schemas.openxmlformats.org/drawingml/2006/main" xmlns:r="http://schemas.openxmlformats.org/officeDocument/2006/relationships" xmlns:p="http://schemas.openxmlformats.org/presentationml/2006/main">
+  <p:cSld>
+    <p:spTree>
+      <p:nvGrpSpPr>
+        <p:cNvPr id="1" name=""/>
+        <p:cNvGrpSpPr/>
+        <p:nvPr/>
+      </p:nvGrpSpPr>
+      <p:grpSpPr>
+        <a:xfrm>
+          <a:off x="0" y="0"/>
+          <a:ext cx="0" cy="0"/>
+          <a:chOff x="0" y="0"/>
+          <a:chExt cx="0" cy="0"/>
+        </a:xfrm>
+      </p:grpSpPr>
+      <p:sp>
+        <p:nvSpPr>
+          <p:cNvPr id="2" name="Slide Image Placeholder 1"/>
+          <p:cNvSpPr>
+            <a:spLocks noGrp="1" noRot="1" noChangeAspect="1"/>
+          </p:cNvSpPr>
+          <p:nvPr>
+            <p:ph type="sldImg"/>
+          </p:nvPr>
+        </p:nvSpPr>
+        <p:spPr/>
+      </p:sp>
+      <p:sp>
+        <p:nvSpPr>
+          <p:cNvPr id="3" name="Notes Placeholder 2"/>
+          <p:cNvSpPr>
+            <a:spLocks noGrp="1"/>
+          </p:cNvSpPr>
+          <p:nvPr>
+            <p:ph type="body" idx="1"/>
+          </p:nvPr>
+        </p:nvSpPr>
+        <p:spPr/>
+        <p:txBody>
+          <a:bodyPr>
+            <a:normAutofit/>
+          </a:bodyPr>
+          <a:lstStyle/>
+          <a:p>
+            <a:endParaRPr lang="fr-FR" dirty="0"/>
+          </a:p>
+        </p:txBody>
+      </p:sp>
+      <p:sp>
+        <p:nvSpPr>
+          <p:cNvPr id="4" name="Slide Number Placeholder 3"/>
+          <p:cNvSpPr>
+            <a:spLocks noGrp="1"/>
+          </p:cNvSpPr>
+          <p:nvPr>
+            <p:ph type="sldNum" sz="quarter" idx="10"/>
+          </p:nvPr>
+        </p:nvSpPr>
+        <p:spPr/>
+        <p:txBody>
+          <a:bodyPr/>
+          <a:lstStyle/>
+          <a:p>
+            <a:fld id="{DB5CB03D-52F8-45FC-9D51-CC9AF1B89DEC}" type="slidenum">
+              <a:rPr lang="fr-FR" smtClean="0"/>
+              <a:pPr/>
+              <a:t>16</a:t>
+            </a:fld>
+            <a:endParaRPr lang="fr-FR"/>
+          </a:p>
+        </p:txBody>
+      </p:sp>
+    </p:spTree>
+  </p:cSld>
+  <p:clrMapOvr>
+    <a:masterClrMapping/>
+  </p:clrMapOvr>
+</p:notes>
+</file>
+
+<file path=ppt/notesSlides/notesSlide17.xml><?xml version="1.0" encoding="utf-8"?>
+<p:notes xmlns:a="http://schemas.openxmlformats.org/drawingml/2006/main" xmlns:r="http://schemas.openxmlformats.org/officeDocument/2006/relationships" xmlns:p="http://schemas.openxmlformats.org/presentationml/2006/main">
+  <p:cSld>
+    <p:spTree>
+      <p:nvGrpSpPr>
+        <p:cNvPr id="1" name=""/>
+        <p:cNvGrpSpPr/>
+        <p:nvPr/>
+      </p:nvGrpSpPr>
+      <p:grpSpPr>
+        <a:xfrm>
+          <a:off x="0" y="0"/>
+          <a:ext cx="0" cy="0"/>
+          <a:chOff x="0" y="0"/>
+          <a:chExt cx="0" cy="0"/>
+        </a:xfrm>
+      </p:grpSpPr>
+      <p:sp>
+        <p:nvSpPr>
+          <p:cNvPr id="2" name="Slide Image Placeholder 1"/>
+          <p:cNvSpPr>
+            <a:spLocks noGrp="1" noRot="1" noChangeAspect="1"/>
+          </p:cNvSpPr>
+          <p:nvPr>
+            <p:ph type="sldImg"/>
+          </p:nvPr>
+        </p:nvSpPr>
+        <p:spPr/>
+      </p:sp>
+      <p:sp>
+        <p:nvSpPr>
+          <p:cNvPr id="3" name="Notes Placeholder 2"/>
+          <p:cNvSpPr>
+            <a:spLocks noGrp="1"/>
+          </p:cNvSpPr>
+          <p:nvPr>
+            <p:ph type="body" idx="1"/>
+          </p:nvPr>
+        </p:nvSpPr>
+        <p:spPr/>
+        <p:txBody>
+          <a:bodyPr>
+            <a:normAutofit/>
+          </a:bodyPr>
+          <a:lstStyle/>
+          <a:p>
+            <a:endParaRPr lang="fr-FR"/>
+          </a:p>
+        </p:txBody>
+      </p:sp>
+      <p:sp>
+        <p:nvSpPr>
+          <p:cNvPr id="4" name="Slide Number Placeholder 3"/>
+          <p:cNvSpPr>
+            <a:spLocks noGrp="1"/>
+          </p:cNvSpPr>
+          <p:nvPr>
+            <p:ph type="sldNum" sz="quarter" idx="10"/>
+          </p:nvPr>
+        </p:nvSpPr>
+        <p:spPr/>
+        <p:txBody>
+          <a:bodyPr/>
+          <a:lstStyle/>
+          <a:p>
+            <a:fld id="{DB5CB03D-52F8-45FC-9D51-CC9AF1B89DEC}" type="slidenum">
+              <a:rPr lang="fr-FR" smtClean="0"/>
+              <a:pPr/>
+              <a:t>17</a:t>
+            </a:fld>
+            <a:endParaRPr lang="fr-FR"/>
           </a:p>
         </p:txBody>
       </p:sp>
@@ -598,7 +1264,7 @@
           </a:bodyPr>
           <a:lstStyle/>
           <a:p>
-            <a:endParaRPr lang="fr-FR" dirty="0"/>
+            <a:endParaRPr lang="fr-FR"/>
           </a:p>
         </p:txBody>
       </p:sp>
@@ -617,12 +1283,12 @@
           <a:bodyPr/>
           <a:lstStyle/>
           <a:p>
-            <a:fld id="{1D76769E-C829-4283-B80E-CB90D995C291}" type="slidenum">
+            <a:fld id="{DB5CB03D-52F8-45FC-9D51-CC9AF1B89DEC}" type="slidenum">
               <a:rPr lang="fr-FR" smtClean="0"/>
               <a:pPr/>
               <a:t>2</a:t>
             </a:fld>
-            <a:endParaRPr lang="fr-FR" dirty="0"/>
+            <a:endParaRPr lang="fr-FR"/>
           </a:p>
         </p:txBody>
       </p:sp>
@@ -680,7 +1346,287 @@
           </a:bodyPr>
           <a:lstStyle/>
           <a:p>
-            <a:endParaRPr lang="fr-FR"/>
+            <a:r>
+              <a:rPr lang="fr-FR" dirty="0" smtClean="0"/>
+              <a:t>Pourquoi avoir démissionner ?</a:t>
+            </a:r>
+          </a:p>
+          <a:p>
+            <a:endParaRPr lang="fr-FR" dirty="0" smtClean="0"/>
+          </a:p>
+          <a:p>
+            <a:pPr marL="171450" indent="-171450">
+              <a:buFontTx/>
+              <a:buChar char="-"/>
+            </a:pPr>
+            <a:r>
+              <a:rPr lang="fr-FR" dirty="0" smtClean="0"/>
+              <a:t>Ambiance</a:t>
+            </a:r>
+          </a:p>
+          <a:p>
+            <a:pPr marL="171450" indent="-171450">
+              <a:buFontTx/>
+              <a:buChar char="-"/>
+            </a:pPr>
+            <a:r>
+              <a:rPr lang="fr-FR" dirty="0" smtClean="0"/>
+              <a:t>Horaire</a:t>
+            </a:r>
+          </a:p>
+          <a:p>
+            <a:pPr marL="171450" indent="-171450">
+              <a:buFontTx/>
+              <a:buChar char="-"/>
+            </a:pPr>
+            <a:r>
+              <a:rPr lang="fr-FR" dirty="0" smtClean="0"/>
+              <a:t>Evolution perso/pro</a:t>
+            </a:r>
+          </a:p>
+          <a:p>
+            <a:pPr marL="109728" indent="0">
+              <a:buNone/>
+            </a:pPr>
+            <a:endParaRPr lang="fr-FR" dirty="0" smtClean="0"/>
+          </a:p>
+          <a:p>
+            <a:r>
+              <a:rPr lang="fr-FR" dirty="0" smtClean="0"/>
+              <a:t>Pourquoi le stage a l’AFPA.</a:t>
+            </a:r>
+          </a:p>
+          <a:p>
+            <a:endParaRPr lang="fr-FR" dirty="0" smtClean="0"/>
+          </a:p>
+          <a:p>
+            <a:pPr marL="171450" indent="-171450">
+              <a:buFontTx/>
+              <a:buChar char="-"/>
+            </a:pPr>
+            <a:r>
+              <a:rPr lang="fr-FR" dirty="0" smtClean="0"/>
+              <a:t>beaucoup </a:t>
+            </a:r>
+            <a:r>
+              <a:rPr lang="fr-FR" dirty="0" smtClean="0"/>
+              <a:t>de refus</a:t>
+            </a:r>
+          </a:p>
+          <a:p>
+            <a:pPr marL="171450" indent="-171450">
+              <a:buFontTx/>
+              <a:buChar char="-"/>
+            </a:pPr>
+            <a:r>
+              <a:rPr lang="fr-FR" baseline="0" dirty="0" smtClean="0"/>
+              <a:t>du </a:t>
+            </a:r>
+            <a:r>
+              <a:rPr lang="fr-FR" baseline="0" dirty="0" smtClean="0"/>
+              <a:t>délais restant</a:t>
+            </a:r>
+          </a:p>
+          <a:p>
+            <a:pPr marL="171450" indent="-171450">
+              <a:buFontTx/>
+              <a:buChar char="-"/>
+            </a:pPr>
+            <a:r>
+              <a:rPr lang="fr-FR" baseline="0" dirty="0" smtClean="0"/>
+              <a:t>Proposition de </a:t>
+            </a:r>
+            <a:r>
+              <a:rPr lang="fr-FR" baseline="0" dirty="0" err="1" smtClean="0"/>
+              <a:t>l’afpa</a:t>
+            </a:r>
+            <a:r>
+              <a:rPr lang="fr-FR" baseline="0" dirty="0" smtClean="0"/>
+              <a:t>, donc </a:t>
+            </a:r>
+            <a:r>
+              <a:rPr lang="fr-FR" baseline="0" dirty="0" smtClean="0"/>
+              <a:t>accepté car mieux que rien</a:t>
+            </a:r>
+            <a:endParaRPr lang="fr-FR" baseline="0" dirty="0" smtClean="0"/>
+          </a:p>
+          <a:p>
+            <a:pPr marL="171450" indent="-171450">
+              <a:buFontTx/>
+              <a:buChar char="-"/>
+            </a:pPr>
+            <a:r>
+              <a:rPr lang="fr-FR" baseline="0" dirty="0" smtClean="0"/>
+              <a:t>malgré </a:t>
+            </a:r>
+            <a:r>
+              <a:rPr lang="fr-FR" baseline="0" dirty="0" err="1" smtClean="0"/>
+              <a:t>afpa</a:t>
+            </a:r>
+            <a:r>
+              <a:rPr lang="fr-FR" baseline="0" dirty="0" smtClean="0"/>
+              <a:t> je peux </a:t>
+            </a:r>
+            <a:r>
+              <a:rPr lang="fr-FR" baseline="0" dirty="0" smtClean="0"/>
+              <a:t>stage </a:t>
+            </a:r>
+            <a:r>
+              <a:rPr lang="fr-FR" baseline="0" dirty="0" smtClean="0"/>
+              <a:t>comme </a:t>
+            </a:r>
+            <a:r>
+              <a:rPr lang="fr-FR" baseline="0" dirty="0" smtClean="0"/>
+              <a:t>entreprise</a:t>
+            </a:r>
+            <a:endParaRPr lang="fr-FR" baseline="0" dirty="0" smtClean="0"/>
+          </a:p>
+          <a:p>
+            <a:pPr marL="171450" indent="-171450">
+              <a:buFontTx/>
+              <a:buChar char="-"/>
+            </a:pPr>
+            <a:r>
+              <a:rPr lang="fr-FR" baseline="0" dirty="0" smtClean="0"/>
+              <a:t>Si </a:t>
+            </a:r>
+            <a:r>
+              <a:rPr lang="fr-FR" baseline="0" dirty="0" err="1" smtClean="0"/>
+              <a:t>possibiliter</a:t>
+            </a:r>
+            <a:r>
+              <a:rPr lang="fr-FR" baseline="0" dirty="0" smtClean="0"/>
+              <a:t> aurai </a:t>
+            </a:r>
+            <a:r>
+              <a:rPr lang="fr-FR" baseline="0" dirty="0" err="1" smtClean="0"/>
+              <a:t>preferer</a:t>
+            </a:r>
+            <a:r>
+              <a:rPr lang="fr-FR" baseline="0" dirty="0" smtClean="0"/>
+              <a:t> stage entreprise </a:t>
+            </a:r>
+            <a:r>
+              <a:rPr lang="fr-FR" baseline="0" dirty="0" err="1" smtClean="0"/>
+              <a:t>entreprise</a:t>
+            </a:r>
+            <a:endParaRPr lang="fr-FR" dirty="0" smtClean="0"/>
+          </a:p>
+          <a:p>
+            <a:pPr marL="171450" indent="-171450">
+              <a:buFontTx/>
+              <a:buChar char="-"/>
+            </a:pPr>
+            <a:endParaRPr lang="fr-FR" dirty="0" smtClean="0"/>
+          </a:p>
+          <a:p>
+            <a:pPr marL="0" marR="0" indent="0" algn="l" defTabSz="914400" rtl="0" eaLnBrk="1" fontAlgn="auto" latinLnBrk="0" hangingPunct="1">
+              <a:lnSpc>
+                <a:spcPct val="100000"/>
+              </a:lnSpc>
+              <a:spcBef>
+                <a:spcPts val="0"/>
+              </a:spcBef>
+              <a:spcAft>
+                <a:spcPts val="0"/>
+              </a:spcAft>
+              <a:buClrTx/>
+              <a:buSzTx/>
+              <a:buFontTx/>
+              <a:buNone/>
+              <a:tabLst/>
+              <a:defRPr/>
+            </a:pPr>
+            <a:r>
+              <a:rPr lang="fr-FR" dirty="0" smtClean="0"/>
+              <a:t>Présentation du stage</a:t>
+            </a:r>
+          </a:p>
+          <a:p>
+            <a:pPr marL="0" marR="0" indent="0" algn="l" defTabSz="914400" rtl="0" eaLnBrk="1" fontAlgn="auto" latinLnBrk="0" hangingPunct="1">
+              <a:lnSpc>
+                <a:spcPct val="100000"/>
+              </a:lnSpc>
+              <a:spcBef>
+                <a:spcPts val="0"/>
+              </a:spcBef>
+              <a:spcAft>
+                <a:spcPts val="0"/>
+              </a:spcAft>
+              <a:buClrTx/>
+              <a:buSzTx/>
+              <a:buFontTx/>
+              <a:buNone/>
+              <a:tabLst/>
+              <a:defRPr/>
+            </a:pPr>
+            <a:endParaRPr lang="fr-FR" dirty="0" smtClean="0"/>
+          </a:p>
+          <a:p>
+            <a:pPr marL="171450" indent="-171450">
+              <a:buFontTx/>
+              <a:buChar char="-"/>
+            </a:pPr>
+            <a:r>
+              <a:rPr lang="fr-FR" dirty="0" smtClean="0"/>
+              <a:t>Dominique </a:t>
+            </a:r>
+            <a:r>
+              <a:rPr lang="fr-FR" dirty="0" smtClean="0"/>
+              <a:t>plusieurs rôle </a:t>
+            </a:r>
+            <a:r>
+              <a:rPr lang="fr-FR" dirty="0" smtClean="0"/>
+              <a:t>formatrice/tutrice</a:t>
+            </a:r>
+            <a:r>
+              <a:rPr lang="fr-FR" baseline="0" dirty="0" smtClean="0"/>
+              <a:t> de </a:t>
+            </a:r>
+            <a:r>
+              <a:rPr lang="fr-FR" baseline="0" dirty="0" smtClean="0"/>
+              <a:t>stage/ </a:t>
+            </a:r>
+            <a:r>
+              <a:rPr lang="fr-FR" baseline="0" dirty="0" smtClean="0"/>
+              <a:t>cliente qu’on a voulu </a:t>
+            </a:r>
+            <a:r>
+              <a:rPr lang="fr-FR" baseline="0" dirty="0" err="1" smtClean="0"/>
+              <a:t>decoupé</a:t>
+            </a:r>
+            <a:endParaRPr lang="fr-FR" baseline="0" dirty="0" smtClean="0"/>
+          </a:p>
+          <a:p>
+            <a:pPr marL="171450" indent="-171450">
+              <a:buFontTx/>
+              <a:buChar char="-"/>
+            </a:pPr>
+            <a:r>
+              <a:rPr lang="fr-FR" baseline="0" dirty="0" smtClean="0"/>
+              <a:t>Email client</a:t>
+            </a:r>
+            <a:endParaRPr lang="fr-FR" baseline="0" dirty="0" smtClean="0"/>
+          </a:p>
+          <a:p>
+            <a:pPr marL="171450" indent="-171450">
+              <a:buFontTx/>
+              <a:buChar char="-"/>
+            </a:pPr>
+            <a:r>
+              <a:rPr lang="fr-FR" baseline="0" dirty="0" smtClean="0"/>
+              <a:t>Seule sur le projet</a:t>
+            </a:r>
+          </a:p>
+          <a:p>
+            <a:pPr marL="171450" indent="-171450">
+              <a:buFontTx/>
+              <a:buChar char="-"/>
+            </a:pPr>
+            <a:endParaRPr lang="fr-FR" dirty="0" smtClean="0"/>
+          </a:p>
+          <a:p>
+            <a:endParaRPr lang="fr-FR" dirty="0"/>
           </a:p>
         </p:txBody>
       </p:sp>
@@ -699,7 +1645,7 @@
           <a:bodyPr/>
           <a:lstStyle/>
           <a:p>
-            <a:fld id="{1D76769E-C829-4283-B80E-CB90D995C291}" type="slidenum">
+            <a:fld id="{DB5CB03D-52F8-45FC-9D51-CC9AF1B89DEC}" type="slidenum">
               <a:rPr lang="fr-FR" smtClean="0"/>
               <a:pPr/>
               <a:t>3</a:t>
@@ -762,7 +1708,168 @@
           </a:bodyPr>
           <a:lstStyle/>
           <a:p>
-            <a:endParaRPr lang="fr-FR"/>
+            <a:r>
+              <a:rPr lang="fr-FR" dirty="0" smtClean="0"/>
+              <a:t>Présentation de la société</a:t>
+            </a:r>
+          </a:p>
+          <a:p>
+            <a:pPr marL="0" marR="0" indent="0" algn="l" defTabSz="914400" rtl="0" eaLnBrk="1" fontAlgn="auto" latinLnBrk="0" hangingPunct="1">
+              <a:lnSpc>
+                <a:spcPct val="100000"/>
+              </a:lnSpc>
+              <a:spcBef>
+                <a:spcPts val="0"/>
+              </a:spcBef>
+              <a:spcAft>
+                <a:spcPts val="0"/>
+              </a:spcAft>
+              <a:buClrTx/>
+              <a:buSzTx/>
+              <a:buFontTx/>
+              <a:buNone/>
+              <a:tabLst/>
+              <a:defRPr/>
+            </a:pPr>
+            <a:r>
+              <a:rPr lang="fr-FR" dirty="0" smtClean="0"/>
+              <a:t>ANNEXE X</a:t>
+            </a:r>
+          </a:p>
+          <a:p>
+            <a:r>
+              <a:rPr lang="fr-FR" dirty="0" smtClean="0"/>
+              <a:t>	</a:t>
+            </a:r>
+          </a:p>
+          <a:p>
+            <a:r>
+              <a:rPr lang="fr-FR" dirty="0" smtClean="0"/>
+              <a:t>-EN ANGLAIS</a:t>
+            </a:r>
+          </a:p>
+          <a:p>
+            <a:r>
+              <a:rPr lang="fr-FR" dirty="0" smtClean="0"/>
+              <a:t> - </a:t>
+            </a:r>
+            <a:r>
+              <a:rPr lang="fr-FR" dirty="0" err="1" smtClean="0"/>
+              <a:t>l’afpa</a:t>
+            </a:r>
+            <a:r>
+              <a:rPr lang="fr-FR" dirty="0" smtClean="0"/>
+              <a:t> est une EPIC (établissement public industriel </a:t>
+            </a:r>
+            <a:r>
+              <a:rPr lang="fr-FR" baseline="0" dirty="0" smtClean="0"/>
+              <a:t>commercial) depuis peux</a:t>
+            </a:r>
+          </a:p>
+          <a:p>
+            <a:r>
+              <a:rPr lang="fr-FR" baseline="0" dirty="0" smtClean="0"/>
+              <a:t> - Malgré son changement de </a:t>
+            </a:r>
+            <a:r>
+              <a:rPr lang="fr-FR" baseline="0" dirty="0" err="1" smtClean="0"/>
+              <a:t>status</a:t>
+            </a:r>
+            <a:r>
+              <a:rPr lang="fr-FR" baseline="0" dirty="0" smtClean="0"/>
+              <a:t> elle continue sur sa lancé</a:t>
+            </a:r>
+          </a:p>
+          <a:p>
+            <a:r>
+              <a:rPr lang="fr-FR" baseline="0" dirty="0" smtClean="0"/>
+              <a:t> - Nombreuse année d’</a:t>
+            </a:r>
+            <a:r>
+              <a:rPr lang="fr-FR" baseline="0" dirty="0" err="1" smtClean="0"/>
+              <a:t>experience</a:t>
+            </a:r>
+            <a:r>
+              <a:rPr lang="fr-FR" baseline="0" dirty="0" smtClean="0"/>
+              <a:t> créer en 1949</a:t>
+            </a:r>
+          </a:p>
+          <a:p>
+            <a:r>
+              <a:rPr lang="fr-FR" baseline="0" dirty="0" smtClean="0"/>
+              <a:t> - propose des formations</a:t>
+            </a:r>
+          </a:p>
+          <a:p>
+            <a:r>
+              <a:rPr lang="fr-FR" baseline="0" dirty="0" smtClean="0"/>
+              <a:t> - travaille principalement pour.</a:t>
+            </a:r>
+          </a:p>
+          <a:p>
+            <a:endParaRPr lang="fr-FR" baseline="0" dirty="0" smtClean="0"/>
+          </a:p>
+          <a:p>
+            <a:endParaRPr lang="fr-FR" dirty="0" smtClean="0"/>
+          </a:p>
+          <a:p>
+            <a:r>
+              <a:rPr lang="fr-FR" dirty="0" smtClean="0"/>
+              <a:t>Organisation de la société</a:t>
+            </a:r>
+          </a:p>
+          <a:p>
+            <a:pPr marL="0" marR="0" indent="0" algn="l" defTabSz="914400" rtl="0" eaLnBrk="1" fontAlgn="auto" latinLnBrk="0" hangingPunct="1">
+              <a:lnSpc>
+                <a:spcPct val="100000"/>
+              </a:lnSpc>
+              <a:spcBef>
+                <a:spcPts val="0"/>
+              </a:spcBef>
+              <a:spcAft>
+                <a:spcPts val="0"/>
+              </a:spcAft>
+              <a:buClrTx/>
+              <a:buSzTx/>
+              <a:buFontTx/>
+              <a:buNone/>
+              <a:tabLst/>
+              <a:defRPr/>
+            </a:pPr>
+            <a:r>
+              <a:rPr lang="fr-FR" dirty="0" smtClean="0"/>
+              <a:t>ANNEXE X</a:t>
+            </a:r>
+          </a:p>
+          <a:p>
+            <a:r>
+              <a:rPr lang="fr-FR" dirty="0" smtClean="0"/>
+              <a:t>- Deux branche formation /</a:t>
+            </a:r>
+            <a:r>
+              <a:rPr lang="fr-FR" baseline="0" dirty="0" smtClean="0"/>
+              <a:t> recherche</a:t>
+            </a:r>
+            <a:endParaRPr lang="fr-FR" dirty="0"/>
+          </a:p>
+          <a:p>
+            <a:r>
+              <a:rPr lang="fr-FR" dirty="0" smtClean="0"/>
+              <a:t>-</a:t>
+            </a:r>
+            <a:r>
+              <a:rPr lang="fr-FR" baseline="0" dirty="0" smtClean="0"/>
+              <a:t> AFPA &gt; Marseille saint </a:t>
+            </a:r>
+            <a:r>
+              <a:rPr lang="fr-FR" baseline="0" dirty="0" err="1" smtClean="0"/>
+              <a:t>jerome</a:t>
+            </a:r>
+            <a:r>
+              <a:rPr lang="fr-FR" baseline="0" dirty="0" smtClean="0"/>
+              <a:t> &gt; Formation CDI &gt; Dominique &gt; moi</a:t>
+            </a:r>
+            <a:endParaRPr lang="fr-FR" dirty="0" smtClean="0"/>
           </a:p>
         </p:txBody>
       </p:sp>
@@ -781,7 +1888,7 @@
           <a:bodyPr/>
           <a:lstStyle/>
           <a:p>
-            <a:fld id="{1D76769E-C829-4283-B80E-CB90D995C291}" type="slidenum">
+            <a:fld id="{DB5CB03D-52F8-45FC-9D51-CC9AF1B89DEC}" type="slidenum">
               <a:rPr lang="fr-FR" smtClean="0"/>
               <a:pPr/>
               <a:t>4</a:t>
@@ -844,7 +1951,168 @@
           </a:bodyPr>
           <a:lstStyle/>
           <a:p>
+            <a:r>
+              <a:rPr lang="fr-FR" dirty="0" smtClean="0"/>
+              <a:t>Présentation de la société</a:t>
+            </a:r>
+          </a:p>
+          <a:p>
+            <a:pPr marL="0" marR="0" indent="0" algn="l" defTabSz="914400" rtl="0" eaLnBrk="1" fontAlgn="auto" latinLnBrk="0" hangingPunct="1">
+              <a:lnSpc>
+                <a:spcPct val="100000"/>
+              </a:lnSpc>
+              <a:spcBef>
+                <a:spcPts val="0"/>
+              </a:spcBef>
+              <a:spcAft>
+                <a:spcPts val="0"/>
+              </a:spcAft>
+              <a:buClrTx/>
+              <a:buSzTx/>
+              <a:buFontTx/>
+              <a:buNone/>
+              <a:tabLst/>
+              <a:defRPr/>
+            </a:pPr>
+            <a:r>
+              <a:rPr lang="fr-FR" dirty="0" smtClean="0"/>
+              <a:t>ANNEXE X</a:t>
+            </a:r>
+          </a:p>
+          <a:p>
+            <a:r>
+              <a:rPr lang="fr-FR" dirty="0" smtClean="0"/>
+              <a:t>	</a:t>
+            </a:r>
+          </a:p>
+          <a:p>
+            <a:r>
+              <a:rPr lang="fr-FR" dirty="0" smtClean="0"/>
+              <a:t>-EN ANGLAIS</a:t>
+            </a:r>
+          </a:p>
+          <a:p>
+            <a:r>
+              <a:rPr lang="fr-FR" dirty="0" smtClean="0"/>
+              <a:t> - </a:t>
+            </a:r>
+            <a:r>
+              <a:rPr lang="fr-FR" dirty="0" err="1" smtClean="0"/>
+              <a:t>l’afpa</a:t>
+            </a:r>
+            <a:r>
+              <a:rPr lang="fr-FR" dirty="0" smtClean="0"/>
+              <a:t> est une EPIC (établissement public industriel </a:t>
+            </a:r>
+            <a:r>
+              <a:rPr lang="fr-FR" baseline="0" dirty="0" smtClean="0"/>
+              <a:t>commercial) depuis peux</a:t>
+            </a:r>
+          </a:p>
+          <a:p>
+            <a:r>
+              <a:rPr lang="fr-FR" baseline="0" dirty="0" smtClean="0"/>
+              <a:t> - Malgré son changement de </a:t>
+            </a:r>
+            <a:r>
+              <a:rPr lang="fr-FR" baseline="0" dirty="0" err="1" smtClean="0"/>
+              <a:t>status</a:t>
+            </a:r>
+            <a:r>
+              <a:rPr lang="fr-FR" baseline="0" dirty="0" smtClean="0"/>
+              <a:t> elle continue sur sa lancé</a:t>
+            </a:r>
+          </a:p>
+          <a:p>
+            <a:r>
+              <a:rPr lang="fr-FR" baseline="0" dirty="0" smtClean="0"/>
+              <a:t> - Nombreuse année d’</a:t>
+            </a:r>
+            <a:r>
+              <a:rPr lang="fr-FR" baseline="0" dirty="0" err="1" smtClean="0"/>
+              <a:t>experience</a:t>
+            </a:r>
+            <a:r>
+              <a:rPr lang="fr-FR" baseline="0" dirty="0" smtClean="0"/>
+              <a:t> créer en 1949</a:t>
+            </a:r>
+          </a:p>
+          <a:p>
+            <a:r>
+              <a:rPr lang="fr-FR" baseline="0" dirty="0" smtClean="0"/>
+              <a:t> - propose des formations</a:t>
+            </a:r>
+          </a:p>
+          <a:p>
+            <a:r>
+              <a:rPr lang="fr-FR" baseline="0" dirty="0" smtClean="0"/>
+              <a:t> - travaille principalement pour.</a:t>
+            </a:r>
+          </a:p>
+          <a:p>
+            <a:endParaRPr lang="fr-FR" baseline="0" dirty="0" smtClean="0"/>
+          </a:p>
+          <a:p>
+            <a:endParaRPr lang="fr-FR" dirty="0" smtClean="0"/>
+          </a:p>
+          <a:p>
+            <a:r>
+              <a:rPr lang="fr-FR" dirty="0" smtClean="0"/>
+              <a:t>Organisation de la société</a:t>
+            </a:r>
+          </a:p>
+          <a:p>
+            <a:pPr marL="0" marR="0" indent="0" algn="l" defTabSz="914400" rtl="0" eaLnBrk="1" fontAlgn="auto" latinLnBrk="0" hangingPunct="1">
+              <a:lnSpc>
+                <a:spcPct val="100000"/>
+              </a:lnSpc>
+              <a:spcBef>
+                <a:spcPts val="0"/>
+              </a:spcBef>
+              <a:spcAft>
+                <a:spcPts val="0"/>
+              </a:spcAft>
+              <a:buClrTx/>
+              <a:buSzTx/>
+              <a:buFontTx/>
+              <a:buNone/>
+              <a:tabLst/>
+              <a:defRPr/>
+            </a:pPr>
+            <a:r>
+              <a:rPr lang="fr-FR" dirty="0" smtClean="0"/>
+              <a:t>ANNEXE X</a:t>
+            </a:r>
+          </a:p>
+          <a:p>
+            <a:r>
+              <a:rPr lang="fr-FR" dirty="0" smtClean="0"/>
+              <a:t>- Deux branche formation /</a:t>
+            </a:r>
+            <a:r>
+              <a:rPr lang="fr-FR" baseline="0" dirty="0" smtClean="0"/>
+              <a:t> recherche</a:t>
+            </a:r>
             <a:endParaRPr lang="fr-FR" dirty="0"/>
+          </a:p>
+          <a:p>
+            <a:r>
+              <a:rPr lang="fr-FR" dirty="0" smtClean="0"/>
+              <a:t>-</a:t>
+            </a:r>
+            <a:r>
+              <a:rPr lang="fr-FR" baseline="0" dirty="0" smtClean="0"/>
+              <a:t> AFPA &gt; Marseille saint </a:t>
+            </a:r>
+            <a:r>
+              <a:rPr lang="fr-FR" baseline="0" dirty="0" err="1" smtClean="0"/>
+              <a:t>jerome</a:t>
+            </a:r>
+            <a:r>
+              <a:rPr lang="fr-FR" baseline="0" dirty="0" smtClean="0"/>
+              <a:t> &gt; Formation CDI &gt; Dominique &gt; moi</a:t>
+            </a:r>
+            <a:endParaRPr lang="fr-FR" dirty="0" smtClean="0"/>
           </a:p>
         </p:txBody>
       </p:sp>
@@ -863,12 +2131,12 @@
           <a:bodyPr/>
           <a:lstStyle/>
           <a:p>
-            <a:fld id="{1D76769E-C829-4283-B80E-CB90D995C291}" type="slidenum">
+            <a:fld id="{DB5CB03D-52F8-45FC-9D51-CC9AF1B89DEC}" type="slidenum">
               <a:rPr lang="fr-FR" smtClean="0"/>
               <a:pPr/>
               <a:t>5</a:t>
             </a:fld>
-            <a:endParaRPr lang="fr-FR" dirty="0"/>
+            <a:endParaRPr lang="fr-FR"/>
           </a:p>
         </p:txBody>
       </p:sp>
@@ -926,7 +2194,199 @@
           </a:bodyPr>
           <a:lstStyle/>
           <a:p>
-            <a:endParaRPr lang="fr-FR" dirty="0"/>
+            <a:r>
+              <a:rPr lang="fr-FR" dirty="0" smtClean="0"/>
+              <a:t>Pourquoi ce projet</a:t>
+            </a:r>
+          </a:p>
+          <a:p>
+            <a:endParaRPr lang="fr-FR" dirty="0" smtClean="0"/>
+          </a:p>
+          <a:p>
+            <a:r>
+              <a:rPr lang="fr-FR" dirty="0" smtClean="0"/>
+              <a:t> - Proposition 3 projets</a:t>
+            </a:r>
+          </a:p>
+          <a:p>
+            <a:r>
+              <a:rPr lang="fr-FR" dirty="0" smtClean="0"/>
+              <a:t> - Projet </a:t>
+            </a:r>
+            <a:r>
+              <a:rPr lang="fr-FR" dirty="0" err="1" smtClean="0"/>
+              <a:t>moodle</a:t>
+            </a:r>
+            <a:r>
+              <a:rPr lang="fr-FR" dirty="0" smtClean="0"/>
+              <a:t> refusé car « trop long » apprendre techno </a:t>
+            </a:r>
+            <a:r>
+              <a:rPr lang="fr-FR" dirty="0" err="1" smtClean="0"/>
+              <a:t>php</a:t>
+            </a:r>
+            <a:r>
+              <a:rPr lang="fr-FR" dirty="0" smtClean="0"/>
+              <a:t>, </a:t>
+            </a:r>
+            <a:r>
+              <a:rPr lang="fr-FR" dirty="0" err="1" smtClean="0"/>
+              <a:t>etudié</a:t>
+            </a:r>
+            <a:r>
+              <a:rPr lang="fr-FR" dirty="0" smtClean="0"/>
+              <a:t> existant</a:t>
+            </a:r>
+            <a:r>
+              <a:rPr lang="fr-FR" baseline="0" dirty="0" smtClean="0"/>
+              <a:t> </a:t>
+            </a:r>
+            <a:r>
+              <a:rPr lang="fr-FR" baseline="0" dirty="0" err="1" smtClean="0"/>
+              <a:t>etc</a:t>
+            </a:r>
+            <a:endParaRPr lang="fr-FR" baseline="0" dirty="0" smtClean="0"/>
+          </a:p>
+          <a:p>
+            <a:r>
+              <a:rPr lang="fr-FR" baseline="0" dirty="0" smtClean="0"/>
+              <a:t> - Projet gestion administrative refusé car choix du projet qui cible le cœur de son </a:t>
+            </a:r>
+            <a:r>
+              <a:rPr lang="fr-FR" baseline="0" dirty="0" err="1" smtClean="0"/>
+              <a:t>metier</a:t>
+            </a:r>
+            <a:endParaRPr lang="fr-FR" dirty="0" smtClean="0"/>
+          </a:p>
+          <a:p>
+            <a:r>
+              <a:rPr lang="fr-FR" dirty="0" smtClean="0"/>
+              <a:t> - Choix du projet qui cible</a:t>
+            </a:r>
+            <a:r>
+              <a:rPr lang="fr-FR" baseline="0" dirty="0" smtClean="0"/>
+              <a:t> le cœur de sont </a:t>
+            </a:r>
+            <a:r>
+              <a:rPr lang="fr-FR" baseline="0" dirty="0" err="1" smtClean="0"/>
+              <a:t>metier</a:t>
+            </a:r>
+            <a:r>
+              <a:rPr lang="fr-FR" baseline="0" dirty="0" smtClean="0"/>
+              <a:t> c’est-à-dire les stagiaire</a:t>
+            </a:r>
+          </a:p>
+          <a:p>
+            <a:endParaRPr lang="fr-FR" dirty="0" smtClean="0"/>
+          </a:p>
+          <a:p>
+            <a:r>
+              <a:rPr lang="fr-FR" dirty="0" smtClean="0"/>
+              <a:t>L’intérêt du projet</a:t>
+            </a:r>
+          </a:p>
+          <a:p>
+            <a:endParaRPr lang="fr-FR" dirty="0" smtClean="0"/>
+          </a:p>
+          <a:p>
+            <a:pPr marL="171450" indent="-171450">
+              <a:buFontTx/>
+              <a:buChar char="-"/>
+            </a:pPr>
+            <a:r>
+              <a:rPr lang="fr-FR" dirty="0" smtClean="0"/>
+              <a:t>Cible</a:t>
+            </a:r>
+            <a:r>
+              <a:rPr lang="fr-FR" baseline="0" dirty="0" smtClean="0"/>
+              <a:t> le cœur du </a:t>
+            </a:r>
+            <a:r>
+              <a:rPr lang="fr-FR" baseline="0" dirty="0" err="1" smtClean="0"/>
+              <a:t>metier</a:t>
+            </a:r>
+            <a:r>
+              <a:rPr lang="fr-FR" baseline="0" dirty="0" smtClean="0"/>
+              <a:t> du client</a:t>
+            </a:r>
+          </a:p>
+          <a:p>
+            <a:pPr marL="171450" indent="-171450">
+              <a:buFontTx/>
+              <a:buChar char="-"/>
+            </a:pPr>
+            <a:r>
+              <a:rPr lang="fr-FR" baseline="0" dirty="0" smtClean="0"/>
+              <a:t>Techno déjà </a:t>
+            </a:r>
+            <a:r>
+              <a:rPr lang="fr-FR" baseline="0" dirty="0" err="1" smtClean="0"/>
+              <a:t>etudié</a:t>
+            </a:r>
+            <a:r>
+              <a:rPr lang="fr-FR" baseline="0" dirty="0" smtClean="0"/>
+              <a:t> mais permet de solidifier les acquis (bien besoin)</a:t>
+            </a:r>
+          </a:p>
+          <a:p>
+            <a:pPr marL="171450" indent="-171450">
+              <a:buFontTx/>
+              <a:buChar char="-"/>
+            </a:pPr>
+            <a:r>
+              <a:rPr lang="fr-FR" dirty="0" smtClean="0"/>
+              <a:t>Un projet</a:t>
+            </a:r>
+            <a:r>
+              <a:rPr lang="fr-FR" baseline="0" dirty="0" smtClean="0"/>
+              <a:t> de bonne ampleur, donc analyse, donc conception</a:t>
+            </a:r>
+          </a:p>
+          <a:p>
+            <a:pPr marL="171450" indent="-171450">
+              <a:buFontTx/>
+              <a:buChar char="-"/>
+            </a:pPr>
+            <a:r>
+              <a:rPr lang="fr-FR" baseline="0" dirty="0" smtClean="0"/>
+              <a:t>Projet « classique » CRUD</a:t>
+            </a:r>
+          </a:p>
+          <a:p>
+            <a:pPr marL="171450" indent="-171450">
+              <a:buFontTx/>
+              <a:buChar char="-"/>
+            </a:pPr>
+            <a:r>
+              <a:rPr lang="fr-FR" baseline="0" dirty="0" smtClean="0"/>
+              <a:t>Projet qui </a:t>
+            </a:r>
+            <a:r>
+              <a:rPr lang="fr-FR" baseline="0" dirty="0" err="1" smtClean="0"/>
+              <a:t>pourais</a:t>
+            </a:r>
+            <a:r>
+              <a:rPr lang="fr-FR" baseline="0" dirty="0" smtClean="0"/>
+              <a:t> </a:t>
+            </a:r>
+            <a:r>
+              <a:rPr lang="fr-FR" baseline="0" dirty="0" err="1" smtClean="0"/>
+              <a:t>etre</a:t>
+            </a:r>
+            <a:r>
+              <a:rPr lang="fr-FR" baseline="0" dirty="0" smtClean="0"/>
+              <a:t> fait en entreprise</a:t>
+            </a:r>
+          </a:p>
+          <a:p>
+            <a:pPr marL="171450" indent="-171450">
+              <a:buFontTx/>
+              <a:buChar char="-"/>
+            </a:pPr>
+            <a:r>
+              <a:rPr lang="fr-FR" baseline="0" dirty="0" smtClean="0"/>
+              <a:t>Basé sur existant ce que jamais fais</a:t>
+            </a:r>
           </a:p>
         </p:txBody>
       </p:sp>
@@ -945,12 +2405,12 @@
           <a:bodyPr/>
           <a:lstStyle/>
           <a:p>
-            <a:fld id="{1D76769E-C829-4283-B80E-CB90D995C291}" type="slidenum">
+            <a:fld id="{DB5CB03D-52F8-45FC-9D51-CC9AF1B89DEC}" type="slidenum">
               <a:rPr lang="fr-FR" smtClean="0"/>
               <a:pPr/>
               <a:t>6</a:t>
             </a:fld>
-            <a:endParaRPr lang="fr-FR" dirty="0"/>
+            <a:endParaRPr lang="fr-FR"/>
           </a:p>
         </p:txBody>
       </p:sp>
@@ -1008,7 +2468,230 @@
           </a:bodyPr>
           <a:lstStyle/>
           <a:p>
-            <a:endParaRPr lang="fr-FR" dirty="0"/>
+            <a:pPr marL="0" marR="0" indent="0" algn="l" defTabSz="914400" rtl="0" eaLnBrk="1" fontAlgn="auto" latinLnBrk="0" hangingPunct="1">
+              <a:lnSpc>
+                <a:spcPct val="100000"/>
+              </a:lnSpc>
+              <a:spcBef>
+                <a:spcPts val="0"/>
+              </a:spcBef>
+              <a:spcAft>
+                <a:spcPts val="0"/>
+              </a:spcAft>
+              <a:buClrTx/>
+              <a:buSzTx/>
+              <a:buFontTx/>
+              <a:buNone/>
+              <a:tabLst/>
+              <a:defRPr/>
+            </a:pPr>
+            <a:r>
+              <a:rPr lang="fr-FR" dirty="0" smtClean="0"/>
+              <a:t>Présentation du projet</a:t>
+            </a:r>
+          </a:p>
+          <a:p>
+            <a:r>
+              <a:rPr lang="fr-FR" dirty="0" smtClean="0"/>
+              <a:t> ANNEXE</a:t>
+            </a:r>
+            <a:r>
+              <a:rPr lang="fr-FR" baseline="0" dirty="0" smtClean="0"/>
+              <a:t> X</a:t>
+            </a:r>
+          </a:p>
+          <a:p>
+            <a:r>
+              <a:rPr lang="fr-FR" baseline="0" dirty="0" smtClean="0"/>
+              <a:t>- Plateforme web permettant le suivi des stagiaire CAD</a:t>
+            </a:r>
+          </a:p>
+          <a:p>
+            <a:pPr lvl="0"/>
+            <a:r>
+              <a:rPr lang="fr-FR" baseline="0" dirty="0" smtClean="0"/>
+              <a:t>	- </a:t>
+            </a:r>
+            <a:r>
+              <a:rPr lang="fr-FR" sz="1200" kern="1200" dirty="0" smtClean="0">
+                <a:solidFill>
+                  <a:schemeClr val="tx1"/>
+                </a:solidFill>
+                <a:effectLst/>
+                <a:latin typeface="+mn-lt"/>
+                <a:ea typeface="+mn-ea"/>
+                <a:cs typeface="+mn-cs"/>
+              </a:rPr>
+              <a:t>Suivi pédagogique.</a:t>
+            </a:r>
+          </a:p>
+          <a:p>
+            <a:pPr lvl="0"/>
+            <a:r>
+              <a:rPr lang="fr-FR" sz="1200" kern="1200" dirty="0" smtClean="0">
+                <a:solidFill>
+                  <a:schemeClr val="tx1"/>
+                </a:solidFill>
+                <a:effectLst/>
+                <a:latin typeface="+mn-lt"/>
+                <a:ea typeface="+mn-ea"/>
+                <a:cs typeface="+mn-cs"/>
+              </a:rPr>
+              <a:t>		- Saisie des feuilles pédagogiques individuelle CAD les entretien entre STAG/FORM	</a:t>
+            </a:r>
+          </a:p>
+          <a:p>
+            <a:pPr lvl="0"/>
+            <a:r>
+              <a:rPr lang="fr-FR" sz="1200" kern="1200" dirty="0" smtClean="0">
+                <a:solidFill>
+                  <a:schemeClr val="tx1"/>
+                </a:solidFill>
+                <a:effectLst/>
+                <a:latin typeface="+mn-lt"/>
+                <a:ea typeface="+mn-ea"/>
+                <a:cs typeface="+mn-cs"/>
+              </a:rPr>
+              <a:t>	- Suivi ECF.</a:t>
+            </a:r>
+          </a:p>
+          <a:p>
+            <a:pPr lvl="0"/>
+            <a:r>
+              <a:rPr lang="fr-FR" sz="1200" kern="1200" dirty="0" smtClean="0">
+                <a:solidFill>
+                  <a:schemeClr val="tx1"/>
+                </a:solidFill>
+                <a:effectLst/>
+                <a:latin typeface="+mn-lt"/>
+                <a:ea typeface="+mn-ea"/>
+                <a:cs typeface="+mn-cs"/>
+              </a:rPr>
+              <a:t> 	- Zone document administratif.</a:t>
+            </a:r>
+          </a:p>
+          <a:p>
+            <a:pPr lvl="0"/>
+            <a:r>
+              <a:rPr lang="fr-FR" sz="1200" kern="1200" dirty="0" smtClean="0">
+                <a:solidFill>
+                  <a:schemeClr val="tx1"/>
+                </a:solidFill>
+                <a:effectLst/>
+                <a:latin typeface="+mn-lt"/>
+                <a:ea typeface="+mn-ea"/>
+                <a:cs typeface="+mn-cs"/>
+              </a:rPr>
+              <a:t>  	-</a:t>
+            </a:r>
+            <a:r>
+              <a:rPr lang="fr-FR" sz="1200" kern="1200" baseline="0" dirty="0" smtClean="0">
+                <a:solidFill>
+                  <a:schemeClr val="tx1"/>
+                </a:solidFill>
+                <a:effectLst/>
+                <a:latin typeface="+mn-lt"/>
+                <a:ea typeface="+mn-ea"/>
+                <a:cs typeface="+mn-cs"/>
+              </a:rPr>
+              <a:t> </a:t>
+            </a:r>
+            <a:r>
+              <a:rPr lang="fr-FR" sz="1200" kern="1200" dirty="0" smtClean="0">
+                <a:solidFill>
+                  <a:schemeClr val="tx1"/>
+                </a:solidFill>
+                <a:effectLst/>
+                <a:latin typeface="+mn-lt"/>
+                <a:ea typeface="+mn-ea"/>
+                <a:cs typeface="+mn-cs"/>
+              </a:rPr>
+              <a:t>Suivi recherche de stage</a:t>
+            </a:r>
+          </a:p>
+          <a:p>
+            <a:pPr lvl="0"/>
+            <a:r>
+              <a:rPr lang="fr-FR" sz="1200" kern="1200" dirty="0" smtClean="0">
+                <a:solidFill>
+                  <a:schemeClr val="tx1"/>
+                </a:solidFill>
+                <a:effectLst/>
+                <a:latin typeface="+mn-lt"/>
+                <a:ea typeface="+mn-ea"/>
+                <a:cs typeface="+mn-cs"/>
+              </a:rPr>
+              <a:t>	- Création de compte utilisateur « Formateur », « Stagiaire » et « Collaborateur ».</a:t>
+            </a:r>
+          </a:p>
+          <a:p>
+            <a:pPr lvl="0"/>
+            <a:r>
+              <a:rPr lang="fr-FR" sz="1200" kern="1200" dirty="0" smtClean="0">
+                <a:solidFill>
+                  <a:schemeClr val="tx1"/>
+                </a:solidFill>
+                <a:effectLst/>
+                <a:latin typeface="+mn-lt"/>
+                <a:ea typeface="+mn-ea"/>
+                <a:cs typeface="+mn-cs"/>
+              </a:rPr>
+              <a:t>	- Système de notification ou d’envois de mail automatique.</a:t>
+            </a:r>
+          </a:p>
+          <a:p>
+            <a:pPr marL="171450" lvl="0" indent="-171450">
+              <a:buFontTx/>
+              <a:buChar char="-"/>
+            </a:pPr>
+            <a:r>
+              <a:rPr lang="fr-FR" sz="1200" kern="1200" dirty="0" smtClean="0">
+                <a:solidFill>
+                  <a:schemeClr val="tx1"/>
+                </a:solidFill>
+                <a:effectLst/>
+                <a:latin typeface="+mn-lt"/>
+                <a:ea typeface="+mn-ea"/>
+                <a:cs typeface="+mn-cs"/>
+              </a:rPr>
+              <a:t>Première itération sur la fonctionnalité Auto-évaluation de suivi-pédago</a:t>
+            </a:r>
+            <a:r>
+              <a:rPr lang="fr-FR" sz="1200" kern="1200" baseline="0" dirty="0" smtClean="0">
+                <a:solidFill>
+                  <a:schemeClr val="tx1"/>
+                </a:solidFill>
+                <a:effectLst/>
+                <a:latin typeface="+mn-lt"/>
+                <a:ea typeface="+mn-ea"/>
+                <a:cs typeface="+mn-cs"/>
+              </a:rPr>
+              <a:t> </a:t>
+            </a:r>
+            <a:endParaRPr lang="fr-FR" sz="1200" kern="1200" dirty="0" smtClean="0">
+              <a:solidFill>
+                <a:schemeClr val="tx1"/>
+              </a:solidFill>
+              <a:effectLst/>
+              <a:latin typeface="+mn-lt"/>
+              <a:ea typeface="+mn-ea"/>
+              <a:cs typeface="+mn-cs"/>
+            </a:endParaRPr>
+          </a:p>
+          <a:p>
+            <a:pPr lvl="0"/>
+            <a:endParaRPr lang="fr-FR" sz="1200" kern="1200" dirty="0" smtClean="0">
+              <a:solidFill>
+                <a:schemeClr val="tx1"/>
+              </a:solidFill>
+              <a:effectLst/>
+              <a:latin typeface="+mn-lt"/>
+              <a:ea typeface="+mn-ea"/>
+              <a:cs typeface="+mn-cs"/>
+            </a:endParaRPr>
+          </a:p>
+          <a:p>
+            <a:endParaRPr lang="fr-FR" baseline="0" dirty="0" smtClean="0"/>
           </a:p>
         </p:txBody>
       </p:sp>
@@ -1027,12 +2710,12 @@
           <a:bodyPr/>
           <a:lstStyle/>
           <a:p>
-            <a:fld id="{1D76769E-C829-4283-B80E-CB90D995C291}" type="slidenum">
+            <a:fld id="{DB5CB03D-52F8-45FC-9D51-CC9AF1B89DEC}" type="slidenum">
               <a:rPr lang="fr-FR" smtClean="0"/>
               <a:pPr/>
               <a:t>7</a:t>
             </a:fld>
-            <a:endParaRPr lang="fr-FR" dirty="0"/>
+            <a:endParaRPr lang="fr-FR"/>
           </a:p>
         </p:txBody>
       </p:sp>
@@ -1090,6 +2773,153 @@
           </a:bodyPr>
           <a:lstStyle/>
           <a:p>
+            <a:r>
+              <a:rPr lang="fr-FR" dirty="0" smtClean="0"/>
+              <a:t>La méthodologie </a:t>
+            </a:r>
+          </a:p>
+          <a:p>
+            <a:pPr lvl="1"/>
+            <a:r>
+              <a:rPr lang="fr-FR" dirty="0" smtClean="0"/>
+              <a:t>Organisation autour du </a:t>
+            </a:r>
+            <a:r>
+              <a:rPr lang="fr-FR" dirty="0" smtClean="0"/>
+              <a:t>projet.</a:t>
+            </a:r>
+          </a:p>
+          <a:p>
+            <a:pPr lvl="1"/>
+            <a:r>
+              <a:rPr lang="fr-FR" dirty="0" err="1" smtClean="0"/>
+              <a:t>Orga</a:t>
+            </a:r>
+            <a:r>
+              <a:rPr lang="fr-FR" baseline="0" dirty="0" smtClean="0"/>
+              <a:t> </a:t>
+            </a:r>
+            <a:r>
+              <a:rPr lang="fr-FR" baseline="0" dirty="0" smtClean="0"/>
+              <a:t>dossier pour simplifier la suivi du projet malgré prise ampleur</a:t>
+            </a:r>
+            <a:endParaRPr lang="fr-FR" dirty="0" smtClean="0"/>
+          </a:p>
+          <a:p>
+            <a:pPr lvl="1"/>
+            <a:r>
+              <a:rPr lang="fr-FR" dirty="0" smtClean="0"/>
+              <a:t>sauvegarde</a:t>
+            </a:r>
+            <a:r>
+              <a:rPr lang="fr-FR" baseline="0" dirty="0" smtClean="0"/>
+              <a:t> </a:t>
+            </a:r>
+            <a:r>
+              <a:rPr lang="fr-FR" baseline="0" dirty="0" smtClean="0"/>
+              <a:t>auto pour </a:t>
+            </a:r>
+            <a:r>
+              <a:rPr lang="fr-FR" baseline="0" dirty="0" err="1" smtClean="0"/>
+              <a:t>eviter</a:t>
+            </a:r>
+            <a:r>
+              <a:rPr lang="fr-FR" baseline="0" dirty="0" smtClean="0"/>
+              <a:t> tout risque de perte de donné + </a:t>
+            </a:r>
+            <a:r>
+              <a:rPr lang="fr-FR" baseline="0" dirty="0" err="1" smtClean="0"/>
+              <a:t>deporté</a:t>
+            </a:r>
+            <a:r>
+              <a:rPr lang="fr-FR" baseline="0" dirty="0" smtClean="0"/>
+              <a:t> </a:t>
+            </a:r>
+            <a:endParaRPr lang="fr-FR" dirty="0" smtClean="0"/>
+          </a:p>
+          <a:p>
+            <a:pPr lvl="1"/>
+            <a:r>
+              <a:rPr lang="fr-FR" dirty="0" smtClean="0"/>
+              <a:t>Etude </a:t>
+            </a:r>
+            <a:r>
+              <a:rPr lang="fr-FR" dirty="0" err="1" smtClean="0"/>
+              <a:t>jenkins</a:t>
+            </a:r>
+            <a:r>
+              <a:rPr lang="fr-FR" dirty="0" smtClean="0"/>
+              <a:t> pour</a:t>
+            </a:r>
+            <a:r>
+              <a:rPr lang="fr-FR" baseline="0" dirty="0" smtClean="0"/>
+              <a:t> </a:t>
+            </a:r>
+            <a:r>
+              <a:rPr lang="fr-FR" baseline="0" dirty="0" err="1" smtClean="0"/>
+              <a:t>versionnning</a:t>
+            </a:r>
+            <a:r>
+              <a:rPr lang="fr-FR" baseline="0" dirty="0" smtClean="0"/>
+              <a:t> + test unitaire auto </a:t>
+            </a:r>
+          </a:p>
+          <a:p>
+            <a:pPr lvl="1"/>
+            <a:r>
+              <a:rPr lang="fr-FR" baseline="0" dirty="0" smtClean="0"/>
+              <a:t>	</a:t>
+            </a:r>
+            <a:r>
+              <a:rPr lang="fr-FR" baseline="0" dirty="0" smtClean="0"/>
+              <a:t>vouloir </a:t>
+            </a:r>
+            <a:r>
+              <a:rPr lang="fr-FR" baseline="0" dirty="0" smtClean="0"/>
+              <a:t>remonté sur </a:t>
+            </a:r>
+            <a:r>
+              <a:rPr lang="fr-FR" baseline="0" dirty="0" err="1" smtClean="0"/>
+              <a:t>github</a:t>
+            </a:r>
+            <a:r>
+              <a:rPr lang="fr-FR" baseline="0" dirty="0" smtClean="0"/>
+              <a:t> pour point </a:t>
+            </a:r>
+            <a:r>
+              <a:rPr lang="fr-FR" baseline="0" dirty="0" err="1" smtClean="0"/>
+              <a:t>accées</a:t>
+            </a:r>
+            <a:endParaRPr lang="fr-FR" baseline="0" dirty="0" smtClean="0"/>
+          </a:p>
+          <a:p>
+            <a:pPr lvl="1"/>
+            <a:r>
+              <a:rPr lang="fr-FR" baseline="0" dirty="0" smtClean="0"/>
+              <a:t>	</a:t>
+            </a:r>
+            <a:r>
+              <a:rPr lang="fr-FR" baseline="0" dirty="0" smtClean="0"/>
+              <a:t>abandonner </a:t>
+            </a:r>
+            <a:r>
+              <a:rPr lang="fr-FR" baseline="0" dirty="0" smtClean="0"/>
+              <a:t>car API Github compte gratuit = slow</a:t>
+            </a:r>
+          </a:p>
+          <a:p>
+            <a:pPr lvl="1"/>
+            <a:r>
+              <a:rPr lang="fr-FR" baseline="0" dirty="0" smtClean="0"/>
+              <a:t>choix </a:t>
+            </a:r>
+            <a:r>
+              <a:rPr lang="fr-FR" baseline="0" dirty="0" smtClean="0"/>
+              <a:t>mettre en place Github</a:t>
+            </a:r>
+            <a:endParaRPr lang="fr-FR" dirty="0" smtClean="0"/>
+          </a:p>
+          <a:p>
             <a:endParaRPr lang="fr-FR" dirty="0"/>
           </a:p>
         </p:txBody>
@@ -1109,12 +2939,94 @@
           <a:bodyPr/>
           <a:lstStyle/>
           <a:p>
-            <a:fld id="{1D76769E-C829-4283-B80E-CB90D995C291}" type="slidenum">
+            <a:fld id="{DB5CB03D-52F8-45FC-9D51-CC9AF1B89DEC}" type="slidenum">
               <a:rPr lang="fr-FR" smtClean="0"/>
               <a:pPr/>
               <a:t>8</a:t>
             </a:fld>
+            <a:endParaRPr lang="fr-FR"/>
+          </a:p>
+        </p:txBody>
+      </p:sp>
+    </p:spTree>
+  </p:cSld>
+  <p:clrMapOvr>
+    <a:masterClrMapping/>
+  </p:clrMapOvr>
+</p:notes>
+</file>
+
+<file path=ppt/notesSlides/notesSlide9.xml><?xml version="1.0" encoding="utf-8"?>
+<p:notes xmlns:a="http://schemas.openxmlformats.org/drawingml/2006/main" xmlns:r="http://schemas.openxmlformats.org/officeDocument/2006/relationships" xmlns:p="http://schemas.openxmlformats.org/presentationml/2006/main">
+  <p:cSld>
+    <p:spTree>
+      <p:nvGrpSpPr>
+        <p:cNvPr id="1" name=""/>
+        <p:cNvGrpSpPr/>
+        <p:nvPr/>
+      </p:nvGrpSpPr>
+      <p:grpSpPr>
+        <a:xfrm>
+          <a:off x="0" y="0"/>
+          <a:ext cx="0" cy="0"/>
+          <a:chOff x="0" y="0"/>
+          <a:chExt cx="0" cy="0"/>
+        </a:xfrm>
+      </p:grpSpPr>
+      <p:sp>
+        <p:nvSpPr>
+          <p:cNvPr id="2" name="Slide Image Placeholder 1"/>
+          <p:cNvSpPr>
+            <a:spLocks noGrp="1" noRot="1" noChangeAspect="1"/>
+          </p:cNvSpPr>
+          <p:nvPr>
+            <p:ph type="sldImg"/>
+          </p:nvPr>
+        </p:nvSpPr>
+        <p:spPr/>
+      </p:sp>
+      <p:sp>
+        <p:nvSpPr>
+          <p:cNvPr id="3" name="Notes Placeholder 2"/>
+          <p:cNvSpPr>
+            <a:spLocks noGrp="1"/>
+          </p:cNvSpPr>
+          <p:nvPr>
+            <p:ph type="body" idx="1"/>
+          </p:nvPr>
+        </p:nvSpPr>
+        <p:spPr/>
+        <p:txBody>
+          <a:bodyPr>
+            <a:normAutofit/>
+          </a:bodyPr>
+          <a:lstStyle/>
+          <a:p>
             <a:endParaRPr lang="fr-FR" dirty="0"/>
+          </a:p>
+        </p:txBody>
+      </p:sp>
+      <p:sp>
+        <p:nvSpPr>
+          <p:cNvPr id="4" name="Slide Number Placeholder 3"/>
+          <p:cNvSpPr>
+            <a:spLocks noGrp="1"/>
+          </p:cNvSpPr>
+          <p:nvPr>
+            <p:ph type="sldNum" sz="quarter" idx="10"/>
+          </p:nvPr>
+        </p:nvSpPr>
+        <p:spPr/>
+        <p:txBody>
+          <a:bodyPr/>
+          <a:lstStyle/>
+          <a:p>
+            <a:fld id="{DB5CB03D-52F8-45FC-9D51-CC9AF1B89DEC}" type="slidenum">
+              <a:rPr lang="fr-FR" smtClean="0"/>
+              <a:pPr/>
+              <a:t>9</a:t>
+            </a:fld>
+            <a:endParaRPr lang="fr-FR"/>
           </a:p>
         </p:txBody>
       </p:sp>
@@ -1210,8 +3122,8 @@
             <a:extLst/>
           </a:lstStyle>
           <a:p>
-            <a:pPr algn="ctr"/>
-            <a:endParaRPr lang="fr-FR" dirty="0"/>
+            <a:pPr algn="ctr" eaLnBrk="1" latinLnBrk="0" hangingPunct="1"/>
+            <a:endParaRPr kumimoji="0" lang="fr-FR"/>
           </a:p>
         </p:txBody>
       </p:sp>
@@ -1246,7 +3158,7 @@
             <a:lvl1pPr algn="r" latinLnBrk="0">
               <a:defRPr lang="fr-FR" sz="4800" b="1">
                 <a:solidFill>
-                  <a:schemeClr val="tx2"/>
+                  <a:schemeClr val="tx1"/>
                 </a:solidFill>
                 <a:effectLst>
                   <a:outerShdw blurRad="31750" dist="25400" dir="5400000" algn="tl" rotWithShape="0">
@@ -1261,10 +3173,10 @@
           </a:lstStyle>
           <a:p>
             <a:r>
-              <a:rPr lang="fr-FR" smtClean="0"/>
+              <a:rPr kumimoji="0" lang="fr-FR" smtClean="0"/>
               <a:t>Modifiez le style du titre</a:t>
             </a:r>
-            <a:endParaRPr lang="fr-FR"/>
+            <a:endParaRPr kumimoji="0" lang="fr-FR"/>
           </a:p>
         </p:txBody>
       </p:sp>
@@ -1280,18 +3192,18 @@
         </p:nvSpPr>
         <p:spPr>
           <a:xfrm>
-            <a:off x="685800" y="3582807"/>
+            <a:off x="685800" y="3611607"/>
             <a:ext cx="7772400" cy="1199704"/>
           </a:xfrm>
         </p:spPr>
         <p:txBody>
-          <a:bodyPr/>
+          <a:bodyPr lIns="45720" rIns="45720"/>
           <a:lstStyle>
             <a:lvl1pPr marL="0" marR="64008" indent="0" algn="r" latinLnBrk="0">
               <a:buNone/>
               <a:defRPr lang="fr-FR">
                 <a:solidFill>
-                  <a:schemeClr val="tx2"/>
+                  <a:schemeClr val="tx1"/>
                 </a:solidFill>
               </a:defRPr>
             </a:lvl1pPr>
@@ -1323,16 +3235,16 @@
           </a:lstStyle>
           <a:p>
             <a:r>
-              <a:rPr lang="fr-FR" smtClean="0"/>
+              <a:rPr kumimoji="0" lang="fr-FR" smtClean="0"/>
               <a:t>Modifiez le style des sous-titres du masque</a:t>
             </a:r>
-            <a:endParaRPr lang="fr-FR"/>
+            <a:endParaRPr kumimoji="0" lang="fr-FR"/>
           </a:p>
         </p:txBody>
       </p:sp>
       <p:grpSp>
         <p:nvGrpSpPr>
-          <p:cNvPr id="2" name="Group 14"/>
+          <p:cNvPr id="2" name="Group 1"/>
           <p:cNvGrpSpPr/>
           <p:nvPr/>
         </p:nvGrpSpPr>
@@ -1346,7 +3258,7 @@
         </p:grpSpPr>
         <p:sp>
           <p:nvSpPr>
-            <p:cNvPr id="7" name="Shape 6"/>
+            <p:cNvPr id="7" name="Freeform 6"/>
             <p:cNvSpPr>
               <a:spLocks/>
             </p:cNvSpPr>
@@ -1425,13 +3337,13 @@
               <a:extLst/>
             </a:lstStyle>
             <a:p>
-              <a:endParaRPr lang="fr-FR" dirty="0"/>
+              <a:endParaRPr kumimoji="0" lang="fr-FR"/>
             </a:p>
           </p:txBody>
         </p:sp>
         <p:sp>
           <p:nvSpPr>
-            <p:cNvPr id="8" name="Shape 7"/>
+            <p:cNvPr id="8" name="Freeform 7"/>
             <p:cNvSpPr>
               <a:spLocks/>
             </p:cNvSpPr>
@@ -1507,13 +3419,13 @@
               <a:extLst/>
             </a:lstStyle>
             <a:p>
-              <a:endParaRPr lang="fr-FR" dirty="0"/>
+              <a:endParaRPr kumimoji="0" lang="fr-FR"/>
             </a:p>
           </p:txBody>
         </p:sp>
         <p:sp>
           <p:nvSpPr>
-            <p:cNvPr id="11" name="Shape 10"/>
+            <p:cNvPr id="11" name="Freeform 10"/>
             <p:cNvSpPr>
               <a:spLocks/>
             </p:cNvSpPr>
@@ -1666,8 +3578,8 @@
               <a:extLst/>
             </a:lstStyle>
             <a:p>
-              <a:pPr algn="ctr"/>
-              <a:endParaRPr lang="fr-FR" dirty="0"/>
+              <a:pPr algn="ctr" eaLnBrk="1" latinLnBrk="0" hangingPunct="1"/>
+              <a:endParaRPr kumimoji="0" lang="fr-FR"/>
             </a:p>
           </p:txBody>
         </p:sp>
@@ -1749,16 +3661,12 @@
             <a:extLst/>
           </a:lstStyle>
           <a:p>
-            <a:fld id="{E6E13C79-1C97-4B32-B2AE-1A69C169643E}" type="datetime2">
+            <a:fld id="{959ED156-2732-479E-8410-D5807628268D}" type="datetimeFigureOut">
               <a:rPr lang="fr-FR"/>
               <a:pPr/>
-              <a:t>lundi 17 juillet 2017</a:t>
+              <a:t>25/07/2017</a:t>
             </a:fld>
-            <a:endParaRPr lang="fr-FR" dirty="0">
-              <a:solidFill>
-                <a:srgbClr val="FFFFFF"/>
-              </a:solidFill>
-            </a:endParaRPr>
+            <a:endParaRPr lang="fr-FR"/>
           </a:p>
         </p:txBody>
       </p:sp>
@@ -1788,13 +3696,7 @@
             <a:extLst/>
           </a:lstStyle>
           <a:p>
-            <a:endParaRPr lang="fr-FR" dirty="0">
-              <a:solidFill>
-                <a:schemeClr val="accent1">
-                  <a:tint val="20000"/>
-                </a:schemeClr>
-              </a:solidFill>
-            </a:endParaRPr>
+            <a:endParaRPr lang="fr-FR"/>
           </a:p>
         </p:txBody>
       </p:sp>
@@ -1822,16 +3724,12 @@
             <a:extLst/>
           </a:lstStyle>
           <a:p>
-            <a:fld id="{45292C34-3E5E-4BA5-AF54-F1601B144FB0}" type="slidenum">
+            <a:fld id="{D18737D0-1F07-487A-BC82-FDF5B924E95B}" type="slidenum">
               <a:rPr/>
               <a:pPr/>
               <a:t>‹N°›</a:t>
             </a:fld>
-            <a:endParaRPr lang="fr-FR" dirty="0">
-              <a:solidFill>
-                <a:srgbClr val="FFFFFF"/>
-              </a:solidFill>
-            </a:endParaRPr>
+            <a:endParaRPr lang="fr-FR"/>
           </a:p>
         </p:txBody>
       </p:sp>
@@ -1878,10 +3776,10 @@
           </a:lstStyle>
           <a:p>
             <a:r>
-              <a:rPr lang="fr-FR" smtClean="0"/>
+              <a:rPr kumimoji="0" lang="fr-FR" smtClean="0"/>
               <a:t>Modifiez le style du titre</a:t>
             </a:r>
-            <a:endParaRPr lang="fr-FR"/>
+            <a:endParaRPr kumimoji="0" lang="fr-FR"/>
           </a:p>
         </p:txBody>
       </p:sp>
@@ -1907,40 +3805,40 @@
             <a:extLst/>
           </a:lstStyle>
           <a:p>
-            <a:pPr lvl="0"/>
+            <a:pPr lvl="0" eaLnBrk="1" latinLnBrk="0" hangingPunct="1"/>
             <a:r>
               <a:rPr lang="fr-FR" smtClean="0"/>
               <a:t>Modifiez les styles du texte du masque</a:t>
             </a:r>
           </a:p>
           <a:p>
-            <a:pPr lvl="1"/>
+            <a:pPr lvl="1" eaLnBrk="1" latinLnBrk="0" hangingPunct="1"/>
             <a:r>
               <a:rPr lang="fr-FR" smtClean="0"/>
               <a:t>Deuxième niveau</a:t>
             </a:r>
           </a:p>
           <a:p>
-            <a:pPr lvl="2"/>
+            <a:pPr lvl="2" eaLnBrk="1" latinLnBrk="0" hangingPunct="1"/>
             <a:r>
               <a:rPr lang="fr-FR" smtClean="0"/>
               <a:t>Troisième niveau</a:t>
             </a:r>
           </a:p>
           <a:p>
-            <a:pPr lvl="3"/>
+            <a:pPr lvl="3" eaLnBrk="1" latinLnBrk="0" hangingPunct="1"/>
             <a:r>
               <a:rPr lang="fr-FR" smtClean="0"/>
               <a:t>Quatrième niveau</a:t>
             </a:r>
           </a:p>
           <a:p>
-            <a:pPr lvl="4"/>
+            <a:pPr lvl="4" eaLnBrk="1" latinLnBrk="0" hangingPunct="1"/>
             <a:r>
               <a:rPr lang="fr-FR" smtClean="0"/>
               <a:t>Cinquième niveau</a:t>
             </a:r>
-            <a:endParaRPr lang="fr-FR"/>
+            <a:endParaRPr kumimoji="0" lang="fr-FR"/>
           </a:p>
         </p:txBody>
       </p:sp>
@@ -1961,12 +3859,12 @@
             <a:extLst/>
           </a:lstStyle>
           <a:p>
-            <a:fld id="{D10E14BF-C004-4398-9186-5EE680724D95}" type="datetime2">
+            <a:fld id="{959ED156-2732-479E-8410-D5807628268D}" type="datetimeFigureOut">
               <a:rPr lang="fr-FR"/>
               <a:pPr/>
-              <a:t>lundi 17 juillet 2017</a:t>
+              <a:t>25/07/2017</a:t>
             </a:fld>
-            <a:endParaRPr lang="fr-FR" dirty="0"/>
+            <a:endParaRPr lang="fr-FR"/>
           </a:p>
         </p:txBody>
       </p:sp>
@@ -1987,7 +3885,7 @@
             <a:extLst/>
           </a:lstStyle>
           <a:p>
-            <a:endParaRPr lang="fr-FR" dirty="0"/>
+            <a:endParaRPr lang="fr-FR"/>
           </a:p>
         </p:txBody>
       </p:sp>
@@ -2008,18 +3906,12 @@
             <a:extLst/>
           </a:lstStyle>
           <a:p>
-            <a:fld id="{45292C34-3E5E-4BA5-AF54-F1601B144FB0}" type="slidenum">
-              <a:rPr lang="fr-FR" sz="1400">
-                <a:solidFill>
-                  <a:schemeClr val="tx2">
-                    <a:shade val="50000"/>
-                  </a:schemeClr>
-                </a:solidFill>
-              </a:rPr>
+            <a:fld id="{D18737D0-1F07-487A-BC82-FDF5B924E95B}" type="slidenum">
+              <a:rPr/>
               <a:pPr/>
               <a:t>‹N°›</a:t>
             </a:fld>
-            <a:endParaRPr lang="fr-FR" dirty="0"/>
+            <a:endParaRPr lang="fr-FR"/>
           </a:p>
         </p:txBody>
       </p:sp>
@@ -2071,10 +3963,10 @@
           </a:lstStyle>
           <a:p>
             <a:r>
-              <a:rPr lang="fr-FR" smtClean="0"/>
+              <a:rPr kumimoji="0" lang="fr-FR" smtClean="0"/>
               <a:t>Modifiez le style du titre</a:t>
             </a:r>
-            <a:endParaRPr lang="fr-FR"/>
+            <a:endParaRPr kumimoji="0" lang="fr-FR"/>
           </a:p>
         </p:txBody>
       </p:sp>
@@ -2100,40 +3992,40 @@
             <a:extLst/>
           </a:lstStyle>
           <a:p>
-            <a:pPr lvl="0"/>
+            <a:pPr lvl="0" eaLnBrk="1" latinLnBrk="0" hangingPunct="1"/>
             <a:r>
               <a:rPr lang="fr-FR" smtClean="0"/>
               <a:t>Modifiez les styles du texte du masque</a:t>
             </a:r>
           </a:p>
           <a:p>
-            <a:pPr lvl="1"/>
+            <a:pPr lvl="1" eaLnBrk="1" latinLnBrk="0" hangingPunct="1"/>
             <a:r>
               <a:rPr lang="fr-FR" smtClean="0"/>
               <a:t>Deuxième niveau</a:t>
             </a:r>
           </a:p>
           <a:p>
-            <a:pPr lvl="2"/>
+            <a:pPr lvl="2" eaLnBrk="1" latinLnBrk="0" hangingPunct="1"/>
             <a:r>
               <a:rPr lang="fr-FR" smtClean="0"/>
               <a:t>Troisième niveau</a:t>
             </a:r>
           </a:p>
           <a:p>
-            <a:pPr lvl="3"/>
+            <a:pPr lvl="3" eaLnBrk="1" latinLnBrk="0" hangingPunct="1"/>
             <a:r>
               <a:rPr lang="fr-FR" smtClean="0"/>
               <a:t>Quatrième niveau</a:t>
             </a:r>
           </a:p>
           <a:p>
-            <a:pPr lvl="4"/>
+            <a:pPr lvl="4" eaLnBrk="1" latinLnBrk="0" hangingPunct="1"/>
             <a:r>
               <a:rPr lang="fr-FR" smtClean="0"/>
               <a:t>Cinquième niveau</a:t>
             </a:r>
-            <a:endParaRPr lang="fr-FR"/>
+            <a:endParaRPr kumimoji="0" lang="fr-FR"/>
           </a:p>
         </p:txBody>
       </p:sp>
@@ -2154,12 +4046,12 @@
             <a:extLst/>
           </a:lstStyle>
           <a:p>
-            <a:fld id="{D10E14BF-C004-4398-9186-5EE680724D95}" type="datetime2">
+            <a:fld id="{959ED156-2732-479E-8410-D5807628268D}" type="datetimeFigureOut">
               <a:rPr lang="fr-FR"/>
               <a:pPr/>
-              <a:t>lundi 17 juillet 2017</a:t>
+              <a:t>25/07/2017</a:t>
             </a:fld>
-            <a:endParaRPr lang="fr-FR" dirty="0"/>
+            <a:endParaRPr lang="fr-FR"/>
           </a:p>
         </p:txBody>
       </p:sp>
@@ -2180,7 +4072,7 @@
             <a:extLst/>
           </a:lstStyle>
           <a:p>
-            <a:endParaRPr lang="fr-FR" dirty="0"/>
+            <a:endParaRPr lang="fr-FR"/>
           </a:p>
         </p:txBody>
       </p:sp>
@@ -2201,18 +4093,12 @@
             <a:extLst/>
           </a:lstStyle>
           <a:p>
-            <a:fld id="{45292C34-3E5E-4BA5-AF54-F1601B144FB0}" type="slidenum">
-              <a:rPr lang="fr-FR" sz="1400">
-                <a:solidFill>
-                  <a:schemeClr val="tx2">
-                    <a:shade val="50000"/>
-                  </a:schemeClr>
-                </a:solidFill>
-              </a:rPr>
+            <a:fld id="{D18737D0-1F07-487A-BC82-FDF5B924E95B}" type="slidenum">
+              <a:rPr/>
               <a:pPr/>
               <a:t>‹N°›</a:t>
             </a:fld>
-            <a:endParaRPr lang="fr-FR" dirty="0"/>
+            <a:endParaRPr lang="fr-FR"/>
           </a:p>
         </p:txBody>
       </p:sp>
@@ -2258,40 +4144,40 @@
             <a:extLst/>
           </a:lstStyle>
           <a:p>
-            <a:pPr lvl="0"/>
+            <a:pPr lvl="0" eaLnBrk="1" latinLnBrk="0" hangingPunct="1"/>
             <a:r>
               <a:rPr lang="fr-FR" smtClean="0"/>
               <a:t>Modifiez les styles du texte du masque</a:t>
             </a:r>
           </a:p>
           <a:p>
-            <a:pPr lvl="1"/>
+            <a:pPr lvl="1" eaLnBrk="1" latinLnBrk="0" hangingPunct="1"/>
             <a:r>
               <a:rPr lang="fr-FR" smtClean="0"/>
               <a:t>Deuxième niveau</a:t>
             </a:r>
           </a:p>
           <a:p>
-            <a:pPr lvl="2"/>
+            <a:pPr lvl="2" eaLnBrk="1" latinLnBrk="0" hangingPunct="1"/>
             <a:r>
               <a:rPr lang="fr-FR" smtClean="0"/>
               <a:t>Troisième niveau</a:t>
             </a:r>
           </a:p>
           <a:p>
-            <a:pPr lvl="3"/>
+            <a:pPr lvl="3" eaLnBrk="1" latinLnBrk="0" hangingPunct="1"/>
             <a:r>
               <a:rPr lang="fr-FR" smtClean="0"/>
               <a:t>Quatrième niveau</a:t>
             </a:r>
           </a:p>
           <a:p>
-            <a:pPr lvl="4"/>
+            <a:pPr lvl="4" eaLnBrk="1" latinLnBrk="0" hangingPunct="1"/>
             <a:r>
               <a:rPr lang="fr-FR" smtClean="0"/>
               <a:t>Cinquième niveau</a:t>
             </a:r>
-            <a:endParaRPr lang="fr-FR"/>
+            <a:endParaRPr kumimoji="0" lang="fr-FR"/>
           </a:p>
         </p:txBody>
       </p:sp>
@@ -2312,12 +4198,12 @@
             <a:extLst/>
           </a:lstStyle>
           <a:p>
-            <a:fld id="{227FEF5B-F2CC-4EC5-8F1F-29A8BF9EFFA9}" type="datetime2">
+            <a:fld id="{959ED156-2732-479E-8410-D5807628268D}" type="datetimeFigureOut">
               <a:rPr lang="fr-FR"/>
               <a:pPr/>
-              <a:t>lundi 17 juillet 2017</a:t>
+              <a:t>25/07/2017</a:t>
             </a:fld>
-            <a:endParaRPr lang="fr-FR" dirty="0"/>
+            <a:endParaRPr lang="fr-FR"/>
           </a:p>
         </p:txBody>
       </p:sp>
@@ -2338,7 +4224,7 @@
             <a:extLst/>
           </a:lstStyle>
           <a:p>
-            <a:endParaRPr lang="fr-FR" dirty="0"/>
+            <a:endParaRPr lang="fr-FR"/>
           </a:p>
         </p:txBody>
       </p:sp>
@@ -2359,12 +4245,12 @@
             <a:extLst/>
           </a:lstStyle>
           <a:p>
-            <a:fld id="{BC410EEA-824F-4D46-AFE7-60426C8C06B0}" type="slidenum">
+            <a:fld id="{D18737D0-1F07-487A-BC82-FDF5B924E95B}" type="slidenum">
               <a:rPr/>
               <a:pPr/>
               <a:t>‹N°›</a:t>
             </a:fld>
-            <a:endParaRPr lang="fr-FR" dirty="0"/>
+            <a:endParaRPr lang="fr-FR"/>
           </a:p>
         </p:txBody>
       </p:sp>
@@ -2386,10 +4272,10 @@
           </a:lstStyle>
           <a:p>
             <a:r>
-              <a:rPr lang="fr-FR" smtClean="0"/>
+              <a:rPr kumimoji="0" lang="fr-FR" smtClean="0"/>
               <a:t>Modifiez le style du titre</a:t>
             </a:r>
-            <a:endParaRPr lang="fr-FR"/>
+            <a:endParaRPr kumimoji="0" lang="fr-FR"/>
           </a:p>
         </p:txBody>
       </p:sp>
@@ -2398,17 +4284,19 @@
   <p:clrMapOvr>
     <a:masterClrMapping/>
   </p:clrMapOvr>
+  <p:timing>
+    <p:tnLst>
+      <p:par>
+        <p:cTn id="1" dur="indefinite" restart="never" nodeType="tmRoot"/>
+      </p:par>
+    </p:tnLst>
+  </p:timing>
 </p:sldLayout>
 </file>
 
 <file path=ppt/slideLayouts/slideLayout3.xml><?xml version="1.0" encoding="utf-8"?>
 <p:sldLayout xmlns:a="http://schemas.openxmlformats.org/drawingml/2006/main" xmlns:r="http://schemas.openxmlformats.org/officeDocument/2006/relationships" xmlns:p="http://schemas.openxmlformats.org/presentationml/2006/main" type="secHead" preserve="1">
   <p:cSld name="Titre de section">
-    <p:bg>
-      <p:bgRef idx="1002">
-        <a:schemeClr val="bg1"/>
-      </p:bgRef>
-    </p:bg>
     <p:spTree>
       <p:nvGrpSpPr>
         <p:cNvPr id="1" name=""/>
@@ -2467,10 +4355,10 @@
           </a:lstStyle>
           <a:p>
             <a:r>
-              <a:rPr lang="fr-FR" smtClean="0"/>
+              <a:rPr kumimoji="0" lang="fr-FR" smtClean="0"/>
               <a:t>Modifiez le style du titre</a:t>
             </a:r>
-            <a:endParaRPr lang="fr-FR"/>
+            <a:endParaRPr kumimoji="0" lang="fr-FR"/>
           </a:p>
         </p:txBody>
       </p:sp>
@@ -2486,12 +4374,12 @@
         </p:nvSpPr>
         <p:spPr>
           <a:xfrm>
-            <a:off x="3922713" y="2888512"/>
+            <a:off x="3922713" y="2931712"/>
             <a:ext cx="4572000" cy="1454888"/>
           </a:xfrm>
         </p:spPr>
         <p:txBody>
-          <a:bodyPr anchor="t"/>
+          <a:bodyPr lIns="91440" rIns="91440" anchor="t"/>
           <a:lstStyle>
             <a:lvl1pPr marL="0" indent="0" algn="l" latinLnBrk="0">
               <a:buNone/>
@@ -2544,9 +4432,9 @@
             <a:extLst/>
           </a:lstStyle>
           <a:p>
-            <a:pPr lvl="0"/>
-            <a:r>
-              <a:rPr lang="fr-FR" smtClean="0"/>
+            <a:pPr lvl="0" eaLnBrk="1" latinLnBrk="0" hangingPunct="1"/>
+            <a:r>
+              <a:rPr kumimoji="0" lang="fr-FR" smtClean="0"/>
               <a:t>Modifiez les styles du texte du masque</a:t>
             </a:r>
           </a:p>
@@ -2569,12 +4457,12 @@
             <a:extLst/>
           </a:lstStyle>
           <a:p>
-            <a:fld id="{5F4709C1-563D-4D9C-B702-B64C84A5A174}" type="datetime2">
+            <a:fld id="{959ED156-2732-479E-8410-D5807628268D}" type="datetimeFigureOut">
               <a:rPr lang="fr-FR"/>
               <a:pPr/>
-              <a:t>lundi 17 juillet 2017</a:t>
+              <a:t>25/07/2017</a:t>
             </a:fld>
-            <a:endParaRPr lang="fr-FR" dirty="0"/>
+            <a:endParaRPr lang="fr-FR"/>
           </a:p>
         </p:txBody>
       </p:sp>
@@ -2595,7 +4483,7 @@
             <a:extLst/>
           </a:lstStyle>
           <a:p>
-            <a:endParaRPr lang="fr-FR" dirty="0"/>
+            <a:endParaRPr lang="fr-FR"/>
           </a:p>
         </p:txBody>
       </p:sp>
@@ -2616,12 +4504,12 @@
             <a:extLst/>
           </a:lstStyle>
           <a:p>
-            <a:fld id="{BC410EEA-824F-4D46-AFE7-60426C8C06B0}" type="slidenum">
+            <a:fld id="{D18737D0-1F07-487A-BC82-FDF5B924E95B}" type="slidenum">
               <a:rPr/>
               <a:pPr/>
               <a:t>‹N°›</a:t>
             </a:fld>
-            <a:endParaRPr lang="fr-FR" dirty="0"/>
+            <a:endParaRPr lang="fr-FR"/>
           </a:p>
         </p:txBody>
       </p:sp>
@@ -2700,8 +4588,8 @@
             <a:extLst/>
           </a:lstStyle>
           <a:p>
-            <a:pPr algn="l"/>
-            <a:endParaRPr lang="fr-FR" dirty="0"/>
+            <a:pPr algn="l" eaLnBrk="1" latinLnBrk="0" hangingPunct="1"/>
+            <a:endParaRPr kumimoji="0" lang="fr-FR"/>
           </a:p>
         </p:txBody>
       </p:sp>
@@ -2780,15 +4668,15 @@
             <a:extLst/>
           </a:lstStyle>
           <a:p>
-            <a:pPr algn="l"/>
-            <a:endParaRPr lang="fr-FR" dirty="0"/>
+            <a:pPr algn="l" eaLnBrk="1" latinLnBrk="0" hangingPunct="1"/>
+            <a:endParaRPr kumimoji="0" lang="fr-FR"/>
           </a:p>
         </p:txBody>
       </p:sp>
     </p:spTree>
   </p:cSld>
   <p:clrMapOvr>
-    <a:overrideClrMapping bg1="dk1" tx1="lt1" bg2="dk2" tx2="lt2" accent1="accent1" accent2="accent2" accent3="accent3" accent4="accent4" accent5="accent5" accent6="accent6" hlink="hlink" folHlink="folHlink"/>
+    <a:masterClrMapping/>
   </p:clrMapOvr>
 </p:sldLayout>
 </file>
@@ -2796,11 +4684,6 @@
 <file path=ppt/slideLayouts/slideLayout4.xml><?xml version="1.0" encoding="utf-8"?>
 <p:sldLayout xmlns:a="http://schemas.openxmlformats.org/drawingml/2006/main" xmlns:r="http://schemas.openxmlformats.org/officeDocument/2006/relationships" xmlns:p="http://schemas.openxmlformats.org/presentationml/2006/main" type="twoObj" preserve="1">
   <p:cSld name="Deux contenus">
-    <p:bg>
-      <p:bgRef idx="1002">
-        <a:schemeClr val="bg1"/>
-      </p:bgRef>
-    </p:bg>
     <p:spTree>
       <p:nvGrpSpPr>
         <p:cNvPr id="1" name=""/>
@@ -2852,40 +4735,40 @@
             <a:extLst/>
           </a:lstStyle>
           <a:p>
-            <a:pPr lvl="0"/>
+            <a:pPr lvl="0" eaLnBrk="1" latinLnBrk="0" hangingPunct="1"/>
             <a:r>
               <a:rPr lang="fr-FR" smtClean="0"/>
               <a:t>Modifiez les styles du texte du masque</a:t>
             </a:r>
           </a:p>
           <a:p>
-            <a:pPr lvl="1"/>
+            <a:pPr lvl="1" eaLnBrk="1" latinLnBrk="0" hangingPunct="1"/>
             <a:r>
               <a:rPr lang="fr-FR" smtClean="0"/>
               <a:t>Deuxième niveau</a:t>
             </a:r>
           </a:p>
           <a:p>
-            <a:pPr lvl="2"/>
+            <a:pPr lvl="2" eaLnBrk="1" latinLnBrk="0" hangingPunct="1"/>
             <a:r>
               <a:rPr lang="fr-FR" smtClean="0"/>
               <a:t>Troisième niveau</a:t>
             </a:r>
           </a:p>
           <a:p>
-            <a:pPr lvl="3"/>
+            <a:pPr lvl="3" eaLnBrk="1" latinLnBrk="0" hangingPunct="1"/>
             <a:r>
               <a:rPr lang="fr-FR" smtClean="0"/>
               <a:t>Quatrième niveau</a:t>
             </a:r>
           </a:p>
           <a:p>
-            <a:pPr lvl="4"/>
+            <a:pPr lvl="4" eaLnBrk="1" latinLnBrk="0" hangingPunct="1"/>
             <a:r>
               <a:rPr lang="fr-FR" smtClean="0"/>
               <a:t>Cinquième niveau</a:t>
             </a:r>
-            <a:endParaRPr lang="fr-FR"/>
+            <a:endParaRPr kumimoji="0" lang="fr-FR"/>
           </a:p>
         </p:txBody>
       </p:sp>
@@ -2926,40 +4809,40 @@
             <a:extLst/>
           </a:lstStyle>
           <a:p>
-            <a:pPr lvl="0"/>
+            <a:pPr lvl="0" eaLnBrk="1" latinLnBrk="0" hangingPunct="1"/>
             <a:r>
               <a:rPr lang="fr-FR" smtClean="0"/>
               <a:t>Modifiez les styles du texte du masque</a:t>
             </a:r>
           </a:p>
           <a:p>
-            <a:pPr lvl="1"/>
+            <a:pPr lvl="1" eaLnBrk="1" latinLnBrk="0" hangingPunct="1"/>
             <a:r>
               <a:rPr lang="fr-FR" smtClean="0"/>
               <a:t>Deuxième niveau</a:t>
             </a:r>
           </a:p>
           <a:p>
-            <a:pPr lvl="2"/>
+            <a:pPr lvl="2" eaLnBrk="1" latinLnBrk="0" hangingPunct="1"/>
             <a:r>
               <a:rPr lang="fr-FR" smtClean="0"/>
               <a:t>Troisième niveau</a:t>
             </a:r>
           </a:p>
           <a:p>
-            <a:pPr lvl="3"/>
+            <a:pPr lvl="3" eaLnBrk="1" latinLnBrk="0" hangingPunct="1"/>
             <a:r>
               <a:rPr lang="fr-FR" smtClean="0"/>
               <a:t>Quatrième niveau</a:t>
             </a:r>
           </a:p>
           <a:p>
-            <a:pPr lvl="4"/>
+            <a:pPr lvl="4" eaLnBrk="1" latinLnBrk="0" hangingPunct="1"/>
             <a:r>
               <a:rPr lang="fr-FR" smtClean="0"/>
               <a:t>Cinquième niveau</a:t>
             </a:r>
-            <a:endParaRPr lang="fr-FR"/>
+            <a:endParaRPr kumimoji="0" lang="fr-FR"/>
           </a:p>
         </p:txBody>
       </p:sp>
@@ -2980,12 +4863,12 @@
             <a:extLst/>
           </a:lstStyle>
           <a:p>
-            <a:fld id="{2E8303D9-A6EB-41FB-BF22-3F49E470997E}" type="datetime2">
+            <a:fld id="{959ED156-2732-479E-8410-D5807628268D}" type="datetimeFigureOut">
               <a:rPr lang="fr-FR"/>
               <a:pPr/>
-              <a:t>lundi 17 juillet 2017</a:t>
+              <a:t>25/07/2017</a:t>
             </a:fld>
-            <a:endParaRPr lang="fr-FR" dirty="0"/>
+            <a:endParaRPr lang="fr-FR"/>
           </a:p>
         </p:txBody>
       </p:sp>
@@ -3006,7 +4889,7 @@
             <a:extLst/>
           </a:lstStyle>
           <a:p>
-            <a:endParaRPr lang="fr-FR" dirty="0"/>
+            <a:endParaRPr lang="fr-FR"/>
           </a:p>
         </p:txBody>
       </p:sp>
@@ -3027,12 +4910,12 @@
             <a:extLst/>
           </a:lstStyle>
           <a:p>
-            <a:fld id="{BC410EEA-824F-4D46-AFE7-60426C8C06B0}" type="slidenum">
+            <a:fld id="{D18737D0-1F07-487A-BC82-FDF5B924E95B}" type="slidenum">
               <a:rPr/>
               <a:pPr/>
               <a:t>‹N°›</a:t>
             </a:fld>
-            <a:endParaRPr lang="fr-FR" dirty="0"/>
+            <a:endParaRPr lang="fr-FR"/>
           </a:p>
         </p:txBody>
       </p:sp>
@@ -3054,17 +4937,17 @@
           </a:lstStyle>
           <a:p>
             <a:r>
-              <a:rPr lang="fr-FR" smtClean="0"/>
+              <a:rPr kumimoji="0" lang="fr-FR" smtClean="0"/>
               <a:t>Modifiez le style du titre</a:t>
             </a:r>
-            <a:endParaRPr lang="fr-FR"/>
+            <a:endParaRPr kumimoji="0" lang="fr-FR"/>
           </a:p>
         </p:txBody>
       </p:sp>
     </p:spTree>
   </p:cSld>
   <p:clrMapOvr>
-    <a:overrideClrMapping bg1="dk1" tx1="lt1" bg2="dk2" tx2="lt2" accent1="accent1" accent2="accent2" accent3="accent3" accent4="accent4" accent5="accent5" accent6="accent6" hlink="hlink" folHlink="folHlink"/>
+    <a:masterClrMapping/>
   </p:clrMapOvr>
 </p:sldLayout>
 </file>
@@ -3072,11 +4955,6 @@
 <file path=ppt/slideLayouts/slideLayout5.xml><?xml version="1.0" encoding="utf-8"?>
 <p:sldLayout xmlns:a="http://schemas.openxmlformats.org/drawingml/2006/main" xmlns:r="http://schemas.openxmlformats.org/officeDocument/2006/relationships" xmlns:p="http://schemas.openxmlformats.org/presentationml/2006/main" showMasterSp="0" type="twoTxTwoObj" preserve="1">
   <p:cSld name="Comparaison">
-    <p:bg>
-      <p:bgRef idx="1003">
-        <a:schemeClr val="bg1"/>
-      </p:bgRef>
-    </p:bg>
     <p:spTree>
       <p:nvGrpSpPr>
         <p:cNvPr id="1" name=""/>
@@ -3117,10 +4995,10 @@
           </a:lstStyle>
           <a:p>
             <a:r>
-              <a:rPr lang="fr-FR" smtClean="0"/>
+              <a:rPr kumimoji="0" lang="fr-FR" smtClean="0"/>
               <a:t>Modifiez le style du titre</a:t>
             </a:r>
-            <a:endParaRPr lang="fr-FR"/>
+            <a:endParaRPr kumimoji="0" lang="fr-FR"/>
           </a:p>
         </p:txBody>
       </p:sp>
@@ -3179,9 +5057,9 @@
             <a:extLst/>
           </a:lstStyle>
           <a:p>
-            <a:pPr lvl="0"/>
-            <a:r>
-              <a:rPr lang="fr-FR" smtClean="0"/>
+            <a:pPr lvl="0" eaLnBrk="1" latinLnBrk="0" hangingPunct="1"/>
+            <a:r>
+              <a:rPr kumimoji="0" lang="fr-FR" smtClean="0"/>
               <a:t>Modifiez les styles du texte du masque</a:t>
             </a:r>
           </a:p>
@@ -3242,9 +5120,9 @@
             <a:extLst/>
           </a:lstStyle>
           <a:p>
-            <a:pPr lvl="0"/>
-            <a:r>
-              <a:rPr lang="fr-FR" smtClean="0"/>
+            <a:pPr lvl="0" eaLnBrk="1" latinLnBrk="0" hangingPunct="1"/>
+            <a:r>
+              <a:rPr kumimoji="0" lang="fr-FR" smtClean="0"/>
               <a:t>Modifiez les styles du texte du masque</a:t>
             </a:r>
           </a:p>
@@ -3262,7 +5140,7 @@
         </p:nvSpPr>
         <p:spPr>
           <a:xfrm>
-            <a:off x="457200" y="1472430"/>
+            <a:off x="457200" y="1444294"/>
             <a:ext cx="4040188" cy="3941763"/>
           </a:xfrm>
           <a:ln>
@@ -3292,40 +5170,40 @@
             <a:extLst/>
           </a:lstStyle>
           <a:p>
-            <a:pPr lvl="0"/>
+            <a:pPr lvl="0" eaLnBrk="1" latinLnBrk="0" hangingPunct="1"/>
             <a:r>
               <a:rPr lang="fr-FR" smtClean="0"/>
               <a:t>Modifiez les styles du texte du masque</a:t>
             </a:r>
           </a:p>
           <a:p>
-            <a:pPr lvl="1"/>
+            <a:pPr lvl="1" eaLnBrk="1" latinLnBrk="0" hangingPunct="1"/>
             <a:r>
               <a:rPr lang="fr-FR" smtClean="0"/>
               <a:t>Deuxième niveau</a:t>
             </a:r>
           </a:p>
           <a:p>
-            <a:pPr lvl="2"/>
+            <a:pPr lvl="2" eaLnBrk="1" latinLnBrk="0" hangingPunct="1"/>
             <a:r>
               <a:rPr lang="fr-FR" smtClean="0"/>
               <a:t>Troisième niveau</a:t>
             </a:r>
           </a:p>
           <a:p>
-            <a:pPr lvl="3"/>
+            <a:pPr lvl="3" eaLnBrk="1" latinLnBrk="0" hangingPunct="1"/>
             <a:r>
               <a:rPr lang="fr-FR" smtClean="0"/>
               <a:t>Quatrième niveau</a:t>
             </a:r>
           </a:p>
           <a:p>
-            <a:pPr lvl="4"/>
+            <a:pPr lvl="4" eaLnBrk="1" latinLnBrk="0" hangingPunct="1"/>
             <a:r>
               <a:rPr lang="fr-FR" smtClean="0"/>
               <a:t>Cinquième niveau</a:t>
             </a:r>
-            <a:endParaRPr lang="fr-FR"/>
+            <a:endParaRPr kumimoji="0" lang="fr-FR"/>
           </a:p>
         </p:txBody>
       </p:sp>
@@ -3341,7 +5219,7 @@
         </p:nvSpPr>
         <p:spPr>
           <a:xfrm>
-            <a:off x="4645025" y="1472430"/>
+            <a:off x="4645025" y="1444294"/>
             <a:ext cx="4041775" cy="3941763"/>
           </a:xfrm>
           <a:ln>
@@ -3374,40 +5252,40 @@
             <a:extLst/>
           </a:lstStyle>
           <a:p>
-            <a:pPr lvl="0"/>
+            <a:pPr lvl="0" eaLnBrk="1" latinLnBrk="0" hangingPunct="1"/>
             <a:r>
               <a:rPr lang="fr-FR" smtClean="0"/>
               <a:t>Modifiez les styles du texte du masque</a:t>
             </a:r>
           </a:p>
           <a:p>
-            <a:pPr lvl="1"/>
+            <a:pPr lvl="1" eaLnBrk="1" latinLnBrk="0" hangingPunct="1"/>
             <a:r>
               <a:rPr lang="fr-FR" smtClean="0"/>
               <a:t>Deuxième niveau</a:t>
             </a:r>
           </a:p>
           <a:p>
-            <a:pPr lvl="2"/>
+            <a:pPr lvl="2" eaLnBrk="1" latinLnBrk="0" hangingPunct="1"/>
             <a:r>
               <a:rPr lang="fr-FR" smtClean="0"/>
               <a:t>Troisième niveau</a:t>
             </a:r>
           </a:p>
           <a:p>
-            <a:pPr lvl="3"/>
+            <a:pPr lvl="3" eaLnBrk="1" latinLnBrk="0" hangingPunct="1"/>
             <a:r>
               <a:rPr lang="fr-FR" smtClean="0"/>
               <a:t>Quatrième niveau</a:t>
             </a:r>
           </a:p>
           <a:p>
-            <a:pPr lvl="4"/>
+            <a:pPr lvl="4" eaLnBrk="1" latinLnBrk="0" hangingPunct="1"/>
             <a:r>
               <a:rPr lang="fr-FR" smtClean="0"/>
               <a:t>Cinquième niveau</a:t>
             </a:r>
-            <a:endParaRPr lang="fr-FR"/>
+            <a:endParaRPr kumimoji="0" lang="fr-FR"/>
           </a:p>
         </p:txBody>
       </p:sp>
@@ -3428,12 +5306,12 @@
             <a:extLst/>
           </a:lstStyle>
           <a:p>
-            <a:fld id="{89BB0534-5698-4F62-9CFE-5DE61A073E78}" type="datetime2">
+            <a:fld id="{959ED156-2732-479E-8410-D5807628268D}" type="datetimeFigureOut">
               <a:rPr lang="fr-FR"/>
               <a:pPr/>
-              <a:t>lundi 17 juillet 2017</a:t>
+              <a:t>25/07/2017</a:t>
             </a:fld>
-            <a:endParaRPr lang="fr-FR" dirty="0"/>
+            <a:endParaRPr lang="fr-FR"/>
           </a:p>
         </p:txBody>
       </p:sp>
@@ -3454,7 +5332,7 @@
             <a:extLst/>
           </a:lstStyle>
           <a:p>
-            <a:endParaRPr lang="fr-FR" dirty="0"/>
+            <a:endParaRPr lang="fr-FR"/>
           </a:p>
         </p:txBody>
       </p:sp>
@@ -3475,19 +5353,19 @@
             <a:extLst/>
           </a:lstStyle>
           <a:p>
-            <a:fld id="{BC410EEA-824F-4D46-AFE7-60426C8C06B0}" type="slidenum">
+            <a:fld id="{D18737D0-1F07-487A-BC82-FDF5B924E95B}" type="slidenum">
               <a:rPr/>
               <a:pPr/>
               <a:t>‹N°›</a:t>
             </a:fld>
-            <a:endParaRPr lang="fr-FR" dirty="0"/>
+            <a:endParaRPr lang="fr-FR"/>
           </a:p>
         </p:txBody>
       </p:sp>
     </p:spTree>
   </p:cSld>
   <p:clrMapOvr>
-    <a:overrideClrMapping bg1="lt1" tx1="dk1" bg2="lt2" tx2="dk2" accent1="accent1" accent2="accent2" accent3="accent3" accent4="accent4" accent5="accent5" accent6="accent6" hlink="hlink" folHlink="folHlink"/>
+    <a:masterClrMapping/>
   </p:clrMapOvr>
 </p:sldLayout>
 </file>
@@ -3495,11 +5373,6 @@
 <file path=ppt/slideLayouts/slideLayout6.xml><?xml version="1.0" encoding="utf-8"?>
 <p:sldLayout xmlns:a="http://schemas.openxmlformats.org/drawingml/2006/main" xmlns:r="http://schemas.openxmlformats.org/officeDocument/2006/relationships" xmlns:p="http://schemas.openxmlformats.org/presentationml/2006/main" type="titleOnly" preserve="1">
   <p:cSld name="Titre seul">
-    <p:bg>
-      <p:bgRef idx="1002">
-        <a:schemeClr val="bg1"/>
-      </p:bgRef>
-    </p:bg>
     <p:spTree>
       <p:nvGrpSpPr>
         <p:cNvPr id="1" name=""/>
@@ -3531,12 +5404,12 @@
             <a:extLst/>
           </a:lstStyle>
           <a:p>
-            <a:fld id="{084827A3-B249-4F87-AB1A-1E06AC1AA2A4}" type="datetime2">
+            <a:fld id="{959ED156-2732-479E-8410-D5807628268D}" type="datetimeFigureOut">
               <a:rPr lang="fr-FR"/>
               <a:pPr/>
-              <a:t>lundi 17 juillet 2017</a:t>
+              <a:t>25/07/2017</a:t>
             </a:fld>
-            <a:endParaRPr lang="fr-FR" dirty="0"/>
+            <a:endParaRPr lang="fr-FR"/>
           </a:p>
         </p:txBody>
       </p:sp>
@@ -3557,7 +5430,7 @@
             <a:extLst/>
           </a:lstStyle>
           <a:p>
-            <a:endParaRPr lang="fr-FR" dirty="0"/>
+            <a:endParaRPr lang="fr-FR"/>
           </a:p>
         </p:txBody>
       </p:sp>
@@ -3578,12 +5451,12 @@
             <a:extLst/>
           </a:lstStyle>
           <a:p>
-            <a:fld id="{BC410EEA-824F-4D46-AFE7-60426C8C06B0}" type="slidenum">
+            <a:fld id="{D18737D0-1F07-487A-BC82-FDF5B924E95B}" type="slidenum">
               <a:rPr/>
               <a:pPr/>
               <a:t>‹N°›</a:t>
             </a:fld>
-            <a:endParaRPr lang="fr-FR" dirty="0"/>
+            <a:endParaRPr lang="fr-FR"/>
           </a:p>
         </p:txBody>
       </p:sp>
@@ -3605,17 +5478,17 @@
           </a:lstStyle>
           <a:p>
             <a:r>
-              <a:rPr lang="fr-FR" smtClean="0"/>
+              <a:rPr kumimoji="0" lang="fr-FR" smtClean="0"/>
               <a:t>Modifiez le style du titre</a:t>
             </a:r>
-            <a:endParaRPr lang="fr-FR"/>
+            <a:endParaRPr kumimoji="0" lang="fr-FR"/>
           </a:p>
         </p:txBody>
       </p:sp>
     </p:spTree>
   </p:cSld>
   <p:clrMapOvr>
-    <a:overrideClrMapping bg1="dk1" tx1="lt1" bg2="dk2" tx2="lt2" accent1="accent1" accent2="accent2" accent3="accent3" accent4="accent4" accent5="accent5" accent6="accent6" hlink="hlink" folHlink="folHlink"/>
+    <a:masterClrMapping/>
   </p:clrMapOvr>
 </p:sldLayout>
 </file>
@@ -3654,12 +5527,12 @@
             <a:extLst/>
           </a:lstStyle>
           <a:p>
-            <a:fld id="{B1546142-29B2-49CC-BCC6-A3AD70B4960E}" type="datetime2">
+            <a:fld id="{959ED156-2732-479E-8410-D5807628268D}" type="datetimeFigureOut">
               <a:rPr lang="fr-FR"/>
               <a:pPr/>
-              <a:t>lundi 17 juillet 2017</a:t>
+              <a:t>25/07/2017</a:t>
             </a:fld>
-            <a:endParaRPr lang="fr-FR" dirty="0"/>
+            <a:endParaRPr lang="fr-FR"/>
           </a:p>
         </p:txBody>
       </p:sp>
@@ -3680,7 +5553,7 @@
             <a:extLst/>
           </a:lstStyle>
           <a:p>
-            <a:endParaRPr lang="fr-FR" dirty="0"/>
+            <a:endParaRPr lang="fr-FR"/>
           </a:p>
         </p:txBody>
       </p:sp>
@@ -3701,12 +5574,12 @@
             <a:extLst/>
           </a:lstStyle>
           <a:p>
-            <a:fld id="{BC410EEA-824F-4D46-AFE7-60426C8C06B0}" type="slidenum">
+            <a:fld id="{D18737D0-1F07-487A-BC82-FDF5B924E95B}" type="slidenum">
               <a:rPr/>
               <a:pPr/>
               <a:t>‹N°›</a:t>
             </a:fld>
-            <a:endParaRPr lang="fr-FR" dirty="0"/>
+            <a:endParaRPr lang="fr-FR"/>
           </a:p>
         </p:txBody>
       </p:sp>
@@ -3721,11 +5594,6 @@
 <file path=ppt/slideLayouts/slideLayout8.xml><?xml version="1.0" encoding="utf-8"?>
 <p:sldLayout xmlns:a="http://schemas.openxmlformats.org/drawingml/2006/main" xmlns:r="http://schemas.openxmlformats.org/officeDocument/2006/relationships" xmlns:p="http://schemas.openxmlformats.org/presentationml/2006/main" showMasterSp="0" type="objTx" preserve="1">
   <p:cSld name="Contenu avec légende">
-    <p:bg>
-      <p:bgRef idx="1003">
-        <a:schemeClr val="bg1"/>
-      </p:bgRef>
-    </p:bg>
     <p:spTree>
       <p:nvGrpSpPr>
         <p:cNvPr id="1" name=""/>
@@ -3777,10 +5645,10 @@
           </a:lstStyle>
           <a:p>
             <a:r>
-              <a:rPr lang="fr-FR" smtClean="0"/>
+              <a:rPr kumimoji="0" lang="fr-FR" smtClean="0"/>
               <a:t>Modifiez le style du titre</a:t>
             </a:r>
-            <a:endParaRPr lang="fr-FR"/>
+            <a:endParaRPr kumimoji="0" lang="fr-FR"/>
           </a:p>
         </p:txBody>
       </p:sp>
@@ -3796,7 +5664,7 @@
         </p:nvSpPr>
         <p:spPr>
           <a:xfrm>
-            <a:off x="4419600" y="5334000"/>
+            <a:off x="4419600" y="5355102"/>
             <a:ext cx="3974592" cy="914400"/>
           </a:xfrm>
         </p:spPr>
@@ -3826,9 +5694,9 @@
             <a:extLst/>
           </a:lstStyle>
           <a:p>
-            <a:pPr lvl="0"/>
-            <a:r>
-              <a:rPr lang="fr-FR" smtClean="0"/>
+            <a:pPr lvl="0" eaLnBrk="1" latinLnBrk="0" hangingPunct="1"/>
+            <a:r>
+              <a:rPr kumimoji="0" lang="fr-FR" smtClean="0"/>
               <a:t>Modifiez les styles du texte du masque</a:t>
             </a:r>
           </a:p>
@@ -3871,40 +5739,40 @@
             <a:extLst/>
           </a:lstStyle>
           <a:p>
-            <a:pPr lvl="0"/>
+            <a:pPr lvl="0" eaLnBrk="1" latinLnBrk="0" hangingPunct="1"/>
             <a:r>
               <a:rPr lang="fr-FR" smtClean="0"/>
               <a:t>Modifiez les styles du texte du masque</a:t>
             </a:r>
           </a:p>
           <a:p>
-            <a:pPr lvl="1"/>
+            <a:pPr lvl="1" eaLnBrk="1" latinLnBrk="0" hangingPunct="1"/>
             <a:r>
               <a:rPr lang="fr-FR" smtClean="0"/>
               <a:t>Deuxième niveau</a:t>
             </a:r>
           </a:p>
           <a:p>
-            <a:pPr lvl="2"/>
+            <a:pPr lvl="2" eaLnBrk="1" latinLnBrk="0" hangingPunct="1"/>
             <a:r>
               <a:rPr lang="fr-FR" smtClean="0"/>
               <a:t>Troisième niveau</a:t>
             </a:r>
           </a:p>
           <a:p>
-            <a:pPr lvl="3"/>
+            <a:pPr lvl="3" eaLnBrk="1" latinLnBrk="0" hangingPunct="1"/>
             <a:r>
               <a:rPr lang="fr-FR" smtClean="0"/>
               <a:t>Quatrième niveau</a:t>
             </a:r>
           </a:p>
           <a:p>
-            <a:pPr lvl="4"/>
+            <a:pPr lvl="4" eaLnBrk="1" latinLnBrk="0" hangingPunct="1"/>
             <a:r>
               <a:rPr lang="fr-FR" smtClean="0"/>
               <a:t>Cinquième niveau</a:t>
             </a:r>
-            <a:endParaRPr lang="fr-FR"/>
+            <a:endParaRPr kumimoji="0" lang="fr-FR"/>
           </a:p>
         </p:txBody>
       </p:sp>
@@ -3930,12 +5798,12 @@
             <a:extLst/>
           </a:lstStyle>
           <a:p>
-            <a:fld id="{E86C4691-4882-40A8-AF62-8CF6A18D40B2}" type="datetime2">
+            <a:fld id="{959ED156-2732-479E-8410-D5807628268D}" type="datetimeFigureOut">
               <a:rPr lang="fr-FR"/>
               <a:pPr/>
-              <a:t>lundi 17 juillet 2017</a:t>
+              <a:t>25/07/2017</a:t>
             </a:fld>
-            <a:endParaRPr lang="fr-FR" dirty="0"/>
+            <a:endParaRPr lang="fr-FR"/>
           </a:p>
         </p:txBody>
       </p:sp>
@@ -3956,7 +5824,7 @@
             <a:extLst/>
           </a:lstStyle>
           <a:p>
-            <a:endParaRPr lang="fr-FR" dirty="0"/>
+            <a:endParaRPr lang="fr-FR"/>
           </a:p>
         </p:txBody>
       </p:sp>
@@ -3977,19 +5845,19 @@
             <a:extLst/>
           </a:lstStyle>
           <a:p>
-            <a:fld id="{BC410EEA-824F-4D46-AFE7-60426C8C06B0}" type="slidenum">
+            <a:fld id="{D18737D0-1F07-487A-BC82-FDF5B924E95B}" type="slidenum">
               <a:rPr/>
               <a:pPr/>
               <a:t>‹N°›</a:t>
             </a:fld>
-            <a:endParaRPr lang="fr-FR" dirty="0"/>
+            <a:endParaRPr lang="fr-FR"/>
           </a:p>
         </p:txBody>
       </p:sp>
     </p:spTree>
   </p:cSld>
   <p:clrMapOvr>
-    <a:overrideClrMapping bg1="lt1" tx1="dk1" bg2="lt2" tx2="dk2" accent1="accent1" accent2="accent2" accent3="accent3" accent4="accent4" accent5="accent5" accent6="accent6" hlink="hlink" folHlink="folHlink"/>
+    <a:masterClrMapping/>
   </p:clrMapOvr>
 </p:sldLayout>
 </file>
@@ -3997,11 +5865,6 @@
 <file path=ppt/slideLayouts/slideLayout9.xml><?xml version="1.0" encoding="utf-8"?>
 <p:sldLayout xmlns:a="http://schemas.openxmlformats.org/drawingml/2006/main" xmlns:r="http://schemas.openxmlformats.org/officeDocument/2006/relationships" xmlns:p="http://schemas.openxmlformats.org/presentationml/2006/main" showMasterSp="0" type="picTx" preserve="1">
   <p:cSld name="Image avec légende">
-    <p:bg>
-      <p:bgRef idx="1002">
-        <a:schemeClr val="bg1"/>
-      </p:bgRef>
-    </p:bg>
     <p:spTree>
       <p:nvGrpSpPr>
         <p:cNvPr id="1" name=""/>
@@ -4028,13 +5891,13 @@
         </p:nvSpPr>
         <p:spPr>
           <a:xfrm>
-            <a:off x="1141232" y="5371568"/>
+            <a:off x="1141232" y="5443402"/>
             <a:ext cx="7162800" cy="648232"/>
           </a:xfrm>
           <a:noFill/>
         </p:spPr>
         <p:txBody>
-          <a:bodyPr anchor="t"/>
+          <a:bodyPr lIns="91440" tIns="0" rIns="91440" anchor="t"/>
           <a:lstStyle>
             <a:lvl1pPr marL="0" marR="18288" indent="0" algn="r" latinLnBrk="0">
               <a:buNone/>
@@ -4055,9 +5918,9 @@
             <a:extLst/>
           </a:lstStyle>
           <a:p>
-            <a:pPr lvl="0"/>
-            <a:r>
-              <a:rPr lang="fr-FR" smtClean="0"/>
+            <a:pPr lvl="0" eaLnBrk="1" latinLnBrk="0" hangingPunct="1"/>
+            <a:r>
+              <a:rPr kumimoji="0" lang="fr-FR" smtClean="0"/>
               <a:t>Modifiez les styles du texte du masque</a:t>
             </a:r>
           </a:p>
@@ -4106,10 +5969,10 @@
           </a:lstStyle>
           <a:p>
             <a:r>
-              <a:rPr lang="fr-FR" dirty="0" smtClean="0"/>
+              <a:rPr kumimoji="0" lang="fr-FR" smtClean="0"/>
               <a:t>Cliquez sur l'icône pour ajouter une image</a:t>
             </a:r>
-            <a:endParaRPr lang="fr-FR" dirty="0"/>
+            <a:endParaRPr kumimoji="0" lang="fr-FR"/>
           </a:p>
         </p:txBody>
       </p:sp>
@@ -4137,16 +6000,12 @@
             <a:extLst/>
           </a:lstStyle>
           <a:p>
-            <a:fld id="{61C6776A-4DEC-47EE-8A49-2C150ECB5465}" type="datetime2">
+            <a:fld id="{959ED156-2732-479E-8410-D5807628268D}" type="datetimeFigureOut">
               <a:rPr lang="fr-FR"/>
               <a:pPr/>
-              <a:t>lundi 17 juillet 2017</a:t>
+              <a:t>25/07/2017</a:t>
             </a:fld>
-            <a:endParaRPr lang="fr-FR" dirty="0">
-              <a:solidFill>
-                <a:schemeClr val="tx1"/>
-              </a:solidFill>
-            </a:endParaRPr>
+            <a:endParaRPr lang="fr-FR"/>
           </a:p>
         </p:txBody>
       </p:sp>
@@ -4179,11 +6038,7 @@
             <a:extLst/>
           </a:lstStyle>
           <a:p>
-            <a:endParaRPr lang="fr-FR" dirty="0">
-              <a:solidFill>
-                <a:schemeClr val="tx1"/>
-              </a:solidFill>
-            </a:endParaRPr>
+            <a:endParaRPr lang="fr-FR"/>
           </a:p>
         </p:txBody>
       </p:sp>
@@ -4211,16 +6066,12 @@
             <a:extLst/>
           </a:lstStyle>
           <a:p>
-            <a:fld id="{BC410EEA-824F-4D46-AFE7-60426C8C06B0}" type="slidenum">
+            <a:fld id="{D18737D0-1F07-487A-BC82-FDF5B924E95B}" type="slidenum">
               <a:rPr/>
               <a:pPr/>
               <a:t>‹N°›</a:t>
             </a:fld>
-            <a:endParaRPr lang="fr-FR" dirty="0">
-              <a:solidFill>
-                <a:schemeClr val="tx1"/>
-              </a:solidFill>
-            </a:endParaRPr>
+            <a:endParaRPr lang="fr-FR"/>
           </a:p>
         </p:txBody>
       </p:sp>
@@ -4236,7 +6087,7 @@
         </p:nvSpPr>
         <p:spPr>
           <a:xfrm>
-            <a:off x="228600" y="4807688"/>
+            <a:off x="228600" y="4865122"/>
             <a:ext cx="8075432" cy="562672"/>
           </a:xfrm>
           <a:noFill/>
@@ -4265,16 +6116,16 @@
           </a:lstStyle>
           <a:p>
             <a:r>
-              <a:rPr lang="fr-FR" smtClean="0"/>
+              <a:rPr kumimoji="0" lang="fr-FR" smtClean="0"/>
               <a:t>Modifiez le style du titre</a:t>
             </a:r>
-            <a:endParaRPr lang="fr-FR"/>
-          </a:p>
-        </p:txBody>
-      </p:sp>
-      <p:sp>
-        <p:nvSpPr>
-          <p:cNvPr id="8" name="Shape 7"/>
+            <a:endParaRPr kumimoji="0" lang="fr-FR"/>
+          </a:p>
+        </p:txBody>
+      </p:sp>
+      <p:sp>
+        <p:nvSpPr>
+          <p:cNvPr id="8" name="Freeform 7"/>
           <p:cNvSpPr>
             <a:spLocks/>
           </p:cNvSpPr>
@@ -4352,13 +6203,13 @@
             <a:extLst/>
           </a:lstStyle>
           <a:p>
-            <a:endParaRPr lang="fr-FR" dirty="0"/>
-          </a:p>
-        </p:txBody>
-      </p:sp>
-      <p:sp>
-        <p:nvSpPr>
-          <p:cNvPr id="9" name="Shape 8"/>
+            <a:endParaRPr kumimoji="0" lang="fr-FR"/>
+          </a:p>
+        </p:txBody>
+      </p:sp>
+      <p:sp>
+        <p:nvSpPr>
+          <p:cNvPr id="9" name="Freeform 8"/>
           <p:cNvSpPr>
             <a:spLocks/>
           </p:cNvSpPr>
@@ -4434,7 +6285,7 @@
             <a:extLst/>
           </a:lstStyle>
           <a:p>
-            <a:endParaRPr lang="fr-FR" dirty="0"/>
+            <a:endParaRPr kumimoji="0" lang="fr-FR"/>
           </a:p>
         </p:txBody>
       </p:sp>
@@ -4544,8 +6395,8 @@
             <a:extLst/>
           </a:lstStyle>
           <a:p>
-            <a:pPr algn="ctr"/>
-            <a:endParaRPr lang="fr-FR" dirty="0"/>
+            <a:pPr algn="ctr" eaLnBrk="1" latinLnBrk="0" hangingPunct="1"/>
+            <a:endParaRPr kumimoji="0" lang="fr-FR"/>
           </a:p>
         </p:txBody>
       </p:sp>
@@ -4677,8 +6528,8 @@
             <a:extLst/>
           </a:lstStyle>
           <a:p>
-            <a:pPr algn="l"/>
-            <a:endParaRPr lang="fr-FR" dirty="0"/>
+            <a:pPr algn="l" eaLnBrk="1" latinLnBrk="0" hangingPunct="1"/>
+            <a:endParaRPr kumimoji="0" lang="fr-FR"/>
           </a:p>
         </p:txBody>
       </p:sp>
@@ -4757,15 +6608,15 @@
             <a:extLst/>
           </a:lstStyle>
           <a:p>
-            <a:pPr algn="l"/>
-            <a:endParaRPr lang="fr-FR" dirty="0"/>
+            <a:pPr algn="l" eaLnBrk="1" latinLnBrk="0" hangingPunct="1"/>
+            <a:endParaRPr kumimoji="0" lang="fr-FR"/>
           </a:p>
         </p:txBody>
       </p:sp>
     </p:spTree>
   </p:cSld>
   <p:clrMapOvr>
-    <a:overrideClrMapping bg1="dk1" tx1="lt1" bg2="dk2" tx2="lt2" accent1="accent1" accent2="accent2" accent3="accent3" accent4="accent4" accent5="accent5" accent6="accent6" hlink="hlink" folHlink="folHlink"/>
+    <a:masterClrMapping/>
   </p:clrMapOvr>
 </p:sldLayout>
 </file>
@@ -4774,7 +6625,7 @@
 <p:sldMaster xmlns:a="http://schemas.openxmlformats.org/drawingml/2006/main" xmlns:r="http://schemas.openxmlformats.org/officeDocument/2006/relationships" xmlns:p="http://schemas.openxmlformats.org/presentationml/2006/main">
   <p:cSld>
     <p:bg>
-      <p:bgRef idx="1001">
+      <p:bgRef idx="1003">
         <a:schemeClr val="bg1"/>
       </p:bgRef>
     </p:bg>
@@ -4794,7 +6645,7 @@
       </p:grpSpPr>
       <p:sp>
         <p:nvSpPr>
-          <p:cNvPr id="13" name="Shape 12"/>
+          <p:cNvPr id="13" name="Freeform 12"/>
           <p:cNvSpPr>
             <a:spLocks/>
           </p:cNvSpPr>
@@ -4872,13 +6723,13 @@
             <a:extLst/>
           </a:lstStyle>
           <a:p>
-            <a:endParaRPr lang="fr-FR" dirty="0"/>
-          </a:p>
-        </p:txBody>
-      </p:sp>
-      <p:sp>
-        <p:nvSpPr>
-          <p:cNvPr id="12" name="Shape 11"/>
+            <a:endParaRPr kumimoji="0" lang="fr-FR"/>
+          </a:p>
+        </p:txBody>
+      </p:sp>
+      <p:sp>
+        <p:nvSpPr>
+          <p:cNvPr id="12" name="Freeform 11"/>
           <p:cNvSpPr>
             <a:spLocks/>
           </p:cNvSpPr>
@@ -4954,7 +6805,7 @@
             <a:extLst/>
           </a:lstStyle>
           <a:p>
-            <a:endParaRPr lang="fr-FR" dirty="0"/>
+            <a:endParaRPr kumimoji="0" lang="fr-FR"/>
           </a:p>
         </p:txBody>
       </p:sp>
@@ -5064,8 +6915,8 @@
             <a:extLst/>
           </a:lstStyle>
           <a:p>
-            <a:pPr algn="ctr"/>
-            <a:endParaRPr lang="fr-FR" dirty="0"/>
+            <a:pPr algn="ctr" eaLnBrk="1" latinLnBrk="0" hangingPunct="1"/>
+            <a:endParaRPr kumimoji="0" lang="fr-FR"/>
           </a:p>
         </p:txBody>
       </p:sp>
@@ -5157,8 +7008,8 @@
           </a:lstStyle>
           <a:p>
             <a:r>
-              <a:rPr lang="fr-FR"/>
-              <a:t>Cliquer ici pour modifier le style du titre du masque</a:t>
+              <a:rPr kumimoji="0" lang="fr-FR"/>
+              <a:t>Cliquez pour modifier le style du titre</a:t>
             </a:r>
           </a:p>
         </p:txBody>
@@ -5190,66 +7041,38 @@
             <a:extLst/>
           </a:lstStyle>
           <a:p>
-            <a:pPr lvl="0"/>
-            <a:r>
-              <a:rPr lang="fr-FR"/>
-              <a:t>Cliquer ici pour modifier les styles du texte du masque</a:t>
-            </a:r>
-          </a:p>
-          <a:p>
-            <a:pPr lvl="1"/>
-            <a:r>
-              <a:rPr lang="fr-FR"/>
+            <a:pPr lvl="0" eaLnBrk="1" latinLnBrk="0" hangingPunct="1"/>
+            <a:r>
+              <a:rPr kumimoji="0" lang="fr-FR"/>
+              <a:t>Cliquez pour modifier les styles du texte du masque</a:t>
+            </a:r>
+          </a:p>
+          <a:p>
+            <a:pPr lvl="1" eaLnBrk="1" latinLnBrk="0" hangingPunct="1"/>
+            <a:r>
+              <a:rPr kumimoji="0" lang="fr-FR"/>
               <a:t>Deuxième niveau</a:t>
             </a:r>
           </a:p>
           <a:p>
-            <a:pPr lvl="2"/>
-            <a:r>
-              <a:rPr lang="fr-FR"/>
+            <a:pPr lvl="2" eaLnBrk="1" latinLnBrk="0" hangingPunct="1"/>
+            <a:r>
+              <a:rPr kumimoji="0" lang="fr-FR"/>
               <a:t>Troisième niveau</a:t>
             </a:r>
           </a:p>
           <a:p>
-            <a:pPr lvl="3"/>
-            <a:r>
-              <a:rPr lang="fr-FR"/>
+            <a:pPr lvl="3" eaLnBrk="1" latinLnBrk="0" hangingPunct="1"/>
+            <a:r>
+              <a:rPr kumimoji="0" lang="fr-FR"/>
               <a:t>Quatrième niveau</a:t>
             </a:r>
           </a:p>
           <a:p>
-            <a:pPr lvl="4"/>
-            <a:r>
-              <a:rPr lang="fr-FR"/>
+            <a:pPr lvl="4" eaLnBrk="1" latinLnBrk="0" hangingPunct="1"/>
+            <a:r>
+              <a:rPr kumimoji="0" lang="fr-FR"/>
               <a:t>Cinquième niveau</a:t>
-            </a:r>
-          </a:p>
-          <a:p>
-            <a:pPr lvl="5"/>
-            <a:r>
-              <a:rPr lang="fr-FR"/>
-              <a:t>Sixième niveau</a:t>
-            </a:r>
-          </a:p>
-          <a:p>
-            <a:pPr lvl="6"/>
-            <a:r>
-              <a:rPr lang="fr-FR"/>
-              <a:t>Septième niveau</a:t>
-            </a:r>
-          </a:p>
-          <a:p>
-            <a:pPr lvl="7"/>
-            <a:r>
-              <a:rPr lang="fr-FR"/>
-              <a:t>Huitième niveau</a:t>
-            </a:r>
-          </a:p>
-          <a:p>
-            <a:pPr lvl="8"/>
-            <a:r>
-              <a:rPr lang="fr-FR"/>
-              <a:t>Neuvième niveau</a:t>
             </a:r>
           </a:p>
         </p:txBody>
@@ -5276,8 +7099,8 @@
         <p:txBody>
           <a:bodyPr vert="horz" anchor="b"/>
           <a:lstStyle>
-            <a:lvl1pPr algn="l" latinLnBrk="0">
-              <a:defRPr lang="fr-FR" sz="1000">
+            <a:lvl1pPr algn="l" eaLnBrk="1" latinLnBrk="0" hangingPunct="1">
+              <a:defRPr kumimoji="0" lang="fr-FR" sz="1000">
                 <a:solidFill>
                   <a:schemeClr val="tx1"/>
                 </a:solidFill>
@@ -5286,16 +7109,12 @@
             <a:extLst/>
           </a:lstStyle>
           <a:p>
-            <a:fld id="{D10E14BF-C004-4398-9186-5EE680724D95}" type="datetime2">
+            <a:fld id="{959ED156-2732-479E-8410-D5807628268D}" type="datetimeFigureOut">
               <a:rPr lang="fr-FR"/>
               <a:pPr/>
-              <a:t>lundi 17 juillet 2017</a:t>
+              <a:t>25/07/2017</a:t>
             </a:fld>
-            <a:endParaRPr lang="fr-FR" sz="1000" dirty="0">
-              <a:solidFill>
-                <a:schemeClr val="tx1"/>
-              </a:solidFill>
-            </a:endParaRPr>
+            <a:endParaRPr lang="fr-FR"/>
           </a:p>
         </p:txBody>
       </p:sp>
@@ -5321,8 +7140,8 @@
         <p:txBody>
           <a:bodyPr vert="horz" anchor="b"/>
           <a:lstStyle>
-            <a:lvl1pPr algn="r" latinLnBrk="0">
-              <a:defRPr lang="fr-FR" sz="1000">
+            <a:lvl1pPr algn="r" eaLnBrk="1" latinLnBrk="0" hangingPunct="1">
+              <a:defRPr kumimoji="0" lang="fr-FR" sz="1000">
                 <a:solidFill>
                   <a:schemeClr val="tx1"/>
                 </a:solidFill>
@@ -5331,12 +7150,7 @@
             <a:extLst/>
           </a:lstStyle>
           <a:p>
-            <a:pPr algn="r"/>
-            <a:endParaRPr lang="fr-FR" sz="1000" dirty="0">
-              <a:solidFill>
-                <a:schemeClr val="tx1"/>
-              </a:solidFill>
-            </a:endParaRPr>
+            <a:endParaRPr lang="fr-FR"/>
           </a:p>
         </p:txBody>
       </p:sp>
@@ -5362,8 +7176,8 @@
         <p:txBody>
           <a:bodyPr vert="horz" anchor="b"/>
           <a:lstStyle>
-            <a:lvl1pPr algn="r" latinLnBrk="0">
-              <a:defRPr lang="fr-FR" sz="1000" b="0">
+            <a:lvl1pPr algn="r" eaLnBrk="1" latinLnBrk="0" hangingPunct="1">
+              <a:defRPr kumimoji="0" lang="fr-FR" sz="1000" b="0">
                 <a:solidFill>
                   <a:schemeClr val="tx1"/>
                 </a:solidFill>
@@ -5372,40 +7186,30 @@
             <a:extLst/>
           </a:lstStyle>
           <a:p>
-            <a:fld id="{45292C34-3E5E-4BA5-AF54-F1601B144FB0}" type="slidenum">
-              <a:rPr lang="fr-FR" sz="1400">
-                <a:solidFill>
-                  <a:schemeClr val="tx2">
-                    <a:shade val="50000"/>
-                  </a:schemeClr>
-                </a:solidFill>
-              </a:rPr>
+            <a:fld id="{D18737D0-1F07-487A-BC82-FDF5B924E95B}" type="slidenum">
+              <a:rPr/>
               <a:pPr/>
               <a:t>‹N°›</a:t>
             </a:fld>
-            <a:endParaRPr lang="fr-FR" sz="1000" b="0" dirty="0">
-              <a:solidFill>
-                <a:schemeClr val="tx1"/>
-              </a:solidFill>
-            </a:endParaRPr>
+            <a:endParaRPr lang="fr-FR"/>
           </a:p>
         </p:txBody>
       </p:sp>
     </p:spTree>
   </p:cSld>
-  <p:clrMap bg1="lt1" tx1="dk1" bg2="lt2" tx2="dk2" accent1="accent1" accent2="accent2" accent3="accent3" accent4="accent4" accent5="accent5" accent6="accent6" hlink="hlink" folHlink="folHlink"/>
+  <p:clrMap bg1="dk1" tx1="lt1" bg2="dk2" tx2="lt2" accent1="accent1" accent2="accent2" accent3="accent3" accent4="accent4" accent5="accent5" accent6="accent6" hlink="hlink" folHlink="folHlink"/>
   <p:sldLayoutIdLst>
-    <p:sldLayoutId id="2147483659" r:id="rId1"/>
-    <p:sldLayoutId id="2147483660" r:id="rId2"/>
-    <p:sldLayoutId id="2147483661" r:id="rId3"/>
-    <p:sldLayoutId id="2147483662" r:id="rId4"/>
-    <p:sldLayoutId id="2147483663" r:id="rId5"/>
-    <p:sldLayoutId id="2147483664" r:id="rId6"/>
-    <p:sldLayoutId id="2147483665" r:id="rId7"/>
-    <p:sldLayoutId id="2147483666" r:id="rId8"/>
-    <p:sldLayoutId id="2147483667" r:id="rId9"/>
-    <p:sldLayoutId id="2147483668" r:id="rId10"/>
-    <p:sldLayoutId id="2147483669" r:id="rId11"/>
+    <p:sldLayoutId id="2147483661" r:id="rId1"/>
+    <p:sldLayoutId id="2147483662" r:id="rId2"/>
+    <p:sldLayoutId id="2147483663" r:id="rId3"/>
+    <p:sldLayoutId id="2147483664" r:id="rId4"/>
+    <p:sldLayoutId id="2147483665" r:id="rId5"/>
+    <p:sldLayoutId id="2147483666" r:id="rId6"/>
+    <p:sldLayoutId id="2147483667" r:id="rId7"/>
+    <p:sldLayoutId id="2147483668" r:id="rId8"/>
+    <p:sldLayoutId id="2147483669" r:id="rId9"/>
+    <p:sldLayoutId id="2147483670" r:id="rId10"/>
+    <p:sldLayoutId id="2147483671" r:id="rId11"/>
   </p:sldLayoutIdLst>
   <p:txStyles>
     <p:titleStyle>
@@ -5414,9 +7218,9 @@
           <a:spcPct val="0"/>
         </a:spcBef>
         <a:buNone/>
-        <a:defRPr lang="fr-FR" sz="4100" b="1" kern="1200">
+        <a:defRPr kumimoji="0" lang="fr-FR" sz="4100" b="1" kern="1200">
           <a:solidFill>
-            <a:schemeClr val="tx2"/>
+            <a:schemeClr val="tx1"/>
           </a:solidFill>
           <a:effectLst>
             <a:outerShdw blurRad="31750" dist="25400" dir="5400000" algn="tl" rotWithShape="0">
@@ -5443,10 +7247,10 @@
         <a:buClr>
           <a:schemeClr val="accent1"/>
         </a:buClr>
-        <a:buSzPct val="65000"/>
+        <a:buSzPct val="68000"/>
         <a:buFont typeface="Wingdings 3"/>
         <a:buChar char=""/>
-        <a:defRPr lang="fr-FR" sz="2700" kern="1200">
+        <a:defRPr kumimoji="0" lang="fr-FR" sz="2700" kern="1200">
           <a:solidFill>
             <a:schemeClr val="tx1"/>
           </a:solidFill>
@@ -5464,7 +7268,7 @@
         </a:buClr>
         <a:buFont typeface="Verdana"/>
         <a:buChar char="◦"/>
-        <a:defRPr lang="fr-FR" sz="2300" kern="1200">
+        <a:defRPr kumimoji="0" lang="fr-FR" sz="2300" kern="1200">
           <a:solidFill>
             <a:schemeClr val="tx1"/>
           </a:solidFill>
@@ -5483,7 +7287,7 @@
         <a:buSzPct val="100000"/>
         <a:buFont typeface="Wingdings 2"/>
         <a:buChar char=""/>
-        <a:defRPr lang="fr-FR" sz="2100" kern="1200">
+        <a:defRPr kumimoji="0" lang="fr-FR" sz="2100" kern="1200">
           <a:solidFill>
             <a:schemeClr val="tx1"/>
           </a:solidFill>
@@ -5501,7 +7305,7 @@
         </a:buClr>
         <a:buFont typeface="Wingdings 2"/>
         <a:buChar char=""/>
-        <a:defRPr lang="fr-FR" sz="1900" kern="1200">
+        <a:defRPr kumimoji="0" lang="fr-FR" sz="1900" kern="1200">
           <a:solidFill>
             <a:schemeClr val="tx1"/>
           </a:solidFill>
@@ -5519,7 +7323,7 @@
         </a:buClr>
         <a:buFont typeface="Wingdings 2"/>
         <a:buChar char=""/>
-        <a:defRPr lang="fr-FR" sz="1800" kern="1200">
+        <a:defRPr kumimoji="0" lang="fr-FR" sz="1800" kern="1200">
           <a:solidFill>
             <a:schemeClr val="tx1"/>
           </a:solidFill>
@@ -5537,7 +7341,7 @@
         </a:buClr>
         <a:buFont typeface="Wingdings 2"/>
         <a:buChar char=""/>
-        <a:defRPr lang="fr-FR" sz="1800" kern="1200">
+        <a:defRPr kumimoji="0" lang="fr-FR" sz="1800" kern="1200">
           <a:solidFill>
             <a:schemeClr val="tx1"/>
           </a:solidFill>
@@ -5555,7 +7359,7 @@
         </a:buClr>
         <a:buFont typeface="Wingdings 2"/>
         <a:buChar char=""/>
-        <a:defRPr lang="fr-FR" sz="1600" kern="1200">
+        <a:defRPr kumimoji="0" lang="fr-FR" sz="1600" kern="1200">
           <a:solidFill>
             <a:schemeClr val="tx1"/>
           </a:solidFill>
@@ -5573,7 +7377,7 @@
         </a:buClr>
         <a:buFont typeface="Wingdings 2"/>
         <a:buChar char=""/>
-        <a:defRPr lang="fr-FR" sz="1600" kern="1200">
+        <a:defRPr kumimoji="0" lang="fr-FR" sz="1600" kern="1200">
           <a:solidFill>
             <a:schemeClr val="tx1"/>
           </a:solidFill>
@@ -5591,7 +7395,7 @@
         </a:buClr>
         <a:buFont typeface="Wingdings 2"/>
         <a:buChar char=""/>
-        <a:defRPr lang="fr-FR" sz="1600" kern="1200" baseline="0">
+        <a:defRPr kumimoji="0" lang="fr-FR" sz="1600" kern="1200" baseline="0">
           <a:solidFill>
             <a:schemeClr val="tx1"/>
           </a:solidFill>
@@ -5604,7 +7408,7 @@
     </p:bodyStyle>
     <p:otherStyle>
       <a:lvl1pPr marL="0" algn="l" rtl="0" eaLnBrk="1" latinLnBrk="0" hangingPunct="1">
-        <a:defRPr lang="fr-FR" kern="1200">
+        <a:defRPr kumimoji="0" lang="fr-FR" kern="1200">
           <a:solidFill>
             <a:schemeClr val="tx1"/>
           </a:solidFill>
@@ -5613,8 +7417,8 @@
           <a:cs typeface="+mn-cs"/>
         </a:defRPr>
       </a:lvl1pPr>
-      <a:lvl2pPr marL="457200" algn="l" rtl="0" eaLnBrk="1" hangingPunct="1">
-        <a:defRPr lang="fr-FR" kern="1200">
+      <a:lvl2pPr marL="457200" algn="l" rtl="0" eaLnBrk="1" latinLnBrk="0" hangingPunct="1">
+        <a:defRPr kumimoji="0" lang="fr-FR" kern="1200">
           <a:solidFill>
             <a:schemeClr val="tx1"/>
           </a:solidFill>
@@ -5623,8 +7427,8 @@
           <a:cs typeface="+mn-cs"/>
         </a:defRPr>
       </a:lvl2pPr>
-      <a:lvl3pPr marL="914400" algn="l" rtl="0" eaLnBrk="1" hangingPunct="1">
-        <a:defRPr lang="fr-FR" kern="1200">
+      <a:lvl3pPr marL="914400" algn="l" rtl="0" eaLnBrk="1" latinLnBrk="0" hangingPunct="1">
+        <a:defRPr kumimoji="0" lang="fr-FR" kern="1200">
           <a:solidFill>
             <a:schemeClr val="tx1"/>
           </a:solidFill>
@@ -5633,8 +7437,8 @@
           <a:cs typeface="+mn-cs"/>
         </a:defRPr>
       </a:lvl3pPr>
-      <a:lvl4pPr marL="1371600" algn="l" rtl="0" eaLnBrk="1" hangingPunct="1">
-        <a:defRPr lang="fr-FR" kern="1200">
+      <a:lvl4pPr marL="1371600" algn="l" rtl="0" eaLnBrk="1" latinLnBrk="0" hangingPunct="1">
+        <a:defRPr kumimoji="0" lang="fr-FR" kern="1200">
           <a:solidFill>
             <a:schemeClr val="tx1"/>
           </a:solidFill>
@@ -5643,8 +7447,8 @@
           <a:cs typeface="+mn-cs"/>
         </a:defRPr>
       </a:lvl4pPr>
-      <a:lvl5pPr marL="1828800" algn="l" rtl="0" eaLnBrk="1" hangingPunct="1">
-        <a:defRPr lang="fr-FR" kern="1200">
+      <a:lvl5pPr marL="1828800" algn="l" rtl="0" eaLnBrk="1" latinLnBrk="0" hangingPunct="1">
+        <a:defRPr kumimoji="0" lang="fr-FR" kern="1200">
           <a:solidFill>
             <a:schemeClr val="tx1"/>
           </a:solidFill>
@@ -5653,8 +7457,8 @@
           <a:cs typeface="+mn-cs"/>
         </a:defRPr>
       </a:lvl5pPr>
-      <a:lvl6pPr marL="2286000" algn="l" rtl="0" eaLnBrk="1" hangingPunct="1">
-        <a:defRPr lang="fr-FR" kern="1200">
+      <a:lvl6pPr marL="2286000" algn="l" rtl="0" eaLnBrk="1" latinLnBrk="0" hangingPunct="1">
+        <a:defRPr kumimoji="0" lang="fr-FR" kern="1200">
           <a:solidFill>
             <a:schemeClr val="tx1"/>
           </a:solidFill>
@@ -5663,8 +7467,8 @@
           <a:cs typeface="+mn-cs"/>
         </a:defRPr>
       </a:lvl6pPr>
-      <a:lvl7pPr marL="2743200" algn="l" rtl="0" eaLnBrk="1" hangingPunct="1">
-        <a:defRPr lang="fr-FR" kern="1200">
+      <a:lvl7pPr marL="2743200" algn="l" rtl="0" eaLnBrk="1" latinLnBrk="0" hangingPunct="1">
+        <a:defRPr kumimoji="0" lang="fr-FR" kern="1200">
           <a:solidFill>
             <a:schemeClr val="tx1"/>
           </a:solidFill>
@@ -5673,8 +7477,8 @@
           <a:cs typeface="+mn-cs"/>
         </a:defRPr>
       </a:lvl7pPr>
-      <a:lvl8pPr marL="3200400" algn="l" rtl="0" eaLnBrk="1" hangingPunct="1">
-        <a:defRPr lang="fr-FR" kern="1200">
+      <a:lvl8pPr marL="3200400" algn="l" rtl="0" eaLnBrk="1" latinLnBrk="0" hangingPunct="1">
+        <a:defRPr kumimoji="0" lang="fr-FR" kern="1200">
           <a:solidFill>
             <a:schemeClr val="tx1"/>
           </a:solidFill>
@@ -5683,8 +7487,8 @@
           <a:cs typeface="+mn-cs"/>
         </a:defRPr>
       </a:lvl8pPr>
-      <a:lvl9pPr marL="3657600" algn="l" rtl="0" eaLnBrk="1" hangingPunct="1">
-        <a:defRPr lang="fr-FR" kern="1200">
+      <a:lvl9pPr marL="3657600" algn="l" rtl="0" eaLnBrk="1" latinLnBrk="0" hangingPunct="1">
+        <a:defRPr kumimoji="0" lang="fr-FR" kern="1200">
           <a:solidFill>
             <a:schemeClr val="tx1"/>
           </a:solidFill>
@@ -5718,7 +7522,207 @@
       </p:grpSpPr>
       <p:sp>
         <p:nvSpPr>
-          <p:cNvPr id="2" name="Rectangle 1"/>
+          <p:cNvPr id="5" name="Rectangle 2"/>
+          <p:cNvSpPr txBox="1">
+            <a:spLocks/>
+          </p:cNvSpPr>
+          <p:nvPr/>
+        </p:nvSpPr>
+        <p:spPr>
+          <a:xfrm>
+            <a:off x="685800" y="3582807"/>
+            <a:ext cx="7772400" cy="1199704"/>
+          </a:xfrm>
+          <a:prstGeom prst="rect">
+            <a:avLst/>
+          </a:prstGeom>
+        </p:spPr>
+        <p:txBody>
+          <a:bodyPr vert="horz" lIns="45720" rIns="45720">
+            <a:normAutofit/>
+          </a:bodyPr>
+          <a:lstStyle>
+            <a:lvl1pPr marL="0" marR="64008" indent="0" algn="r" rtl="0" eaLnBrk="1" latinLnBrk="0" hangingPunct="1">
+              <a:spcBef>
+                <a:spcPts val="400"/>
+              </a:spcBef>
+              <a:spcAft>
+                <a:spcPts val="0"/>
+              </a:spcAft>
+              <a:buClr>
+                <a:schemeClr val="accent1"/>
+              </a:buClr>
+              <a:buSzPct val="68000"/>
+              <a:buFont typeface="Wingdings 3"/>
+              <a:buNone/>
+              <a:defRPr kumimoji="0" lang="fr-FR" sz="2700" kern="1200">
+                <a:solidFill>
+                  <a:schemeClr val="tx1"/>
+                </a:solidFill>
+                <a:latin typeface="+mn-lt"/>
+                <a:ea typeface="+mn-ea"/>
+                <a:cs typeface="+mn-cs"/>
+              </a:defRPr>
+            </a:lvl1pPr>
+            <a:lvl2pPr marL="457200" indent="0" algn="ctr" rtl="0" eaLnBrk="1" latinLnBrk="0" hangingPunct="1">
+              <a:spcBef>
+                <a:spcPts val="324"/>
+              </a:spcBef>
+              <a:buClr>
+                <a:schemeClr val="accent1"/>
+              </a:buClr>
+              <a:buFont typeface="Verdana"/>
+              <a:buNone/>
+              <a:defRPr kumimoji="0" lang="fr-FR" sz="2300" kern="1200">
+                <a:solidFill>
+                  <a:schemeClr val="tx1"/>
+                </a:solidFill>
+                <a:latin typeface="+mn-lt"/>
+                <a:ea typeface="+mn-ea"/>
+                <a:cs typeface="+mn-cs"/>
+              </a:defRPr>
+            </a:lvl2pPr>
+            <a:lvl3pPr marL="914400" indent="0" algn="ctr" rtl="0" eaLnBrk="1" latinLnBrk="0" hangingPunct="1">
+              <a:spcBef>
+                <a:spcPts val="350"/>
+              </a:spcBef>
+              <a:buClr>
+                <a:schemeClr val="accent2"/>
+              </a:buClr>
+              <a:buSzPct val="100000"/>
+              <a:buFont typeface="Wingdings 2"/>
+              <a:buNone/>
+              <a:defRPr kumimoji="0" lang="fr-FR" sz="2100" kern="1200">
+                <a:solidFill>
+                  <a:schemeClr val="tx1"/>
+                </a:solidFill>
+                <a:latin typeface="+mn-lt"/>
+                <a:ea typeface="+mn-ea"/>
+                <a:cs typeface="+mn-cs"/>
+              </a:defRPr>
+            </a:lvl3pPr>
+            <a:lvl4pPr marL="1371600" indent="0" algn="ctr" rtl="0" eaLnBrk="1" latinLnBrk="0" hangingPunct="1">
+              <a:spcBef>
+                <a:spcPts val="350"/>
+              </a:spcBef>
+              <a:buClr>
+                <a:schemeClr val="accent2"/>
+              </a:buClr>
+              <a:buFont typeface="Wingdings 2"/>
+              <a:buNone/>
+              <a:defRPr kumimoji="0" lang="fr-FR" sz="1900" kern="1200">
+                <a:solidFill>
+                  <a:schemeClr val="tx1"/>
+                </a:solidFill>
+                <a:latin typeface="+mn-lt"/>
+                <a:ea typeface="+mn-ea"/>
+                <a:cs typeface="+mn-cs"/>
+              </a:defRPr>
+            </a:lvl4pPr>
+            <a:lvl5pPr marL="1828800" indent="0" algn="ctr" rtl="0" eaLnBrk="1" latinLnBrk="0" hangingPunct="1">
+              <a:spcBef>
+                <a:spcPts val="350"/>
+              </a:spcBef>
+              <a:buClr>
+                <a:schemeClr val="accent2"/>
+              </a:buClr>
+              <a:buFont typeface="Wingdings 2"/>
+              <a:buNone/>
+              <a:defRPr kumimoji="0" lang="fr-FR" sz="1800" kern="1200">
+                <a:solidFill>
+                  <a:schemeClr val="tx1"/>
+                </a:solidFill>
+                <a:latin typeface="+mn-lt"/>
+                <a:ea typeface="+mn-ea"/>
+                <a:cs typeface="+mn-cs"/>
+              </a:defRPr>
+            </a:lvl5pPr>
+            <a:lvl6pPr marL="2286000" indent="0" algn="ctr" rtl="0" eaLnBrk="1" latinLnBrk="0" hangingPunct="1">
+              <a:spcBef>
+                <a:spcPts val="350"/>
+              </a:spcBef>
+              <a:buClr>
+                <a:schemeClr val="accent3"/>
+              </a:buClr>
+              <a:buFont typeface="Wingdings 2"/>
+              <a:buNone/>
+              <a:defRPr kumimoji="0" lang="fr-FR" sz="1800" kern="1200">
+                <a:solidFill>
+                  <a:schemeClr val="tx1"/>
+                </a:solidFill>
+                <a:latin typeface="+mn-lt"/>
+                <a:ea typeface="+mn-ea"/>
+                <a:cs typeface="+mn-cs"/>
+              </a:defRPr>
+            </a:lvl6pPr>
+            <a:lvl7pPr marL="2743200" indent="0" algn="ctr" rtl="0" eaLnBrk="1" latinLnBrk="0" hangingPunct="1">
+              <a:spcBef>
+                <a:spcPts val="350"/>
+              </a:spcBef>
+              <a:buClr>
+                <a:schemeClr val="accent3"/>
+              </a:buClr>
+              <a:buFont typeface="Wingdings 2"/>
+              <a:buNone/>
+              <a:defRPr kumimoji="0" lang="fr-FR" sz="1600" kern="1200">
+                <a:solidFill>
+                  <a:schemeClr val="tx1"/>
+                </a:solidFill>
+                <a:latin typeface="+mn-lt"/>
+                <a:ea typeface="+mn-ea"/>
+                <a:cs typeface="+mn-cs"/>
+              </a:defRPr>
+            </a:lvl7pPr>
+            <a:lvl8pPr marL="3200400" indent="0" algn="ctr" rtl="0" eaLnBrk="1" latinLnBrk="0" hangingPunct="1">
+              <a:spcBef>
+                <a:spcPts val="350"/>
+              </a:spcBef>
+              <a:buClr>
+                <a:schemeClr val="accent3"/>
+              </a:buClr>
+              <a:buFont typeface="Wingdings 2"/>
+              <a:buNone/>
+              <a:defRPr kumimoji="0" lang="fr-FR" sz="1600" kern="1200">
+                <a:solidFill>
+                  <a:schemeClr val="tx1"/>
+                </a:solidFill>
+                <a:latin typeface="+mn-lt"/>
+                <a:ea typeface="+mn-ea"/>
+                <a:cs typeface="+mn-cs"/>
+              </a:defRPr>
+            </a:lvl8pPr>
+            <a:lvl9pPr marL="3657600" indent="0" algn="ctr" rtl="0" eaLnBrk="1" latinLnBrk="0" hangingPunct="1">
+              <a:spcBef>
+                <a:spcPts val="350"/>
+              </a:spcBef>
+              <a:buClr>
+                <a:schemeClr val="accent3"/>
+              </a:buClr>
+              <a:buFont typeface="Wingdings 2"/>
+              <a:buNone/>
+              <a:defRPr kumimoji="0" lang="fr-FR" sz="1600" kern="1200" baseline="0">
+                <a:solidFill>
+                  <a:schemeClr val="tx1"/>
+                </a:solidFill>
+                <a:latin typeface="+mn-lt"/>
+                <a:ea typeface="+mn-ea"/>
+                <a:cs typeface="+mn-cs"/>
+              </a:defRPr>
+            </a:lvl9pPr>
+            <a:extLst/>
+          </a:lstStyle>
+          <a:p>
+            <a:r>
+              <a:rPr lang="fr-FR" dirty="0" smtClean="0"/>
+              <a:t>Harlé Aurélien</a:t>
+            </a:r>
+            <a:endParaRPr lang="fr-FR" dirty="0"/>
+          </a:p>
+        </p:txBody>
+      </p:sp>
+      <p:sp>
+        <p:nvSpPr>
+          <p:cNvPr id="7" name="Titre 6"/>
           <p:cNvSpPr>
             <a:spLocks noGrp="1"/>
           </p:cNvSpPr>
@@ -5732,33 +7736,9 @@
           <a:lstStyle/>
           <a:p>
             <a:r>
-              <a:rPr lang="fr-FR" dirty="0" smtClean="0"/>
+              <a:rPr lang="fr-FR" dirty="0"/>
               <a:t>Projet suivi de stagiaire</a:t>
             </a:r>
-            <a:endParaRPr lang="fr-FR" dirty="0"/>
-          </a:p>
-        </p:txBody>
-      </p:sp>
-      <p:sp>
-        <p:nvSpPr>
-          <p:cNvPr id="3" name="Rectangle 2"/>
-          <p:cNvSpPr>
-            <a:spLocks noGrp="1"/>
-          </p:cNvSpPr>
-          <p:nvPr>
-            <p:ph type="subTitle" idx="1"/>
-          </p:nvPr>
-        </p:nvSpPr>
-        <p:spPr/>
-        <p:txBody>
-          <a:bodyPr/>
-          <a:lstStyle/>
-          <a:p>
-            <a:r>
-              <a:rPr lang="fr-FR" dirty="0" smtClean="0"/>
-              <a:t>Harlé Aurélien</a:t>
-            </a:r>
-            <a:endParaRPr lang="fr-FR" dirty="0"/>
           </a:p>
         </p:txBody>
       </p:sp>
@@ -5767,6 +7747,884 @@
   <p:clrMapOvr>
     <a:masterClrMapping/>
   </p:clrMapOvr>
+  <p:timing>
+    <p:tnLst>
+      <p:par>
+        <p:cTn id="1" dur="indefinite" restart="never" nodeType="tmRoot"/>
+      </p:par>
+    </p:tnLst>
+  </p:timing>
+</p:sld>
+</file>
+
+<file path=ppt/slides/slide10.xml><?xml version="1.0" encoding="utf-8"?>
+<p:sld xmlns:a="http://schemas.openxmlformats.org/drawingml/2006/main" xmlns:r="http://schemas.openxmlformats.org/officeDocument/2006/relationships" xmlns:p="http://schemas.openxmlformats.org/presentationml/2006/main">
+  <p:cSld>
+    <p:spTree>
+      <p:nvGrpSpPr>
+        <p:cNvPr id="1" name=""/>
+        <p:cNvGrpSpPr/>
+        <p:nvPr/>
+      </p:nvGrpSpPr>
+      <p:grpSpPr>
+        <a:xfrm>
+          <a:off x="0" y="0"/>
+          <a:ext cx="0" cy="0"/>
+          <a:chOff x="0" y="0"/>
+          <a:chExt cx="0" cy="0"/>
+        </a:xfrm>
+      </p:grpSpPr>
+      <p:sp>
+        <p:nvSpPr>
+          <p:cNvPr id="3" name="Content Placeholder 2"/>
+          <p:cNvSpPr>
+            <a:spLocks noGrp="1"/>
+          </p:cNvSpPr>
+          <p:nvPr>
+            <p:ph idx="1"/>
+          </p:nvPr>
+        </p:nvSpPr>
+        <p:spPr/>
+        <p:txBody>
+          <a:bodyPr/>
+          <a:lstStyle/>
+          <a:p>
+            <a:r>
+              <a:rPr lang="fr-FR" dirty="0"/>
+              <a:t>Le cahier des charges</a:t>
+            </a:r>
+            <a:r>
+              <a:rPr lang="fr-FR" dirty="0" smtClean="0"/>
+              <a:t>.</a:t>
+            </a:r>
+          </a:p>
+          <a:p>
+            <a:pPr lvl="1"/>
+            <a:r>
+              <a:rPr lang="fr-FR" dirty="0" smtClean="0"/>
+              <a:t>Présentation au client.</a:t>
+            </a:r>
+          </a:p>
+          <a:p>
+            <a:pPr lvl="1"/>
+            <a:r>
+              <a:rPr lang="fr-FR" dirty="0" smtClean="0"/>
+              <a:t>Validation client.</a:t>
+            </a:r>
+            <a:endParaRPr lang="fr-FR" dirty="0"/>
+          </a:p>
+          <a:p>
+            <a:endParaRPr lang="fr-FR" dirty="0"/>
+          </a:p>
+        </p:txBody>
+      </p:sp>
+      <p:sp>
+        <p:nvSpPr>
+          <p:cNvPr id="2" name="Title 1"/>
+          <p:cNvSpPr>
+            <a:spLocks noGrp="1"/>
+          </p:cNvSpPr>
+          <p:nvPr>
+            <p:ph type="title"/>
+          </p:nvPr>
+        </p:nvSpPr>
+        <p:spPr/>
+        <p:txBody>
+          <a:bodyPr/>
+          <a:lstStyle/>
+          <a:p>
+            <a:r>
+              <a:rPr lang="fr-FR" dirty="0" smtClean="0"/>
+              <a:t>Le projet</a:t>
+            </a:r>
+            <a:endParaRPr lang="fr-FR" dirty="0"/>
+          </a:p>
+        </p:txBody>
+      </p:sp>
+    </p:spTree>
+    <p:extLst>
+      <p:ext uri="{BB962C8B-B14F-4D97-AF65-F5344CB8AC3E}">
+        <p14:creationId xmlns:p14="http://schemas.microsoft.com/office/powerpoint/2010/main" val="618372760"/>
+      </p:ext>
+    </p:extLst>
+  </p:cSld>
+  <p:clrMapOvr>
+    <a:masterClrMapping/>
+  </p:clrMapOvr>
+  <p:timing>
+    <p:tnLst>
+      <p:par>
+        <p:cTn id="1" dur="indefinite" restart="never" nodeType="tmRoot"/>
+      </p:par>
+    </p:tnLst>
+  </p:timing>
+</p:sld>
+</file>
+
+<file path=ppt/slides/slide11.xml><?xml version="1.0" encoding="utf-8"?>
+<p:sld xmlns:a="http://schemas.openxmlformats.org/drawingml/2006/main" xmlns:r="http://schemas.openxmlformats.org/officeDocument/2006/relationships" xmlns:p="http://schemas.openxmlformats.org/presentationml/2006/main">
+  <p:cSld>
+    <p:spTree>
+      <p:nvGrpSpPr>
+        <p:cNvPr id="1" name=""/>
+        <p:cNvGrpSpPr/>
+        <p:nvPr/>
+      </p:nvGrpSpPr>
+      <p:grpSpPr>
+        <a:xfrm>
+          <a:off x="0" y="0"/>
+          <a:ext cx="0" cy="0"/>
+          <a:chOff x="0" y="0"/>
+          <a:chExt cx="0" cy="0"/>
+        </a:xfrm>
+      </p:grpSpPr>
+      <p:sp>
+        <p:nvSpPr>
+          <p:cNvPr id="3" name="Content Placeholder 2"/>
+          <p:cNvSpPr>
+            <a:spLocks noGrp="1"/>
+          </p:cNvSpPr>
+          <p:nvPr>
+            <p:ph idx="1"/>
+          </p:nvPr>
+        </p:nvSpPr>
+        <p:spPr/>
+        <p:txBody>
+          <a:bodyPr/>
+          <a:lstStyle/>
+          <a:p>
+            <a:r>
+              <a:rPr lang="fr-FR" dirty="0" smtClean="0"/>
+              <a:t>Documentation</a:t>
+            </a:r>
+          </a:p>
+          <a:p>
+            <a:pPr lvl="1"/>
+            <a:r>
+              <a:rPr lang="fr-FR" dirty="0" smtClean="0"/>
+              <a:t>Récupération de la documentation.</a:t>
+            </a:r>
+          </a:p>
+          <a:p>
+            <a:pPr lvl="1"/>
+            <a:r>
+              <a:rPr lang="fr-FR" dirty="0" smtClean="0"/>
+              <a:t>Etude de la documentation.</a:t>
+            </a:r>
+          </a:p>
+          <a:p>
+            <a:pPr lvl="1"/>
+            <a:r>
+              <a:rPr lang="fr-FR" dirty="0" smtClean="0"/>
+              <a:t>Explication client.</a:t>
+            </a:r>
+            <a:endParaRPr lang="fr-FR" dirty="0"/>
+          </a:p>
+          <a:p>
+            <a:endParaRPr lang="fr-FR" dirty="0"/>
+          </a:p>
+        </p:txBody>
+      </p:sp>
+      <p:sp>
+        <p:nvSpPr>
+          <p:cNvPr id="2" name="Title 1"/>
+          <p:cNvSpPr>
+            <a:spLocks noGrp="1"/>
+          </p:cNvSpPr>
+          <p:nvPr>
+            <p:ph type="title"/>
+          </p:nvPr>
+        </p:nvSpPr>
+        <p:spPr/>
+        <p:txBody>
+          <a:bodyPr/>
+          <a:lstStyle/>
+          <a:p>
+            <a:r>
+              <a:rPr lang="fr-FR" dirty="0" smtClean="0"/>
+              <a:t>Le projet</a:t>
+            </a:r>
+            <a:endParaRPr lang="fr-FR" dirty="0"/>
+          </a:p>
+        </p:txBody>
+      </p:sp>
+    </p:spTree>
+    <p:extLst>
+      <p:ext uri="{BB962C8B-B14F-4D97-AF65-F5344CB8AC3E}">
+        <p14:creationId xmlns:p14="http://schemas.microsoft.com/office/powerpoint/2010/main" val="2460474962"/>
+      </p:ext>
+    </p:extLst>
+  </p:cSld>
+  <p:clrMapOvr>
+    <a:masterClrMapping/>
+  </p:clrMapOvr>
+  <p:timing>
+    <p:tnLst>
+      <p:par>
+        <p:cTn id="1" dur="indefinite" restart="never" nodeType="tmRoot"/>
+      </p:par>
+    </p:tnLst>
+  </p:timing>
+</p:sld>
+</file>
+
+<file path=ppt/slides/slide12.xml><?xml version="1.0" encoding="utf-8"?>
+<p:sld xmlns:a="http://schemas.openxmlformats.org/drawingml/2006/main" xmlns:r="http://schemas.openxmlformats.org/officeDocument/2006/relationships" xmlns:p="http://schemas.openxmlformats.org/presentationml/2006/main">
+  <p:cSld>
+    <p:spTree>
+      <p:nvGrpSpPr>
+        <p:cNvPr id="1" name=""/>
+        <p:cNvGrpSpPr/>
+        <p:nvPr/>
+      </p:nvGrpSpPr>
+      <p:grpSpPr>
+        <a:xfrm>
+          <a:off x="0" y="0"/>
+          <a:ext cx="0" cy="0"/>
+          <a:chOff x="0" y="0"/>
+          <a:chExt cx="0" cy="0"/>
+        </a:xfrm>
+      </p:grpSpPr>
+      <p:sp>
+        <p:nvSpPr>
+          <p:cNvPr id="3" name="Content Placeholder 2"/>
+          <p:cNvSpPr>
+            <a:spLocks noGrp="1"/>
+          </p:cNvSpPr>
+          <p:nvPr>
+            <p:ph idx="1"/>
+          </p:nvPr>
+        </p:nvSpPr>
+        <p:spPr/>
+        <p:txBody>
+          <a:bodyPr/>
+          <a:lstStyle/>
+          <a:p>
+            <a:r>
+              <a:rPr lang="fr-FR" dirty="0" smtClean="0"/>
+              <a:t>Analyse</a:t>
+            </a:r>
+          </a:p>
+          <a:p>
+            <a:pPr lvl="1"/>
+            <a:r>
+              <a:rPr lang="fr-FR" dirty="0" smtClean="0"/>
+              <a:t>Première analyse et erreur.</a:t>
+            </a:r>
+          </a:p>
+          <a:p>
+            <a:pPr lvl="1"/>
+            <a:r>
+              <a:rPr lang="fr-FR" dirty="0" smtClean="0"/>
+              <a:t>Dictionnaire de données.</a:t>
+            </a:r>
+          </a:p>
+          <a:p>
+            <a:pPr lvl="1"/>
+            <a:r>
+              <a:rPr lang="fr-FR" dirty="0" smtClean="0"/>
+              <a:t>Liste exigence.</a:t>
+            </a:r>
+          </a:p>
+          <a:p>
+            <a:pPr lvl="1"/>
+            <a:r>
+              <a:rPr lang="fr-FR" dirty="0" smtClean="0"/>
+              <a:t>Cas utilisation.</a:t>
+            </a:r>
+          </a:p>
+          <a:p>
+            <a:pPr lvl="1"/>
+            <a:r>
+              <a:rPr lang="fr-FR" dirty="0"/>
+              <a:t>Modèle conceptuelle de </a:t>
+            </a:r>
+            <a:r>
+              <a:rPr lang="fr-FR" dirty="0" smtClean="0"/>
+              <a:t>données</a:t>
+            </a:r>
+          </a:p>
+          <a:p>
+            <a:pPr lvl="1"/>
+            <a:r>
+              <a:rPr lang="fr-FR" dirty="0"/>
+              <a:t>Modèle logique de données</a:t>
+            </a:r>
+          </a:p>
+          <a:p>
+            <a:pPr lvl="1"/>
+            <a:r>
+              <a:rPr lang="fr-FR" dirty="0"/>
+              <a:t>Modèle physique de </a:t>
+            </a:r>
+            <a:r>
+              <a:rPr lang="fr-FR" dirty="0" smtClean="0"/>
+              <a:t>données</a:t>
+            </a:r>
+          </a:p>
+          <a:p>
+            <a:pPr lvl="1"/>
+            <a:r>
+              <a:rPr lang="fr-FR" dirty="0"/>
+              <a:t>Diagramme de classe</a:t>
+            </a:r>
+          </a:p>
+          <a:p>
+            <a:endParaRPr lang="fr-FR" dirty="0"/>
+          </a:p>
+        </p:txBody>
+      </p:sp>
+      <p:sp>
+        <p:nvSpPr>
+          <p:cNvPr id="2" name="Title 1"/>
+          <p:cNvSpPr>
+            <a:spLocks noGrp="1"/>
+          </p:cNvSpPr>
+          <p:nvPr>
+            <p:ph type="title"/>
+          </p:nvPr>
+        </p:nvSpPr>
+        <p:spPr/>
+        <p:txBody>
+          <a:bodyPr/>
+          <a:lstStyle/>
+          <a:p>
+            <a:r>
+              <a:rPr lang="fr-FR" dirty="0" smtClean="0"/>
+              <a:t>Le projet</a:t>
+            </a:r>
+            <a:endParaRPr lang="fr-FR" dirty="0"/>
+          </a:p>
+        </p:txBody>
+      </p:sp>
+    </p:spTree>
+    <p:extLst>
+      <p:ext uri="{BB962C8B-B14F-4D97-AF65-F5344CB8AC3E}">
+        <p14:creationId xmlns:p14="http://schemas.microsoft.com/office/powerpoint/2010/main" val="710335694"/>
+      </p:ext>
+    </p:extLst>
+  </p:cSld>
+  <p:clrMapOvr>
+    <a:masterClrMapping/>
+  </p:clrMapOvr>
+  <p:timing>
+    <p:tnLst>
+      <p:par>
+        <p:cTn id="1" dur="indefinite" restart="never" nodeType="tmRoot"/>
+      </p:par>
+    </p:tnLst>
+  </p:timing>
+</p:sld>
+</file>
+
+<file path=ppt/slides/slide13.xml><?xml version="1.0" encoding="utf-8"?>
+<p:sld xmlns:a="http://schemas.openxmlformats.org/drawingml/2006/main" xmlns:r="http://schemas.openxmlformats.org/officeDocument/2006/relationships" xmlns:p="http://schemas.openxmlformats.org/presentationml/2006/main">
+  <p:cSld>
+    <p:spTree>
+      <p:nvGrpSpPr>
+        <p:cNvPr id="1" name=""/>
+        <p:cNvGrpSpPr/>
+        <p:nvPr/>
+      </p:nvGrpSpPr>
+      <p:grpSpPr>
+        <a:xfrm>
+          <a:off x="0" y="0"/>
+          <a:ext cx="0" cy="0"/>
+          <a:chOff x="0" y="0"/>
+          <a:chExt cx="0" cy="0"/>
+        </a:xfrm>
+      </p:grpSpPr>
+      <p:sp>
+        <p:nvSpPr>
+          <p:cNvPr id="3" name="Content Placeholder 2"/>
+          <p:cNvSpPr>
+            <a:spLocks noGrp="1"/>
+          </p:cNvSpPr>
+          <p:nvPr>
+            <p:ph idx="1"/>
+          </p:nvPr>
+        </p:nvSpPr>
+        <p:spPr/>
+        <p:txBody>
+          <a:bodyPr/>
+          <a:lstStyle/>
+          <a:p>
+            <a:r>
+              <a:rPr lang="fr-FR" dirty="0" smtClean="0"/>
+              <a:t>Conception</a:t>
+            </a:r>
+          </a:p>
+          <a:p>
+            <a:pPr lvl="1"/>
+            <a:r>
+              <a:rPr lang="fr-FR" b="1" dirty="0"/>
+              <a:t>Architecture</a:t>
+            </a:r>
+          </a:p>
+          <a:p>
+            <a:pPr lvl="1"/>
+            <a:r>
+              <a:rPr lang="fr-FR" b="1" dirty="0"/>
+              <a:t>Technologie</a:t>
+            </a:r>
+          </a:p>
+          <a:p>
+            <a:pPr lvl="1"/>
+            <a:r>
+              <a:rPr lang="fr-FR" b="1" dirty="0"/>
+              <a:t>Choix package</a:t>
+            </a:r>
+          </a:p>
+          <a:p>
+            <a:pPr lvl="1"/>
+            <a:r>
+              <a:rPr lang="fr-FR" b="1" dirty="0"/>
+              <a:t>Design pattern</a:t>
+            </a:r>
+          </a:p>
+          <a:p>
+            <a:pPr lvl="1"/>
+            <a:r>
+              <a:rPr lang="fr-FR" b="1" dirty="0"/>
+              <a:t>Amélioration</a:t>
+            </a:r>
+          </a:p>
+          <a:p>
+            <a:pPr lvl="1"/>
+            <a:endParaRPr lang="fr-FR" dirty="0"/>
+          </a:p>
+          <a:p>
+            <a:endParaRPr lang="fr-FR" dirty="0"/>
+          </a:p>
+        </p:txBody>
+      </p:sp>
+      <p:sp>
+        <p:nvSpPr>
+          <p:cNvPr id="2" name="Title 1"/>
+          <p:cNvSpPr>
+            <a:spLocks noGrp="1"/>
+          </p:cNvSpPr>
+          <p:nvPr>
+            <p:ph type="title"/>
+          </p:nvPr>
+        </p:nvSpPr>
+        <p:spPr/>
+        <p:txBody>
+          <a:bodyPr/>
+          <a:lstStyle/>
+          <a:p>
+            <a:r>
+              <a:rPr lang="fr-FR" dirty="0" smtClean="0"/>
+              <a:t>Le projet</a:t>
+            </a:r>
+            <a:endParaRPr lang="fr-FR" dirty="0"/>
+          </a:p>
+        </p:txBody>
+      </p:sp>
+    </p:spTree>
+    <p:extLst>
+      <p:ext uri="{BB962C8B-B14F-4D97-AF65-F5344CB8AC3E}">
+        <p14:creationId xmlns:p14="http://schemas.microsoft.com/office/powerpoint/2010/main" val="765909457"/>
+      </p:ext>
+    </p:extLst>
+  </p:cSld>
+  <p:clrMapOvr>
+    <a:masterClrMapping/>
+  </p:clrMapOvr>
+  <p:timing>
+    <p:tnLst>
+      <p:par>
+        <p:cTn id="1" dur="indefinite" restart="never" nodeType="tmRoot"/>
+      </p:par>
+    </p:tnLst>
+  </p:timing>
+</p:sld>
+</file>
+
+<file path=ppt/slides/slide14.xml><?xml version="1.0" encoding="utf-8"?>
+<p:sld xmlns:a="http://schemas.openxmlformats.org/drawingml/2006/main" xmlns:r="http://schemas.openxmlformats.org/officeDocument/2006/relationships" xmlns:p="http://schemas.openxmlformats.org/presentationml/2006/main">
+  <p:cSld>
+    <p:spTree>
+      <p:nvGrpSpPr>
+        <p:cNvPr id="1" name=""/>
+        <p:cNvGrpSpPr/>
+        <p:nvPr/>
+      </p:nvGrpSpPr>
+      <p:grpSpPr>
+        <a:xfrm>
+          <a:off x="0" y="0"/>
+          <a:ext cx="0" cy="0"/>
+          <a:chOff x="0" y="0"/>
+          <a:chExt cx="0" cy="0"/>
+        </a:xfrm>
+      </p:grpSpPr>
+      <p:sp>
+        <p:nvSpPr>
+          <p:cNvPr id="3" name="Content Placeholder 2"/>
+          <p:cNvSpPr>
+            <a:spLocks noGrp="1"/>
+          </p:cNvSpPr>
+          <p:nvPr>
+            <p:ph idx="1"/>
+          </p:nvPr>
+        </p:nvSpPr>
+        <p:spPr/>
+        <p:txBody>
+          <a:bodyPr/>
+          <a:lstStyle/>
+          <a:p>
+            <a:r>
+              <a:rPr lang="fr-FR" dirty="0"/>
+              <a:t>Les tests </a:t>
+            </a:r>
+            <a:r>
+              <a:rPr lang="fr-FR" dirty="0" smtClean="0"/>
+              <a:t>unitaires</a:t>
+            </a:r>
+          </a:p>
+          <a:p>
+            <a:pPr lvl="1"/>
+            <a:r>
+              <a:rPr lang="fr-FR" dirty="0" smtClean="0"/>
+              <a:t>Fiche de test</a:t>
+            </a:r>
+          </a:p>
+          <a:p>
+            <a:pPr lvl="1"/>
+            <a:r>
+              <a:rPr lang="fr-FR" dirty="0" smtClean="0"/>
+              <a:t>Utilité des tests</a:t>
+            </a:r>
+            <a:endParaRPr lang="fr-FR" dirty="0"/>
+          </a:p>
+          <a:p>
+            <a:endParaRPr lang="fr-FR" dirty="0"/>
+          </a:p>
+        </p:txBody>
+      </p:sp>
+      <p:sp>
+        <p:nvSpPr>
+          <p:cNvPr id="2" name="Title 1"/>
+          <p:cNvSpPr>
+            <a:spLocks noGrp="1"/>
+          </p:cNvSpPr>
+          <p:nvPr>
+            <p:ph type="title"/>
+          </p:nvPr>
+        </p:nvSpPr>
+        <p:spPr/>
+        <p:txBody>
+          <a:bodyPr/>
+          <a:lstStyle/>
+          <a:p>
+            <a:r>
+              <a:rPr lang="fr-FR" dirty="0" smtClean="0"/>
+              <a:t>Le projet</a:t>
+            </a:r>
+            <a:endParaRPr lang="fr-FR" dirty="0"/>
+          </a:p>
+        </p:txBody>
+      </p:sp>
+    </p:spTree>
+    <p:extLst>
+      <p:ext uri="{BB962C8B-B14F-4D97-AF65-F5344CB8AC3E}">
+        <p14:creationId xmlns:p14="http://schemas.microsoft.com/office/powerpoint/2010/main" val="1581471230"/>
+      </p:ext>
+    </p:extLst>
+  </p:cSld>
+  <p:clrMapOvr>
+    <a:masterClrMapping/>
+  </p:clrMapOvr>
+  <p:timing>
+    <p:tnLst>
+      <p:par>
+        <p:cTn id="1" dur="indefinite" restart="never" nodeType="tmRoot"/>
+      </p:par>
+    </p:tnLst>
+  </p:timing>
+</p:sld>
+</file>
+
+<file path=ppt/slides/slide15.xml><?xml version="1.0" encoding="utf-8"?>
+<p:sld xmlns:a="http://schemas.openxmlformats.org/drawingml/2006/main" xmlns:r="http://schemas.openxmlformats.org/officeDocument/2006/relationships" xmlns:p="http://schemas.openxmlformats.org/presentationml/2006/main">
+  <p:cSld>
+    <p:spTree>
+      <p:nvGrpSpPr>
+        <p:cNvPr id="1" name=""/>
+        <p:cNvGrpSpPr/>
+        <p:nvPr/>
+      </p:nvGrpSpPr>
+      <p:grpSpPr>
+        <a:xfrm>
+          <a:off x="0" y="0"/>
+          <a:ext cx="0" cy="0"/>
+          <a:chOff x="0" y="0"/>
+          <a:chExt cx="0" cy="0"/>
+        </a:xfrm>
+      </p:grpSpPr>
+      <p:sp>
+        <p:nvSpPr>
+          <p:cNvPr id="3" name="Content Placeholder 2"/>
+          <p:cNvSpPr>
+            <a:spLocks noGrp="1"/>
+          </p:cNvSpPr>
+          <p:nvPr>
+            <p:ph idx="1"/>
+          </p:nvPr>
+        </p:nvSpPr>
+        <p:spPr/>
+        <p:txBody>
+          <a:bodyPr/>
+          <a:lstStyle/>
+          <a:p>
+            <a:r>
+              <a:rPr lang="fr-FR" smtClean="0"/>
+              <a:t>Code</a:t>
+            </a:r>
+            <a:endParaRPr lang="fr-FR" dirty="0"/>
+          </a:p>
+        </p:txBody>
+      </p:sp>
+      <p:sp>
+        <p:nvSpPr>
+          <p:cNvPr id="2" name="Title 1"/>
+          <p:cNvSpPr>
+            <a:spLocks noGrp="1"/>
+          </p:cNvSpPr>
+          <p:nvPr>
+            <p:ph type="title"/>
+          </p:nvPr>
+        </p:nvSpPr>
+        <p:spPr/>
+        <p:txBody>
+          <a:bodyPr/>
+          <a:lstStyle/>
+          <a:p>
+            <a:r>
+              <a:rPr lang="fr-FR" dirty="0" smtClean="0"/>
+              <a:t>Le projet</a:t>
+            </a:r>
+            <a:endParaRPr lang="fr-FR" dirty="0"/>
+          </a:p>
+        </p:txBody>
+      </p:sp>
+    </p:spTree>
+    <p:extLst>
+      <p:ext uri="{BB962C8B-B14F-4D97-AF65-F5344CB8AC3E}">
+        <p14:creationId xmlns:p14="http://schemas.microsoft.com/office/powerpoint/2010/main" val="1792430399"/>
+      </p:ext>
+    </p:extLst>
+  </p:cSld>
+  <p:clrMapOvr>
+    <a:masterClrMapping/>
+  </p:clrMapOvr>
+  <p:timing>
+    <p:tnLst>
+      <p:par>
+        <p:cTn id="1" dur="indefinite" restart="never" nodeType="tmRoot"/>
+      </p:par>
+    </p:tnLst>
+  </p:timing>
+</p:sld>
+</file>
+
+<file path=ppt/slides/slide16.xml><?xml version="1.0" encoding="utf-8"?>
+<p:sld xmlns:a="http://schemas.openxmlformats.org/drawingml/2006/main" xmlns:r="http://schemas.openxmlformats.org/officeDocument/2006/relationships" xmlns:p="http://schemas.openxmlformats.org/presentationml/2006/main">
+  <p:cSld>
+    <p:spTree>
+      <p:nvGrpSpPr>
+        <p:cNvPr id="1" name=""/>
+        <p:cNvGrpSpPr/>
+        <p:nvPr/>
+      </p:nvGrpSpPr>
+      <p:grpSpPr>
+        <a:xfrm>
+          <a:off x="0" y="0"/>
+          <a:ext cx="0" cy="0"/>
+          <a:chOff x="0" y="0"/>
+          <a:chExt cx="0" cy="0"/>
+        </a:xfrm>
+      </p:grpSpPr>
+      <p:sp>
+        <p:nvSpPr>
+          <p:cNvPr id="3" name="Content Placeholder 2"/>
+          <p:cNvSpPr>
+            <a:spLocks noGrp="1"/>
+          </p:cNvSpPr>
+          <p:nvPr>
+            <p:ph idx="1"/>
+          </p:nvPr>
+        </p:nvSpPr>
+        <p:spPr/>
+        <p:txBody>
+          <a:bodyPr/>
+          <a:lstStyle/>
+          <a:p>
+            <a:r>
+              <a:rPr lang="fr-FR" dirty="0" smtClean="0"/>
+              <a:t>Déploiement</a:t>
+            </a:r>
+          </a:p>
+          <a:p>
+            <a:pPr lvl="1"/>
+            <a:r>
+              <a:rPr lang="fr-FR" dirty="0" smtClean="0"/>
+              <a:t>Serveur de la formation</a:t>
+            </a:r>
+          </a:p>
+        </p:txBody>
+      </p:sp>
+      <p:sp>
+        <p:nvSpPr>
+          <p:cNvPr id="2" name="Title 1"/>
+          <p:cNvSpPr>
+            <a:spLocks noGrp="1"/>
+          </p:cNvSpPr>
+          <p:nvPr>
+            <p:ph type="title"/>
+          </p:nvPr>
+        </p:nvSpPr>
+        <p:spPr/>
+        <p:txBody>
+          <a:bodyPr/>
+          <a:lstStyle/>
+          <a:p>
+            <a:r>
+              <a:rPr lang="fr-FR" dirty="0" smtClean="0"/>
+              <a:t>Le projet</a:t>
+            </a:r>
+            <a:endParaRPr lang="fr-FR" dirty="0"/>
+          </a:p>
+        </p:txBody>
+      </p:sp>
+    </p:spTree>
+    <p:extLst>
+      <p:ext uri="{BB962C8B-B14F-4D97-AF65-F5344CB8AC3E}">
+        <p14:creationId xmlns:p14="http://schemas.microsoft.com/office/powerpoint/2010/main" val="1798594569"/>
+      </p:ext>
+    </p:extLst>
+  </p:cSld>
+  <p:clrMapOvr>
+    <a:masterClrMapping/>
+  </p:clrMapOvr>
+  <p:timing>
+    <p:tnLst>
+      <p:par>
+        <p:cTn id="1" dur="indefinite" restart="never" nodeType="tmRoot"/>
+      </p:par>
+    </p:tnLst>
+  </p:timing>
+</p:sld>
+</file>
+
+<file path=ppt/slides/slide17.xml><?xml version="1.0" encoding="utf-8"?>
+<p:sld xmlns:a="http://schemas.openxmlformats.org/drawingml/2006/main" xmlns:r="http://schemas.openxmlformats.org/officeDocument/2006/relationships" xmlns:p="http://schemas.openxmlformats.org/presentationml/2006/main">
+  <p:cSld>
+    <p:spTree>
+      <p:nvGrpSpPr>
+        <p:cNvPr id="1" name=""/>
+        <p:cNvGrpSpPr/>
+        <p:nvPr/>
+      </p:nvGrpSpPr>
+      <p:grpSpPr>
+        <a:xfrm>
+          <a:off x="0" y="0"/>
+          <a:ext cx="0" cy="0"/>
+          <a:chOff x="0" y="0"/>
+          <a:chExt cx="0" cy="0"/>
+        </a:xfrm>
+      </p:grpSpPr>
+      <p:sp>
+        <p:nvSpPr>
+          <p:cNvPr id="3" name="Content Placeholder 2"/>
+          <p:cNvSpPr>
+            <a:spLocks noGrp="1"/>
+          </p:cNvSpPr>
+          <p:nvPr>
+            <p:ph idx="1"/>
+          </p:nvPr>
+        </p:nvSpPr>
+        <p:spPr/>
+        <p:txBody>
+          <a:bodyPr/>
+          <a:lstStyle/>
+          <a:p>
+            <a:r>
+              <a:rPr lang="fr-FR" dirty="0" smtClean="0"/>
+              <a:t>Test unitaire en transverse</a:t>
+            </a:r>
+          </a:p>
+          <a:p>
+            <a:r>
+              <a:rPr lang="fr-FR" dirty="0" smtClean="0"/>
+              <a:t>Petit itératif</a:t>
+            </a:r>
+          </a:p>
+          <a:p>
+            <a:r>
+              <a:rPr lang="fr-FR" dirty="0" smtClean="0"/>
+              <a:t>N-tiers</a:t>
+            </a:r>
+          </a:p>
+          <a:p>
+            <a:r>
+              <a:rPr lang="fr-FR" dirty="0" smtClean="0"/>
+              <a:t>Planification</a:t>
+            </a:r>
+          </a:p>
+          <a:p>
+            <a:r>
+              <a:rPr lang="fr-FR" dirty="0" smtClean="0"/>
+              <a:t>Axe d’étude et amélioration</a:t>
+            </a:r>
+          </a:p>
+          <a:p>
+            <a:endParaRPr lang="fr-FR" dirty="0"/>
+          </a:p>
+          <a:p>
+            <a:endParaRPr lang="fr-FR" dirty="0"/>
+          </a:p>
+        </p:txBody>
+      </p:sp>
+      <p:sp>
+        <p:nvSpPr>
+          <p:cNvPr id="2" name="Title 1"/>
+          <p:cNvSpPr>
+            <a:spLocks noGrp="1"/>
+          </p:cNvSpPr>
+          <p:nvPr>
+            <p:ph type="title"/>
+          </p:nvPr>
+        </p:nvSpPr>
+        <p:spPr/>
+        <p:txBody>
+          <a:bodyPr/>
+          <a:lstStyle/>
+          <a:p>
+            <a:r>
+              <a:rPr lang="fr-FR" dirty="0"/>
+              <a:t>Conclusion</a:t>
+            </a:r>
+          </a:p>
+        </p:txBody>
+      </p:sp>
+    </p:spTree>
+    <p:extLst>
+      <p:ext uri="{BB962C8B-B14F-4D97-AF65-F5344CB8AC3E}">
+        <p14:creationId xmlns:p14="http://schemas.microsoft.com/office/powerpoint/2010/main" val="2299719638"/>
+      </p:ext>
+    </p:extLst>
+  </p:cSld>
+  <p:clrMapOvr>
+    <a:masterClrMapping/>
+  </p:clrMapOvr>
+  <p:timing>
+    <p:tnLst>
+      <p:par>
+        <p:cTn id="1" dur="indefinite" restart="never" nodeType="tmRoot"/>
+      </p:par>
+    </p:tnLst>
+  </p:timing>
 </p:sld>
 </file>
 
@@ -5789,7 +8647,97 @@
       </p:grpSpPr>
       <p:sp>
         <p:nvSpPr>
-          <p:cNvPr id="2" name="Rectangle 1"/>
+          <p:cNvPr id="3" name="Content Placeholder 2"/>
+          <p:cNvSpPr>
+            <a:spLocks noGrp="1"/>
+          </p:cNvSpPr>
+          <p:nvPr>
+            <p:ph idx="1"/>
+          </p:nvPr>
+        </p:nvSpPr>
+        <p:spPr/>
+        <p:txBody>
+          <a:bodyPr>
+            <a:normAutofit/>
+          </a:bodyPr>
+          <a:lstStyle/>
+          <a:p>
+            <a:r>
+              <a:rPr lang="fr-FR" dirty="0"/>
+              <a:t>Le </a:t>
+            </a:r>
+            <a:r>
+              <a:rPr lang="fr-FR" dirty="0" smtClean="0"/>
+              <a:t>stage</a:t>
+            </a:r>
+          </a:p>
+          <a:p>
+            <a:pPr lvl="1"/>
+            <a:r>
+              <a:rPr lang="fr-FR" dirty="0"/>
+              <a:t>Contexte du stage</a:t>
+            </a:r>
+          </a:p>
+          <a:p>
+            <a:r>
+              <a:rPr lang="fr-FR" dirty="0" smtClean="0"/>
+              <a:t>La société</a:t>
+            </a:r>
+          </a:p>
+          <a:p>
+            <a:pPr lvl="1"/>
+            <a:r>
+              <a:rPr lang="fr-FR" dirty="0" smtClean="0"/>
+              <a:t>Présentation de la société</a:t>
+            </a:r>
+          </a:p>
+          <a:p>
+            <a:pPr lvl="1"/>
+            <a:r>
+              <a:rPr lang="fr-FR" dirty="0" smtClean="0"/>
+              <a:t>Organisation de la société</a:t>
+            </a:r>
+            <a:endParaRPr lang="fr-FR" dirty="0"/>
+          </a:p>
+          <a:p>
+            <a:r>
+              <a:rPr lang="fr-FR" dirty="0"/>
+              <a:t>Le projet</a:t>
+            </a:r>
+          </a:p>
+          <a:p>
+            <a:pPr lvl="1"/>
+            <a:r>
+              <a:rPr lang="fr-FR" dirty="0"/>
+              <a:t>Contexte du projet</a:t>
+            </a:r>
+          </a:p>
+          <a:p>
+            <a:pPr lvl="1"/>
+            <a:r>
+              <a:rPr lang="fr-FR" dirty="0"/>
+              <a:t>Le projet</a:t>
+            </a:r>
+          </a:p>
+          <a:p>
+            <a:pPr lvl="1"/>
+            <a:r>
+              <a:rPr lang="fr-FR" dirty="0" smtClean="0"/>
+              <a:t>Démonstration</a:t>
+            </a:r>
+            <a:endParaRPr lang="fr-FR" dirty="0"/>
+          </a:p>
+          <a:p>
+            <a:r>
+              <a:rPr lang="fr-FR" dirty="0" smtClean="0"/>
+              <a:t>Conclusion</a:t>
+            </a:r>
+          </a:p>
+        </p:txBody>
+      </p:sp>
+      <p:sp>
+        <p:nvSpPr>
+          <p:cNvPr id="2" name="Title 1"/>
           <p:cNvSpPr>
             <a:spLocks noGrp="1"/>
           </p:cNvSpPr>
@@ -5803,83 +8751,9 @@
           <a:lstStyle/>
           <a:p>
             <a:r>
-              <a:rPr lang="fr-FR" dirty="0" smtClean="0"/>
+              <a:rPr lang="fr-FR" dirty="0"/>
               <a:t>Sommaire</a:t>
             </a:r>
-            <a:endParaRPr lang="fr-FR" dirty="0"/>
-          </a:p>
-        </p:txBody>
-      </p:sp>
-      <p:sp>
-        <p:nvSpPr>
-          <p:cNvPr id="3" name="Rectangle 2"/>
-          <p:cNvSpPr>
-            <a:spLocks noGrp="1"/>
-          </p:cNvSpPr>
-          <p:nvPr>
-            <p:ph idx="1"/>
-          </p:nvPr>
-        </p:nvSpPr>
-        <p:spPr/>
-        <p:txBody>
-          <a:bodyPr/>
-          <a:lstStyle/>
-          <a:p>
-            <a:r>
-              <a:rPr lang="fr-FR" dirty="0" smtClean="0"/>
-              <a:t>Le stage</a:t>
-            </a:r>
-          </a:p>
-          <a:p>
-            <a:pPr lvl="1"/>
-            <a:r>
-              <a:rPr lang="fr-FR" dirty="0" smtClean="0"/>
-              <a:t>Contexte du stage</a:t>
-            </a:r>
-          </a:p>
-          <a:p>
-            <a:pPr lvl="1"/>
-            <a:r>
-              <a:rPr lang="fr-FR" dirty="0" smtClean="0"/>
-              <a:t>Présentation du stage</a:t>
-            </a:r>
-          </a:p>
-          <a:p>
-            <a:r>
-              <a:rPr lang="fr-FR" dirty="0" smtClean="0"/>
-              <a:t>Le projet</a:t>
-            </a:r>
-          </a:p>
-          <a:p>
-            <a:pPr lvl="1"/>
-            <a:r>
-              <a:rPr lang="fr-FR" dirty="0" smtClean="0"/>
-              <a:t>Contexte du projet</a:t>
-            </a:r>
-          </a:p>
-          <a:p>
-            <a:pPr lvl="1"/>
-            <a:r>
-              <a:rPr lang="fr-FR" dirty="0" smtClean="0"/>
-              <a:t>Présentation du projet</a:t>
-            </a:r>
-          </a:p>
-          <a:p>
-            <a:pPr lvl="1"/>
-            <a:r>
-              <a:rPr lang="fr-FR" dirty="0" smtClean="0"/>
-              <a:t>Démonstration</a:t>
-            </a:r>
-          </a:p>
-          <a:p>
-            <a:r>
-              <a:rPr lang="fr-FR" dirty="0" smtClean="0"/>
-              <a:t>Conclusion</a:t>
-            </a:r>
-          </a:p>
-          <a:p>
-            <a:pPr lvl="1"/>
-            <a:endParaRPr lang="fr-FR" dirty="0" smtClean="0"/>
           </a:p>
         </p:txBody>
       </p:sp>
@@ -5888,6 +8762,13 @@
   <p:clrMapOvr>
     <a:masterClrMapping/>
   </p:clrMapOvr>
+  <p:timing>
+    <p:tnLst>
+      <p:par>
+        <p:cTn id="1" dur="indefinite" restart="never" nodeType="tmRoot"/>
+      </p:par>
+    </p:tnLst>
+  </p:timing>
 </p:sld>
 </file>
 
@@ -5910,12 +8791,12 @@
       </p:grpSpPr>
       <p:sp>
         <p:nvSpPr>
-          <p:cNvPr id="2" name="Rectangle 1"/>
-          <p:cNvSpPr>
-            <a:spLocks noGrp="1"/>
-          </p:cNvSpPr>
-          <p:nvPr>
-            <p:ph type="title"/>
+          <p:cNvPr id="3" name="Content Placeholder 2"/>
+          <p:cNvSpPr>
+            <a:spLocks noGrp="1"/>
+          </p:cNvSpPr>
+          <p:nvPr>
+            <p:ph idx="1"/>
           </p:nvPr>
         </p:nvSpPr>
         <p:spPr/>
@@ -5925,65 +8806,73 @@
           <a:p>
             <a:r>
               <a:rPr lang="fr-FR" dirty="0" smtClean="0"/>
+              <a:t>Pourquoi </a:t>
+            </a:r>
+            <a:r>
+              <a:rPr lang="fr-FR" dirty="0"/>
+              <a:t>avoir </a:t>
+            </a:r>
+            <a:r>
+              <a:rPr lang="fr-FR" dirty="0" smtClean="0"/>
+              <a:t>démissionner?</a:t>
+            </a:r>
+          </a:p>
+          <a:p>
+            <a:endParaRPr lang="fr-FR" dirty="0" smtClean="0"/>
+          </a:p>
+          <a:p>
+            <a:endParaRPr lang="fr-FR" dirty="0"/>
+          </a:p>
+          <a:p>
+            <a:r>
+              <a:rPr lang="fr-FR" dirty="0"/>
+              <a:t>Pourquoi le stage a l’AFPA</a:t>
+            </a:r>
+            <a:r>
+              <a:rPr lang="fr-FR" dirty="0" smtClean="0"/>
+              <a:t>.</a:t>
+            </a:r>
+          </a:p>
+          <a:p>
+            <a:endParaRPr lang="fr-FR" dirty="0" smtClean="0"/>
+          </a:p>
+          <a:p>
+            <a:endParaRPr lang="fr-FR" dirty="0" smtClean="0"/>
+          </a:p>
+          <a:p>
+            <a:r>
+              <a:rPr lang="fr-FR" dirty="0" smtClean="0"/>
+              <a:t>Présentation du </a:t>
+            </a:r>
+            <a:r>
+              <a:rPr lang="fr-FR" dirty="0" smtClean="0"/>
+              <a:t>stage.</a:t>
+            </a:r>
+            <a:endParaRPr lang="fr-FR" dirty="0"/>
+          </a:p>
+        </p:txBody>
+      </p:sp>
+      <p:sp>
+        <p:nvSpPr>
+          <p:cNvPr id="2" name="Title 1"/>
+          <p:cNvSpPr>
+            <a:spLocks noGrp="1"/>
+          </p:cNvSpPr>
+          <p:nvPr>
+            <p:ph type="title"/>
+          </p:nvPr>
+        </p:nvSpPr>
+        <p:spPr/>
+        <p:txBody>
+          <a:bodyPr>
+            <a:normAutofit/>
+          </a:bodyPr>
+          <a:lstStyle/>
+          <a:p>
+            <a:r>
+              <a:rPr lang="fr-FR" dirty="0"/>
               <a:t>Contexte du stage</a:t>
             </a:r>
-            <a:endParaRPr lang="fr-FR" dirty="0"/>
-          </a:p>
-        </p:txBody>
-      </p:sp>
-      <p:sp>
-        <p:nvSpPr>
-          <p:cNvPr id="3" name="Rectangle 2"/>
-          <p:cNvSpPr>
-            <a:spLocks noGrp="1"/>
-          </p:cNvSpPr>
-          <p:nvPr>
-            <p:ph idx="1"/>
-          </p:nvPr>
-        </p:nvSpPr>
-        <p:spPr/>
-        <p:txBody>
-          <a:bodyPr/>
-          <a:lstStyle/>
-          <a:p>
-            <a:r>
-              <a:rPr lang="fr-FR" dirty="0" smtClean="0"/>
-              <a:t>Pourquoi avoir démissionner</a:t>
-            </a:r>
-            <a:r>
-              <a:rPr lang="fr-FR" dirty="0" smtClean="0"/>
-              <a:t> ?</a:t>
-            </a:r>
-          </a:p>
-          <a:p>
-            <a:endParaRPr lang="fr-FR" dirty="0"/>
-          </a:p>
-          <a:p>
-            <a:endParaRPr lang="fr-FR" dirty="0" smtClean="0"/>
-          </a:p>
-          <a:p>
-            <a:pPr marL="109728" indent="0">
-              <a:buNone/>
-            </a:pPr>
-            <a:endParaRPr lang="fr-FR" dirty="0"/>
-          </a:p>
-          <a:p>
-            <a:r>
-              <a:rPr lang="fr-FR" dirty="0" smtClean="0"/>
-              <a:t>Pourquoi </a:t>
-            </a:r>
-            <a:r>
-              <a:rPr lang="fr-FR" dirty="0" smtClean="0"/>
-              <a:t>le </a:t>
-            </a:r>
-            <a:r>
-              <a:rPr lang="fr-FR" dirty="0" smtClean="0"/>
-              <a:t>stage a l’AFPA.</a:t>
-            </a:r>
-          </a:p>
-          <a:p>
-            <a:pPr lvl="1"/>
-            <a:endParaRPr lang="fr-FR" dirty="0" smtClean="0"/>
           </a:p>
         </p:txBody>
       </p:sp>
@@ -5992,6 +8881,13 @@
   <p:clrMapOvr>
     <a:masterClrMapping/>
   </p:clrMapOvr>
+  <p:timing>
+    <p:tnLst>
+      <p:par>
+        <p:cTn id="1" dur="indefinite" restart="never" nodeType="tmRoot"/>
+      </p:par>
+    </p:tnLst>
+  </p:timing>
 </p:sld>
 </file>
 
@@ -6014,7 +8910,7 @@
       </p:grpSpPr>
       <p:sp>
         <p:nvSpPr>
-          <p:cNvPr id="2" name="Rectangle 1"/>
+          <p:cNvPr id="2" name="Title 1"/>
           <p:cNvSpPr>
             <a:spLocks noGrp="1"/>
           </p:cNvSpPr>
@@ -6029,15 +8925,18 @@
           <a:p>
             <a:r>
               <a:rPr lang="fr-FR" dirty="0" smtClean="0"/>
-              <a:t>Présentation du stage</a:t>
-            </a:r>
-            <a:endParaRPr lang="fr-FR" dirty="0"/>
-          </a:p>
-        </p:txBody>
-      </p:sp>
-      <p:sp>
-        <p:nvSpPr>
-          <p:cNvPr id="3" name="Rectangle 2"/>
+              <a:t>La </a:t>
+            </a:r>
+            <a:r>
+              <a:rPr lang="fr-FR" dirty="0"/>
+              <a:t>société</a:t>
+            </a:r>
+          </a:p>
+        </p:txBody>
+      </p:sp>
+      <p:sp>
+        <p:nvSpPr>
+          <p:cNvPr id="3" name="Espace réservé du contenu 2"/>
           <p:cNvSpPr>
             <a:spLocks noGrp="1"/>
           </p:cNvSpPr>
@@ -6052,14 +8951,18 @@
           <a:p>
             <a:r>
               <a:rPr lang="fr-FR" dirty="0" smtClean="0"/>
-              <a:t>L’entreprise</a:t>
-            </a:r>
+              <a:t>Présentation de la </a:t>
+            </a:r>
+            <a:r>
+              <a:rPr lang="fr-FR" dirty="0" smtClean="0"/>
+              <a:t>société.</a:t>
+            </a:r>
+          </a:p>
+          <a:p>
+            <a:endParaRPr lang="fr-FR" dirty="0"/>
           </a:p>
           <a:p>
             <a:endParaRPr lang="fr-FR" dirty="0" smtClean="0"/>
-          </a:p>
-          <a:p>
-            <a:endParaRPr lang="fr-FR" dirty="0"/>
           </a:p>
           <a:p>
             <a:pPr marL="109728" indent="0">
@@ -6069,22 +8972,30 @@
           </a:p>
           <a:p>
             <a:r>
-              <a:rPr lang="fr-FR" dirty="0" smtClean="0"/>
-              <a:t>Ma situation au sein de l’entreprise</a:t>
-            </a:r>
+              <a:rPr lang="fr-FR" dirty="0"/>
+              <a:t>Organisation de la société.</a:t>
+            </a:r>
+          </a:p>
+          <a:p>
+            <a:pPr marL="109728" indent="0">
+              <a:buNone/>
+            </a:pPr>
+            <a:endParaRPr lang="fr-FR" dirty="0" smtClean="0"/>
           </a:p>
         </p:txBody>
       </p:sp>
     </p:spTree>
-    <p:extLst>
-      <p:ext uri="{BB962C8B-B14F-4D97-AF65-F5344CB8AC3E}">
-        <p14:creationId xmlns:p14="http://schemas.microsoft.com/office/powerpoint/2010/main" val="4096722150"/>
-      </p:ext>
-    </p:extLst>
   </p:cSld>
   <p:clrMapOvr>
     <a:masterClrMapping/>
   </p:clrMapOvr>
+  <p:timing>
+    <p:tnLst>
+      <p:par>
+        <p:cTn id="1" dur="indefinite" restart="never" nodeType="tmRoot"/>
+      </p:par>
+    </p:tnLst>
+  </p:timing>
 </p:sld>
 </file>
 
@@ -6105,92 +9016,66 @@
           <a:chExt cx="0" cy="0"/>
         </a:xfrm>
       </p:grpSpPr>
-      <p:sp>
-        <p:nvSpPr>
-          <p:cNvPr id="2" name="Rectangle 1"/>
-          <p:cNvSpPr>
-            <a:spLocks noGrp="1"/>
-          </p:cNvSpPr>
-          <p:nvPr>
-            <p:ph type="title"/>
-          </p:nvPr>
-        </p:nvSpPr>
-        <p:spPr/>
-        <p:txBody>
-          <a:bodyPr/>
-          <a:lstStyle/>
-          <a:p>
-            <a:r>
-              <a:rPr lang="fr-FR" dirty="0" smtClean="0"/>
-              <a:t>Contexte du projet</a:t>
-            </a:r>
-            <a:endParaRPr lang="fr-FR" dirty="0"/>
-          </a:p>
-        </p:txBody>
-      </p:sp>
-      <p:sp>
-        <p:nvSpPr>
-          <p:cNvPr id="3" name="Rectangle 2"/>
-          <p:cNvSpPr>
-            <a:spLocks noGrp="1"/>
-          </p:cNvSpPr>
-          <p:nvPr>
-            <p:ph idx="1"/>
-          </p:nvPr>
-        </p:nvSpPr>
-        <p:spPr/>
-        <p:txBody>
-          <a:bodyPr/>
-          <a:lstStyle/>
-          <a:p>
-            <a:r>
-              <a:rPr lang="fr-FR" dirty="0" smtClean="0"/>
-              <a:t>Pourquoi ce projet</a:t>
-            </a:r>
-          </a:p>
-          <a:p>
-            <a:endParaRPr lang="fr-FR" dirty="0"/>
-          </a:p>
-          <a:p>
-            <a:endParaRPr lang="fr-FR" dirty="0" smtClean="0"/>
-          </a:p>
-          <a:p>
-            <a:endParaRPr lang="fr-FR" dirty="0"/>
-          </a:p>
-          <a:p>
-            <a:r>
-              <a:rPr lang="fr-FR" dirty="0" smtClean="0"/>
-              <a:t>L’intérêt du </a:t>
-            </a:r>
-            <a:r>
-              <a:rPr lang="fr-FR" dirty="0" smtClean="0"/>
-              <a:t>projet</a:t>
-            </a:r>
-          </a:p>
-          <a:p>
-            <a:endParaRPr lang="fr-FR" dirty="0" smtClean="0"/>
-          </a:p>
-          <a:p>
-            <a:pPr marL="109728" indent="0">
-              <a:buNone/>
-            </a:pPr>
-            <a:endParaRPr lang="fr-FR" dirty="0"/>
-          </a:p>
-          <a:p>
-            <a:endParaRPr lang="fr-FR" dirty="0"/>
-          </a:p>
-        </p:txBody>
-      </p:sp>
+      <p:pic>
+        <p:nvPicPr>
+          <p:cNvPr id="1031" name="Picture 7" descr="D:\Projet\Suivi stagiaire\Rapport de stage\Annexe\Sans titre.png"/>
+          <p:cNvPicPr preferRelativeResize="0">
+            <a:picLocks noChangeArrowheads="1"/>
+          </p:cNvPicPr>
+          <p:nvPr/>
+        </p:nvPicPr>
+        <p:blipFill>
+          <a:blip r:embed="rId3">
+            <a:extLst>
+              <a:ext uri="{28A0092B-C50C-407E-A947-70E740481C1C}">
+                <a14:useLocalDpi xmlns:a14="http://schemas.microsoft.com/office/drawing/2010/main" val="0"/>
+              </a:ext>
+            </a:extLst>
+          </a:blip>
+          <a:stretch>
+            <a:fillRect/>
+          </a:stretch>
+        </p:blipFill>
+        <p:spPr bwMode="auto">
+          <a:xfrm>
+            <a:off x="107504" y="44624"/>
+            <a:ext cx="8928992" cy="6696744"/>
+          </a:xfrm>
+          <a:prstGeom prst="rect">
+            <a:avLst/>
+          </a:prstGeom>
+          <a:noFill/>
+          <a:ln>
+            <a:noFill/>
+          </a:ln>
+          <a:extLst>
+            <a:ext uri="{909E8E84-426E-40DD-AFC4-6F175D3DCCD1}">
+              <a14:hiddenFill xmlns:a14="http://schemas.microsoft.com/office/drawing/2010/main">
+                <a:solidFill>
+                  <a:srgbClr val="FFFFFF"/>
+                </a:solidFill>
+              </a14:hiddenFill>
+            </a:ext>
+          </a:extLst>
+        </p:spPr>
+      </p:pic>
     </p:spTree>
     <p:extLst>
       <p:ext uri="{BB962C8B-B14F-4D97-AF65-F5344CB8AC3E}">
-        <p14:creationId xmlns:p14="http://schemas.microsoft.com/office/powerpoint/2010/main" val="653017972"/>
+        <p14:creationId xmlns:p14="http://schemas.microsoft.com/office/powerpoint/2010/main" val="3992155398"/>
       </p:ext>
     </p:extLst>
   </p:cSld>
   <p:clrMapOvr>
     <a:masterClrMapping/>
   </p:clrMapOvr>
+  <p:timing>
+    <p:tnLst>
+      <p:par>
+        <p:cTn id="1" dur="indefinite" restart="never" nodeType="tmRoot"/>
+      </p:par>
+    </p:tnLst>
+  </p:timing>
 </p:sld>
 </file>
 
@@ -6213,12 +9098,12 @@
       </p:grpSpPr>
       <p:sp>
         <p:nvSpPr>
-          <p:cNvPr id="2" name="Rectangle 1"/>
-          <p:cNvSpPr>
-            <a:spLocks noGrp="1"/>
-          </p:cNvSpPr>
-          <p:nvPr>
-            <p:ph type="title"/>
+          <p:cNvPr id="3" name="Content Placeholder 2"/>
+          <p:cNvSpPr>
+            <a:spLocks noGrp="1"/>
+          </p:cNvSpPr>
+          <p:nvPr>
+            <p:ph idx="1"/>
           </p:nvPr>
         </p:nvSpPr>
         <p:spPr/>
@@ -6227,21 +9112,94 @@
           <a:lstStyle/>
           <a:p>
             <a:r>
-              <a:rPr lang="fr-FR" dirty="0" smtClean="0"/>
-              <a:t>Présentation du projet</a:t>
-            </a:r>
+              <a:rPr lang="fr-FR" dirty="0"/>
+              <a:t>Pourquoi ce </a:t>
+            </a:r>
+            <a:r>
+              <a:rPr lang="fr-FR" dirty="0" smtClean="0"/>
+              <a:t>projet</a:t>
+            </a:r>
+          </a:p>
+          <a:p>
+            <a:pPr lvl="1"/>
+            <a:r>
+              <a:rPr lang="fr-FR" dirty="0" smtClean="0"/>
+              <a:t>Proposition de 3 projets</a:t>
+            </a:r>
+          </a:p>
+          <a:p>
+            <a:pPr lvl="1"/>
+            <a:r>
+              <a:rPr lang="fr-FR" dirty="0" smtClean="0"/>
+              <a:t>Choix du client</a:t>
+            </a:r>
+          </a:p>
+          <a:p>
+            <a:pPr lvl="1"/>
             <a:endParaRPr lang="fr-FR" dirty="0"/>
           </a:p>
-        </p:txBody>
-      </p:sp>
-      <p:sp>
-        <p:nvSpPr>
-          <p:cNvPr id="3" name="Rectangle 2"/>
-          <p:cNvSpPr>
-            <a:spLocks noGrp="1"/>
-          </p:cNvSpPr>
-          <p:nvPr>
-            <p:ph idx="1"/>
+          <a:p>
+            <a:r>
+              <a:rPr lang="fr-FR" dirty="0"/>
+              <a:t>L’intérêt du </a:t>
+            </a:r>
+            <a:r>
+              <a:rPr lang="fr-FR" dirty="0" smtClean="0"/>
+              <a:t>projet</a:t>
+            </a:r>
+          </a:p>
+          <a:p>
+            <a:pPr lvl="1"/>
+            <a:r>
+              <a:rPr lang="fr-FR" dirty="0" smtClean="0"/>
+              <a:t>Cible le cœur du métier</a:t>
+            </a:r>
+          </a:p>
+          <a:p>
+            <a:pPr lvl="1"/>
+            <a:r>
+              <a:rPr lang="fr-FR" dirty="0" smtClean="0"/>
+              <a:t>Technologie</a:t>
+            </a:r>
+          </a:p>
+          <a:p>
+            <a:pPr lvl="1"/>
+            <a:r>
+              <a:rPr lang="fr-FR" dirty="0" smtClean="0"/>
+              <a:t>Ampleur</a:t>
+            </a:r>
+          </a:p>
+          <a:p>
+            <a:pPr lvl="1"/>
+            <a:r>
+              <a:rPr lang="fr-FR" dirty="0" smtClean="0"/>
+              <a:t>Classique</a:t>
+            </a:r>
+          </a:p>
+          <a:p>
+            <a:pPr lvl="1"/>
+            <a:r>
+              <a:rPr lang="fr-FR" dirty="0" smtClean="0"/>
+              <a:t>Entreprise</a:t>
+            </a:r>
+          </a:p>
+          <a:p>
+            <a:pPr lvl="1"/>
+            <a:r>
+              <a:rPr lang="fr-FR" dirty="0" smtClean="0"/>
+              <a:t>Base existante non informatisée</a:t>
+            </a:r>
+          </a:p>
+        </p:txBody>
+      </p:sp>
+      <p:sp>
+        <p:nvSpPr>
+          <p:cNvPr id="2" name="Title 1"/>
+          <p:cNvSpPr>
+            <a:spLocks noGrp="1"/>
+          </p:cNvSpPr>
+          <p:nvPr>
+            <p:ph type="title"/>
           </p:nvPr>
         </p:nvSpPr>
         <p:spPr/>
@@ -6250,86 +9208,8 @@
           <a:lstStyle/>
           <a:p>
             <a:r>
-              <a:rPr lang="fr-FR" dirty="0" smtClean="0"/>
-              <a:t>La méthodologie mis en place</a:t>
-            </a:r>
-          </a:p>
-          <a:p>
-            <a:pPr lvl="1"/>
-            <a:r>
-              <a:rPr lang="fr-FR" dirty="0" smtClean="0"/>
-              <a:t>Organisation autour du projet.</a:t>
-            </a:r>
-          </a:p>
-          <a:p>
-            <a:pPr lvl="1"/>
-            <a:r>
               <a:rPr lang="fr-FR" dirty="0"/>
-              <a:t>La planification du </a:t>
-            </a:r>
-            <a:r>
-              <a:rPr lang="fr-FR" dirty="0" smtClean="0"/>
-              <a:t>projet.</a:t>
-            </a:r>
-          </a:p>
-          <a:p>
-            <a:pPr lvl="1"/>
-            <a:r>
-              <a:rPr lang="fr-FR" dirty="0" smtClean="0"/>
-              <a:t>Analyse</a:t>
-            </a:r>
-          </a:p>
-          <a:p>
-            <a:pPr lvl="1"/>
-            <a:r>
-              <a:rPr lang="fr-FR" dirty="0" smtClean="0"/>
-              <a:t>Conception</a:t>
-            </a:r>
-          </a:p>
-          <a:p>
-            <a:pPr lvl="1"/>
-            <a:r>
-              <a:rPr lang="fr-FR" dirty="0" smtClean="0"/>
-              <a:t>Les tests unitaires</a:t>
-            </a:r>
-            <a:endParaRPr lang="fr-FR" dirty="0"/>
-          </a:p>
-          <a:p>
-            <a:r>
-              <a:rPr lang="fr-FR" dirty="0" smtClean="0"/>
-              <a:t>Les technologies utilisées</a:t>
-            </a:r>
-          </a:p>
-          <a:p>
-            <a:pPr lvl="1"/>
-            <a:r>
-              <a:rPr lang="fr-FR" dirty="0" err="1" smtClean="0"/>
-              <a:t>Hibernate</a:t>
-            </a:r>
-            <a:r>
-              <a:rPr lang="fr-FR" dirty="0" smtClean="0"/>
-              <a:t> </a:t>
-            </a:r>
-          </a:p>
-          <a:p>
-            <a:pPr lvl="1"/>
-            <a:r>
-              <a:rPr lang="fr-FR" dirty="0" smtClean="0"/>
-              <a:t>Struts2</a:t>
-            </a:r>
-          </a:p>
-          <a:p>
-            <a:pPr lvl="1"/>
-            <a:r>
-              <a:rPr lang="fr-FR" dirty="0" smtClean="0"/>
-              <a:t>Ajax</a:t>
-            </a:r>
-          </a:p>
-          <a:p>
-            <a:pPr lvl="1"/>
-            <a:r>
-              <a:rPr lang="fr-FR" dirty="0" smtClean="0"/>
-              <a:t>Bootstrap</a:t>
+              <a:t>Contexte du projet</a:t>
             </a:r>
           </a:p>
         </p:txBody>
@@ -6337,13 +9217,20 @@
     </p:spTree>
     <p:extLst>
       <p:ext uri="{BB962C8B-B14F-4D97-AF65-F5344CB8AC3E}">
-        <p14:creationId xmlns:p14="http://schemas.microsoft.com/office/powerpoint/2010/main" val="653017972"/>
+        <p14:creationId xmlns:p14="http://schemas.microsoft.com/office/powerpoint/2010/main" val="1795417571"/>
       </p:ext>
     </p:extLst>
   </p:cSld>
   <p:clrMapOvr>
     <a:masterClrMapping/>
   </p:clrMapOvr>
+  <p:timing>
+    <p:tnLst>
+      <p:par>
+        <p:cTn id="1" dur="indefinite" restart="never" nodeType="tmRoot"/>
+      </p:par>
+    </p:tnLst>
+  </p:timing>
 </p:sld>
 </file>
 
@@ -6366,12 +9253,12 @@
       </p:grpSpPr>
       <p:sp>
         <p:nvSpPr>
-          <p:cNvPr id="2" name="Rectangle 1"/>
-          <p:cNvSpPr>
-            <a:spLocks noGrp="1"/>
-          </p:cNvSpPr>
-          <p:nvPr>
-            <p:ph type="title"/>
+          <p:cNvPr id="3" name="Content Placeholder 2"/>
+          <p:cNvSpPr>
+            <a:spLocks noGrp="1"/>
+          </p:cNvSpPr>
+          <p:nvPr>
+            <p:ph idx="1"/>
           </p:nvPr>
         </p:nvSpPr>
         <p:spPr/>
@@ -6380,21 +9267,81 @@
           <a:lstStyle/>
           <a:p>
             <a:r>
-              <a:rPr lang="fr-FR" dirty="0" smtClean="0"/>
-              <a:t>Conclusion</a:t>
-            </a:r>
+              <a:rPr lang="fr-FR" dirty="0"/>
+              <a:t>Présentation du </a:t>
+            </a:r>
+            <a:r>
+              <a:rPr lang="fr-FR" dirty="0" smtClean="0"/>
+              <a:t>projet</a:t>
+            </a:r>
+          </a:p>
+          <a:p>
+            <a:pPr marL="109728" indent="0">
+              <a:buNone/>
+            </a:pPr>
             <a:endParaRPr lang="fr-FR" dirty="0"/>
           </a:p>
-        </p:txBody>
-      </p:sp>
-      <p:sp>
-        <p:nvSpPr>
-          <p:cNvPr id="3" name="Rectangle 2"/>
-          <p:cNvSpPr>
-            <a:spLocks noGrp="1"/>
-          </p:cNvSpPr>
-          <p:nvPr>
-            <p:ph idx="1"/>
+          <a:p>
+            <a:pPr lvl="1"/>
+            <a:r>
+              <a:rPr lang="fr-FR" sz="2400" dirty="0"/>
+              <a:t>Suivi pédagogique.</a:t>
+            </a:r>
+          </a:p>
+          <a:p>
+            <a:pPr lvl="1"/>
+            <a:r>
+              <a:rPr lang="fr-FR" sz="2400" dirty="0"/>
+              <a:t>Suivi ECF.</a:t>
+            </a:r>
+          </a:p>
+          <a:p>
+            <a:pPr lvl="1"/>
+            <a:r>
+              <a:rPr lang="fr-FR" sz="2400" dirty="0"/>
+              <a:t>Zone document administratif.</a:t>
+            </a:r>
+          </a:p>
+          <a:p>
+            <a:pPr lvl="1"/>
+            <a:r>
+              <a:rPr lang="fr-FR" sz="2400" dirty="0"/>
+              <a:t>Suivi recherche de stage</a:t>
+            </a:r>
+          </a:p>
+          <a:p>
+            <a:pPr lvl="1"/>
+            <a:r>
+              <a:rPr lang="fr-FR" sz="2400" dirty="0"/>
+              <a:t>C</a:t>
+            </a:r>
+            <a:r>
+              <a:rPr lang="fr-FR" sz="2400" dirty="0" smtClean="0"/>
+              <a:t>ompte utilisateur</a:t>
+            </a:r>
+          </a:p>
+          <a:p>
+            <a:pPr lvl="1"/>
+            <a:r>
+              <a:rPr lang="fr-FR" sz="2400" dirty="0"/>
+              <a:t>Système de notification ou d’envois de mail automatique</a:t>
+            </a:r>
+            <a:r>
+              <a:rPr lang="fr-FR" sz="2400" dirty="0" smtClean="0"/>
+              <a:t>.</a:t>
+            </a:r>
+            <a:endParaRPr lang="fr-FR" sz="2400" dirty="0"/>
+          </a:p>
+        </p:txBody>
+      </p:sp>
+      <p:sp>
+        <p:nvSpPr>
+          <p:cNvPr id="2" name="Title 1"/>
+          <p:cNvSpPr>
+            <a:spLocks noGrp="1"/>
+          </p:cNvSpPr>
+          <p:nvPr>
+            <p:ph type="title"/>
           </p:nvPr>
         </p:nvSpPr>
         <p:spPr/>
@@ -6403,23 +9350,29 @@
           <a:lstStyle/>
           <a:p>
             <a:r>
-              <a:rPr lang="fr-FR" dirty="0" smtClean="0"/>
-              <a:t>C’était bien je vais bien,</a:t>
-            </a:r>
-            <a:endParaRPr lang="fr-FR" dirty="0"/>
+              <a:rPr lang="fr-FR" dirty="0"/>
+              <a:t>Le projet</a:t>
+            </a:r>
           </a:p>
         </p:txBody>
       </p:sp>
     </p:spTree>
     <p:extLst>
       <p:ext uri="{BB962C8B-B14F-4D97-AF65-F5344CB8AC3E}">
-        <p14:creationId xmlns:p14="http://schemas.microsoft.com/office/powerpoint/2010/main" val="653017972"/>
+        <p14:creationId xmlns:p14="http://schemas.microsoft.com/office/powerpoint/2010/main" val="618372760"/>
       </p:ext>
     </p:extLst>
   </p:cSld>
   <p:clrMapOvr>
     <a:masterClrMapping/>
   </p:clrMapOvr>
+  <p:timing>
+    <p:tnLst>
+      <p:par>
+        <p:cTn id="1" dur="indefinite" restart="never" nodeType="tmRoot"/>
+      </p:par>
+    </p:tnLst>
+  </p:timing>
 </p:sld>
 </file>
 
@@ -6442,12 +9395,12 @@
       </p:grpSpPr>
       <p:sp>
         <p:nvSpPr>
-          <p:cNvPr id="2" name="Rectangle 1"/>
-          <p:cNvSpPr>
-            <a:spLocks noGrp="1"/>
-          </p:cNvSpPr>
-          <p:nvPr>
-            <p:ph type="title"/>
+          <p:cNvPr id="3" name="Content Placeholder 2"/>
+          <p:cNvSpPr>
+            <a:spLocks noGrp="1"/>
+          </p:cNvSpPr>
+          <p:nvPr>
+            <p:ph idx="1"/>
           </p:nvPr>
         </p:nvSpPr>
         <p:spPr/>
@@ -6455,18 +9408,54 @@
           <a:bodyPr/>
           <a:lstStyle/>
           <a:p>
+            <a:r>
+              <a:rPr lang="fr-FR" dirty="0"/>
+              <a:t>La méthodologie </a:t>
+            </a:r>
+            <a:endParaRPr lang="fr-FR" dirty="0" smtClean="0"/>
+          </a:p>
+          <a:p>
             <a:endParaRPr lang="fr-FR" dirty="0"/>
           </a:p>
-        </p:txBody>
-      </p:sp>
-      <p:sp>
-        <p:nvSpPr>
-          <p:cNvPr id="3" name="Rectangle 2"/>
-          <p:cNvSpPr>
-            <a:spLocks noGrp="1"/>
-          </p:cNvSpPr>
-          <p:nvPr>
-            <p:ph idx="1"/>
+          <a:p>
+            <a:pPr lvl="1"/>
+            <a:r>
+              <a:rPr lang="fr-FR" dirty="0" smtClean="0"/>
+              <a:t>Organisation autour du projet.</a:t>
+            </a:r>
+          </a:p>
+          <a:p>
+            <a:pPr lvl="1"/>
+            <a:endParaRPr lang="fr-FR" dirty="0"/>
+          </a:p>
+          <a:p>
+            <a:pPr lvl="1"/>
+            <a:r>
+              <a:rPr lang="fr-FR" dirty="0" smtClean="0"/>
+              <a:t>Sauvegarde automatique.</a:t>
+            </a:r>
+          </a:p>
+          <a:p>
+            <a:pPr lvl="1"/>
+            <a:endParaRPr lang="fr-FR" dirty="0" smtClean="0"/>
+          </a:p>
+          <a:p>
+            <a:pPr lvl="1"/>
+            <a:r>
+              <a:rPr lang="fr-FR" dirty="0" smtClean="0"/>
+              <a:t>Versioning.</a:t>
+            </a:r>
+          </a:p>
+        </p:txBody>
+      </p:sp>
+      <p:sp>
+        <p:nvSpPr>
+          <p:cNvPr id="2" name="Title 1"/>
+          <p:cNvSpPr>
+            <a:spLocks noGrp="1"/>
+          </p:cNvSpPr>
+          <p:nvPr>
+            <p:ph type="title"/>
           </p:nvPr>
         </p:nvSpPr>
         <p:spPr/>
@@ -6474,27 +9463,157 @@
           <a:bodyPr/>
           <a:lstStyle/>
           <a:p>
-            <a:endParaRPr lang="fr-FR" dirty="0"/>
+            <a:r>
+              <a:rPr lang="fr-FR" dirty="0"/>
+              <a:t>Le projet</a:t>
+            </a:r>
           </a:p>
         </p:txBody>
       </p:sp>
     </p:spTree>
     <p:extLst>
       <p:ext uri="{BB962C8B-B14F-4D97-AF65-F5344CB8AC3E}">
-        <p14:creationId xmlns:p14="http://schemas.microsoft.com/office/powerpoint/2010/main" val="653017972"/>
+        <p14:creationId xmlns:p14="http://schemas.microsoft.com/office/powerpoint/2010/main" val="618372760"/>
       </p:ext>
     </p:extLst>
   </p:cSld>
   <p:clrMapOvr>
     <a:masterClrMapping/>
   </p:clrMapOvr>
+  <p:timing>
+    <p:tnLst>
+      <p:par>
+        <p:cTn id="1" dur="indefinite" restart="never" nodeType="tmRoot"/>
+      </p:par>
+    </p:tnLst>
+  </p:timing>
+</p:sld>
+</file>
+
+<file path=ppt/slides/slide9.xml><?xml version="1.0" encoding="utf-8"?>
+<p:sld xmlns:a="http://schemas.openxmlformats.org/drawingml/2006/main" xmlns:r="http://schemas.openxmlformats.org/officeDocument/2006/relationships" xmlns:p="http://schemas.openxmlformats.org/presentationml/2006/main">
+  <p:cSld>
+    <p:spTree>
+      <p:nvGrpSpPr>
+        <p:cNvPr id="1" name=""/>
+        <p:cNvGrpSpPr/>
+        <p:nvPr/>
+      </p:nvGrpSpPr>
+      <p:grpSpPr>
+        <a:xfrm>
+          <a:off x="0" y="0"/>
+          <a:ext cx="0" cy="0"/>
+          <a:chOff x="0" y="0"/>
+          <a:chExt cx="0" cy="0"/>
+        </a:xfrm>
+      </p:grpSpPr>
+      <p:sp>
+        <p:nvSpPr>
+          <p:cNvPr id="3" name="Content Placeholder 2"/>
+          <p:cNvSpPr>
+            <a:spLocks noGrp="1"/>
+          </p:cNvSpPr>
+          <p:nvPr>
+            <p:ph idx="1"/>
+          </p:nvPr>
+        </p:nvSpPr>
+        <p:spPr/>
+        <p:txBody>
+          <a:bodyPr/>
+          <a:lstStyle/>
+          <a:p>
+            <a:r>
+              <a:rPr lang="fr-FR" dirty="0" smtClean="0"/>
+              <a:t>Planification</a:t>
+            </a:r>
+          </a:p>
+          <a:p>
+            <a:pPr lvl="1"/>
+            <a:r>
+              <a:rPr lang="fr-FR" dirty="0" smtClean="0"/>
+              <a:t>Méthodologie</a:t>
+            </a:r>
+          </a:p>
+          <a:p>
+            <a:pPr lvl="2"/>
+            <a:r>
+              <a:rPr lang="fr-FR" dirty="0" smtClean="0"/>
+              <a:t>Planning général</a:t>
+            </a:r>
+            <a:endParaRPr lang="fr-FR" dirty="0"/>
+          </a:p>
+          <a:p>
+            <a:pPr lvl="2"/>
+            <a:r>
+              <a:rPr lang="fr-FR" dirty="0" smtClean="0"/>
+              <a:t>Planning détaillée</a:t>
+            </a:r>
+            <a:endParaRPr lang="fr-FR" dirty="0"/>
+          </a:p>
+          <a:p>
+            <a:pPr lvl="1"/>
+            <a:r>
+              <a:rPr lang="fr-FR" dirty="0" smtClean="0"/>
+              <a:t>Les </a:t>
+            </a:r>
+            <a:r>
+              <a:rPr lang="fr-FR" dirty="0"/>
+              <a:t>bienfaits de la </a:t>
+            </a:r>
+            <a:r>
+              <a:rPr lang="fr-FR" dirty="0" smtClean="0"/>
+              <a:t>planification</a:t>
+            </a:r>
+          </a:p>
+        </p:txBody>
+      </p:sp>
+      <p:sp>
+        <p:nvSpPr>
+          <p:cNvPr id="2" name="Title 1"/>
+          <p:cNvSpPr>
+            <a:spLocks noGrp="1"/>
+          </p:cNvSpPr>
+          <p:nvPr>
+            <p:ph type="title"/>
+          </p:nvPr>
+        </p:nvSpPr>
+        <p:spPr/>
+        <p:txBody>
+          <a:bodyPr/>
+          <a:lstStyle/>
+          <a:p>
+            <a:r>
+              <a:rPr lang="fr-FR" dirty="0" smtClean="0"/>
+              <a:t>Le projet</a:t>
+            </a:r>
+            <a:endParaRPr lang="fr-FR" dirty="0"/>
+          </a:p>
+        </p:txBody>
+      </p:sp>
+    </p:spTree>
+    <p:extLst>
+      <p:ext uri="{BB962C8B-B14F-4D97-AF65-F5344CB8AC3E}">
+        <p14:creationId xmlns:p14="http://schemas.microsoft.com/office/powerpoint/2010/main" val="2460474962"/>
+      </p:ext>
+    </p:extLst>
+  </p:cSld>
+  <p:clrMapOvr>
+    <a:masterClrMapping/>
+  </p:clrMapOvr>
+  <p:timing>
+    <p:tnLst>
+      <p:par>
+        <p:cTn id="1" dur="indefinite" restart="never" nodeType="tmRoot"/>
+      </p:par>
+    </p:tnLst>
+  </p:timing>
 </p:sld>
 </file>
 
 <file path=ppt/theme/theme1.xml><?xml version="1.0" encoding="utf-8"?>
-<a:theme xmlns:a="http://schemas.openxmlformats.org/drawingml/2006/main" name="BrainstrmSess">
+<a:theme xmlns:a="http://schemas.openxmlformats.org/drawingml/2006/main" name="EmpOrienPres">
   <a:themeElements>
-    <a:clrScheme name="Concourse">
+    <a:clrScheme name="Solstice">
       <a:dk1>
         <a:sysClr val="windowText" lastClr="000000"/>
       </a:dk1>
@@ -6502,34 +9621,34 @@
         <a:sysClr val="window" lastClr="FFFFFF"/>
       </a:lt1>
       <a:dk2>
-        <a:srgbClr val="464646"/>
+        <a:srgbClr val="4F271C"/>
       </a:dk2>
       <a:lt2>
-        <a:srgbClr val="DEF5FA"/>
+        <a:srgbClr val="E7DEC9"/>
       </a:lt2>
       <a:accent1>
-        <a:srgbClr val="2DA2BF"/>
+        <a:srgbClr val="3891A7"/>
       </a:accent1>
       <a:accent2>
-        <a:srgbClr val="DA1F28"/>
+        <a:srgbClr val="FEB80A"/>
       </a:accent2>
       <a:accent3>
-        <a:srgbClr val="EB641B"/>
+        <a:srgbClr val="C32D2E"/>
       </a:accent3>
       <a:accent4>
-        <a:srgbClr val="39639D"/>
+        <a:srgbClr val="84AA33"/>
       </a:accent4>
       <a:accent5>
-        <a:srgbClr val="474B78"/>
+        <a:srgbClr val="964305"/>
       </a:accent5>
       <a:accent6>
-        <a:srgbClr val="7D3C4A"/>
+        <a:srgbClr val="475A8D"/>
       </a:accent6>
       <a:hlink>
-        <a:srgbClr val="FF8119"/>
+        <a:srgbClr val="8DC765"/>
       </a:hlink>
       <a:folHlink>
-        <a:srgbClr val="44B9E8"/>
+        <a:srgbClr val="AA8A14"/>
       </a:folHlink>
     </a:clrScheme>
     <a:fontScheme name="Concourse">
@@ -6751,7 +9870,7 @@
             </a:gs>
           </a:gsLst>
           <a:path path="circle">
-            <a:fillToRect l="130000" t="-95000" r="40000" b="218000"/>
+            <a:fillToRect l="95000" t="-106500" r="5000" b="206500"/>
           </a:path>
         </a:gradFill>
         <a:blipFill>
@@ -6919,20 +10038,20 @@
           <a:gsLst>
             <a:gs pos="0">
               <a:schemeClr val="phClr">
-                <a:shade val="40000"/>
-                <a:satMod val="155000"/>
+                <a:shade val="51000"/>
+                <a:satMod val="130000"/>
               </a:schemeClr>
             </a:gs>
-            <a:gs pos="65000">
+            <a:gs pos="80000">
               <a:schemeClr val="phClr">
-                <a:shade val="85000"/>
-                <a:satMod val="155000"/>
+                <a:shade val="93000"/>
+                <a:satMod val="130000"/>
               </a:schemeClr>
             </a:gs>
             <a:gs pos="100000">
               <a:schemeClr val="phClr">
-                <a:shade val="95000"/>
-                <a:satMod val="155000"/>
+                <a:shade val="94000"/>
+                <a:satMod val="135000"/>
               </a:schemeClr>
             </a:gs>
           </a:gsLst>
@@ -6940,7 +10059,7 @@
         </a:gradFill>
       </a:fillStyleLst>
       <a:lnStyleLst>
-        <a:ln w="6350" cap="rnd" cmpd="sng" algn="ctr">
+        <a:ln w="9525" cap="flat" cmpd="sng" algn="ctr">
           <a:solidFill>
             <a:schemeClr val="phClr">
               <a:shade val="95000"/>
@@ -6949,13 +10068,13 @@
           </a:solidFill>
           <a:prstDash val="solid"/>
         </a:ln>
-        <a:ln w="25400" cap="rnd" cmpd="sng" algn="ctr">
+        <a:ln w="25400" cap="flat" cmpd="sng" algn="ctr">
           <a:solidFill>
             <a:schemeClr val="phClr"/>
           </a:solidFill>
           <a:prstDash val="solid"/>
         </a:ln>
-        <a:ln w="34925" cap="rnd" cmpd="sng" algn="ctr">
+        <a:ln w="38100" cap="flat" cmpd="sng" algn="ctr">
           <a:solidFill>
             <a:schemeClr val="phClr"/>
           </a:solidFill>
@@ -6965,16 +10084,16 @@
       <a:effectStyleLst>
         <a:effectStyle>
           <a:effectLst>
-            <a:outerShdw blurRad="50800" algn="tl" rotWithShape="0">
+            <a:outerShdw blurRad="40000" dist="20000" dir="5400000" rotWithShape="0">
               <a:srgbClr val="000000">
-                <a:alpha val="64000"/>
+                <a:alpha val="38000"/>
               </a:srgbClr>
             </a:outerShdw>
           </a:effectLst>
         </a:effectStyle>
         <a:effectStyle>
           <a:effectLst>
-            <a:outerShdw blurRad="39000" dist="25400" dir="5400000">
+            <a:outerShdw blurRad="40000" dist="23000" dir="5400000" rotWithShape="0">
               <a:srgbClr val="000000">
                 <a:alpha val="35000"/>
               </a:srgbClr>
@@ -6983,22 +10102,22 @@
         </a:effectStyle>
         <a:effectStyle>
           <a:effectLst>
-            <a:outerShdw blurRad="39000" dist="25400" dir="5400000">
+            <a:outerShdw blurRad="40000" dist="23000" dir="5400000" rotWithShape="0">
               <a:srgbClr val="000000">
                 <a:alpha val="35000"/>
               </a:srgbClr>
             </a:outerShdw>
           </a:effectLst>
           <a:scene3d>
-            <a:camera prst="orthographicFront" fov="0">
+            <a:camera prst="orthographicFront">
               <a:rot lat="0" lon="0" rev="0"/>
             </a:camera>
             <a:lightRig rig="threePt" dir="t">
-              <a:rot lat="0" lon="0" rev="0"/>
+              <a:rot lat="0" lon="0" rev="1200000"/>
             </a:lightRig>
           </a:scene3d>
-          <a:sp3d prstMaterial="matte">
-            <a:bevelT h="22225"/>
+          <a:sp3d>
+            <a:bevelT w="63500" h="25400"/>
           </a:sp3d>
         </a:effectStyle>
       </a:effectStyleLst>
@@ -7010,24 +10129,27 @@
           <a:gsLst>
             <a:gs pos="0">
               <a:schemeClr val="phClr">
-                <a:shade val="50000"/>
-                <a:satMod val="155000"/>
+                <a:tint val="40000"/>
+                <a:satMod val="350000"/>
               </a:schemeClr>
             </a:gs>
-            <a:gs pos="35000">
+            <a:gs pos="40000">
               <a:schemeClr val="phClr">
-                <a:shade val="75000"/>
-                <a:satMod val="155000"/>
+                <a:tint val="45000"/>
+                <a:shade val="99000"/>
+                <a:satMod val="350000"/>
               </a:schemeClr>
             </a:gs>
             <a:gs pos="100000">
               <a:schemeClr val="phClr">
-                <a:tint val="80000"/>
+                <a:shade val="20000"/>
                 <a:satMod val="255000"/>
               </a:schemeClr>
             </a:gs>
           </a:gsLst>
-          <a:lin ang="16200000" scaled="0"/>
+          <a:path path="circle">
+            <a:fillToRect l="50000" t="-80000" r="50000" b="180000"/>
+          </a:path>
         </a:gradFill>
         <a:gradFill rotWithShape="1">
           <a:gsLst>
@@ -7045,7 +10167,7 @@
             </a:gs>
           </a:gsLst>
           <a:path path="circle">
-            <a:fillToRect l="100000" t="100000" r="100000" b="100000"/>
+            <a:fillToRect l="50000" t="50000" r="50000" b="50000"/>
           </a:path>
         </a:gradFill>
       </a:bgFillStyleLst>
@@ -7066,7 +10188,7 @@
 </file>
 
 <file path=customXml/itemProps1.xml><?xml version="1.0" encoding="utf-8"?>
-<ds:datastoreItem xmlns:ds="http://schemas.openxmlformats.org/officeDocument/2006/customXml" ds:itemID="{29C73088-B109-45CE-B753-7F1578639EF5}">
+<ds:datastoreItem xmlns:ds="http://schemas.openxmlformats.org/officeDocument/2006/customXml" ds:itemID="{43D317FD-837A-433F-A7EB-09FA1FD2C9A2}">
   <ds:schemaRefs>
     <ds:schemaRef ds:uri="http://schemas.microsoft.com/sharepoint/v3/contenttype/forms"/>
   </ds:schemaRefs>

--- a/doc/Rapport de stage/Presentation suivi de stagiaire.pptx
+++ b/doc/Rapport de stage/Presentation suivi de stagiaire.pptx
@@ -209,7 +209,7 @@
             <a:fld id="{3A590FE9-0B05-44A1-8E28-B3DBBEE66BAB}" type="datetimeFigureOut">
               <a:rPr lang="fr-FR"/>
               <a:pPr/>
-              <a:t>25/07/2017</a:t>
+              <a:t>27/07/2017</a:t>
             </a:fld>
             <a:endParaRPr lang="fr-FR"/>
           </a:p>
@@ -1406,11 +1406,7 @@
             </a:pPr>
             <a:r>
               <a:rPr lang="fr-FR" dirty="0" smtClean="0"/>
-              <a:t>beaucoup </a:t>
-            </a:r>
-            <a:r>
-              <a:rPr lang="fr-FR" dirty="0" smtClean="0"/>
-              <a:t>de refus</a:t>
+              <a:t>beaucoup de refus</a:t>
             </a:r>
           </a:p>
           <a:p>
@@ -1420,11 +1416,7 @@
             </a:pPr>
             <a:r>
               <a:rPr lang="fr-FR" baseline="0" dirty="0" smtClean="0"/>
-              <a:t>du </a:t>
-            </a:r>
-            <a:r>
-              <a:rPr lang="fr-FR" baseline="0" dirty="0" smtClean="0"/>
-              <a:t>délais restant</a:t>
+              <a:t>délais restant bloquant entreprise</a:t>
             </a:r>
           </a:p>
           <a:p>
@@ -1434,21 +1426,16 @@
             </a:pPr>
             <a:r>
               <a:rPr lang="fr-FR" baseline="0" dirty="0" smtClean="0"/>
-              <a:t>Proposition de </a:t>
+              <a:t>Proposition </a:t>
             </a:r>
             <a:r>
               <a:rPr lang="fr-FR" baseline="0" dirty="0" err="1" smtClean="0"/>
-              <a:t>l’afpa</a:t>
+              <a:t>afpa</a:t>
             </a:r>
             <a:r>
               <a:rPr lang="fr-FR" baseline="0" dirty="0" smtClean="0"/>
-              <a:t>, donc </a:t>
-            </a:r>
-            <a:r>
-              <a:rPr lang="fr-FR" baseline="0" dirty="0" smtClean="0"/>
-              <a:t>accepté car mieux que rien</a:t>
-            </a:r>
-            <a:endParaRPr lang="fr-FR" baseline="0" dirty="0" smtClean="0"/>
+              <a:t>, mieux que rien</a:t>
+            </a:r>
           </a:p>
           <a:p>
             <a:pPr marL="171450" indent="-171450">
@@ -1465,21 +1452,8 @@
             </a:r>
             <a:r>
               <a:rPr lang="fr-FR" baseline="0" dirty="0" smtClean="0"/>
-              <a:t> je peux </a:t>
-            </a:r>
-            <a:r>
-              <a:rPr lang="fr-FR" baseline="0" dirty="0" smtClean="0"/>
-              <a:t>stage </a:t>
-            </a:r>
-            <a:r>
-              <a:rPr lang="fr-FR" baseline="0" dirty="0" smtClean="0"/>
-              <a:t>comme </a:t>
-            </a:r>
-            <a:r>
-              <a:rPr lang="fr-FR" baseline="0" dirty="0" smtClean="0"/>
-              <a:t>entreprise</a:t>
-            </a:r>
-            <a:endParaRPr lang="fr-FR" baseline="0" dirty="0" smtClean="0"/>
+              <a:t> je peux stage comme entreprise</a:t>
+            </a:r>
           </a:p>
           <a:p>
             <a:pPr marL="171450" indent="-171450">
@@ -1569,27 +1543,11 @@
             </a:pPr>
             <a:r>
               <a:rPr lang="fr-FR" dirty="0" smtClean="0"/>
-              <a:t>Dominique </a:t>
-            </a:r>
-            <a:r>
-              <a:rPr lang="fr-FR" dirty="0" smtClean="0"/>
-              <a:t>plusieurs rôle </a:t>
-            </a:r>
-            <a:r>
-              <a:rPr lang="fr-FR" dirty="0" smtClean="0"/>
-              <a:t>formatrice/tutrice</a:t>
+              <a:t>Dominique plusieurs rôle formatrice/tutrice</a:t>
             </a:r>
             <a:r>
               <a:rPr lang="fr-FR" baseline="0" dirty="0" smtClean="0"/>
-              <a:t> de </a:t>
-            </a:r>
-            <a:r>
-              <a:rPr lang="fr-FR" baseline="0" dirty="0" smtClean="0"/>
-              <a:t>stage/ </a:t>
-            </a:r>
-            <a:r>
-              <a:rPr lang="fr-FR" baseline="0" dirty="0" smtClean="0"/>
-              <a:t>cliente qu’on a voulu </a:t>
+              <a:t> de stage/ cliente qu’on a voulu </a:t>
             </a:r>
             <a:r>
               <a:rPr lang="fr-FR" baseline="0" dirty="0" err="1" smtClean="0"/>
@@ -1606,7 +1564,6 @@
               <a:rPr lang="fr-FR" baseline="0" dirty="0" smtClean="0"/>
               <a:t>Email client</a:t>
             </a:r>
-            <a:endParaRPr lang="fr-FR" baseline="0" dirty="0" smtClean="0"/>
           </a:p>
           <a:p>
             <a:pPr marL="171450" indent="-171450">
@@ -2782,11 +2739,7 @@
             <a:pPr lvl="1"/>
             <a:r>
               <a:rPr lang="fr-FR" dirty="0" smtClean="0"/>
-              <a:t>Organisation autour du </a:t>
-            </a:r>
-            <a:r>
-              <a:rPr lang="fr-FR" dirty="0" smtClean="0"/>
-              <a:t>projet.</a:t>
+              <a:t>Organisation autour du projet.</a:t>
             </a:r>
           </a:p>
           <a:p>
@@ -2797,64 +2750,56 @@
             </a:r>
             <a:r>
               <a:rPr lang="fr-FR" baseline="0" dirty="0" smtClean="0"/>
-              <a:t> </a:t>
+              <a:t> dossier pour simplifier la suivi du projet malgré prise ampleur</a:t>
+            </a:r>
+            <a:endParaRPr lang="fr-FR" dirty="0" smtClean="0"/>
+          </a:p>
+          <a:p>
+            <a:pPr lvl="1"/>
+            <a:r>
+              <a:rPr lang="fr-FR" dirty="0" smtClean="0"/>
+              <a:t>sauvegarde</a:t>
             </a:r>
             <a:r>
               <a:rPr lang="fr-FR" baseline="0" dirty="0" smtClean="0"/>
-              <a:t>dossier pour simplifier la suivi du projet malgré prise ampleur</a:t>
-            </a:r>
-            <a:endParaRPr lang="fr-FR" dirty="0" smtClean="0"/>
-          </a:p>
-          <a:p>
-            <a:pPr lvl="1"/>
-            <a:r>
-              <a:rPr lang="fr-FR" dirty="0" smtClean="0"/>
-              <a:t>sauvegarde</a:t>
+              <a:t> auto pour </a:t>
+            </a:r>
+            <a:r>
+              <a:rPr lang="fr-FR" baseline="0" dirty="0" err="1" smtClean="0"/>
+              <a:t>eviter</a:t>
+            </a:r>
+            <a:r>
+              <a:rPr lang="fr-FR" baseline="0" dirty="0" smtClean="0"/>
+              <a:t> tout risque de perte de donné + </a:t>
+            </a:r>
+            <a:r>
+              <a:rPr lang="fr-FR" baseline="0" dirty="0" err="1" smtClean="0"/>
+              <a:t>deporté</a:t>
             </a:r>
             <a:r>
               <a:rPr lang="fr-FR" baseline="0" dirty="0" smtClean="0"/>
               <a:t> </a:t>
             </a:r>
-            <a:r>
-              <a:rPr lang="fr-FR" baseline="0" dirty="0" smtClean="0"/>
-              <a:t>auto pour </a:t>
-            </a:r>
-            <a:r>
-              <a:rPr lang="fr-FR" baseline="0" dirty="0" err="1" smtClean="0"/>
-              <a:t>eviter</a:t>
-            </a:r>
-            <a:r>
-              <a:rPr lang="fr-FR" baseline="0" dirty="0" smtClean="0"/>
-              <a:t> tout risque de perte de donné + </a:t>
-            </a:r>
-            <a:r>
-              <a:rPr lang="fr-FR" baseline="0" dirty="0" err="1" smtClean="0"/>
-              <a:t>deporté</a:t>
+            <a:endParaRPr lang="fr-FR" dirty="0" smtClean="0"/>
+          </a:p>
+          <a:p>
+            <a:pPr lvl="1"/>
+            <a:r>
+              <a:rPr lang="fr-FR" dirty="0" smtClean="0"/>
+              <a:t>Etude </a:t>
+            </a:r>
+            <a:r>
+              <a:rPr lang="fr-FR" dirty="0" err="1" smtClean="0"/>
+              <a:t>jenkins</a:t>
+            </a:r>
+            <a:r>
+              <a:rPr lang="fr-FR" dirty="0" smtClean="0"/>
+              <a:t> pour</a:t>
             </a:r>
             <a:r>
               <a:rPr lang="fr-FR" baseline="0" dirty="0" smtClean="0"/>
               <a:t> </a:t>
             </a:r>
-            <a:endParaRPr lang="fr-FR" dirty="0" smtClean="0"/>
-          </a:p>
-          <a:p>
-            <a:pPr lvl="1"/>
-            <a:r>
-              <a:rPr lang="fr-FR" dirty="0" smtClean="0"/>
-              <a:t>Etude </a:t>
-            </a:r>
-            <a:r>
-              <a:rPr lang="fr-FR" dirty="0" err="1" smtClean="0"/>
-              <a:t>jenkins</a:t>
-            </a:r>
-            <a:r>
-              <a:rPr lang="fr-FR" dirty="0" smtClean="0"/>
-              <a:t> pour</a:t>
-            </a:r>
-            <a:r>
-              <a:rPr lang="fr-FR" baseline="0" dirty="0" smtClean="0"/>
-              <a:t> </a:t>
-            </a:r>
             <a:r>
               <a:rPr lang="fr-FR" baseline="0" dirty="0" err="1" smtClean="0"/>
               <a:t>versionnning</a:t>
@@ -2868,15 +2813,7 @@
             <a:pPr lvl="1"/>
             <a:r>
               <a:rPr lang="fr-FR" baseline="0" dirty="0" smtClean="0"/>
-              <a:t>	</a:t>
-            </a:r>
-            <a:r>
-              <a:rPr lang="fr-FR" baseline="0" dirty="0" smtClean="0"/>
-              <a:t>vouloir </a:t>
-            </a:r>
-            <a:r>
-              <a:rPr lang="fr-FR" baseline="0" dirty="0" smtClean="0"/>
-              <a:t>remonté sur </a:t>
+              <a:t>	vouloir remonté sur </a:t>
             </a:r>
             <a:r>
               <a:rPr lang="fr-FR" baseline="0" dirty="0" err="1" smtClean="0"/>
@@ -2896,26 +2833,14 @@
             <a:pPr lvl="1"/>
             <a:r>
               <a:rPr lang="fr-FR" baseline="0" dirty="0" smtClean="0"/>
-              <a:t>	</a:t>
-            </a:r>
+              <a:t>	abandonner car API Github compte gratuit = slow</a:t>
+            </a:r>
+          </a:p>
+          <a:p>
+            <a:pPr lvl="1"/>
             <a:r>
               <a:rPr lang="fr-FR" baseline="0" dirty="0" smtClean="0"/>
-              <a:t>abandonner </a:t>
-            </a:r>
-            <a:r>
-              <a:rPr lang="fr-FR" baseline="0" dirty="0" smtClean="0"/>
-              <a:t>car API Github compte gratuit = slow</a:t>
-            </a:r>
-          </a:p>
-          <a:p>
-            <a:pPr lvl="1"/>
-            <a:r>
-              <a:rPr lang="fr-FR" baseline="0" dirty="0" smtClean="0"/>
-              <a:t>choix </a:t>
-            </a:r>
-            <a:r>
-              <a:rPr lang="fr-FR" baseline="0" dirty="0" smtClean="0"/>
-              <a:t>mettre en place Github</a:t>
+              <a:t>choix mettre en place Github</a:t>
             </a:r>
             <a:endParaRPr lang="fr-FR" dirty="0" smtClean="0"/>
           </a:p>
@@ -3664,7 +3589,7 @@
             <a:fld id="{959ED156-2732-479E-8410-D5807628268D}" type="datetimeFigureOut">
               <a:rPr lang="fr-FR"/>
               <a:pPr/>
-              <a:t>25/07/2017</a:t>
+              <a:t>27/07/2017</a:t>
             </a:fld>
             <a:endParaRPr lang="fr-FR"/>
           </a:p>
@@ -3862,7 +3787,7 @@
             <a:fld id="{959ED156-2732-479E-8410-D5807628268D}" type="datetimeFigureOut">
               <a:rPr lang="fr-FR"/>
               <a:pPr/>
-              <a:t>25/07/2017</a:t>
+              <a:t>27/07/2017</a:t>
             </a:fld>
             <a:endParaRPr lang="fr-FR"/>
           </a:p>
@@ -4049,7 +3974,7 @@
             <a:fld id="{959ED156-2732-479E-8410-D5807628268D}" type="datetimeFigureOut">
               <a:rPr lang="fr-FR"/>
               <a:pPr/>
-              <a:t>25/07/2017</a:t>
+              <a:t>27/07/2017</a:t>
             </a:fld>
             <a:endParaRPr lang="fr-FR"/>
           </a:p>
@@ -4201,7 +4126,7 @@
             <a:fld id="{959ED156-2732-479E-8410-D5807628268D}" type="datetimeFigureOut">
               <a:rPr lang="fr-FR"/>
               <a:pPr/>
-              <a:t>25/07/2017</a:t>
+              <a:t>27/07/2017</a:t>
             </a:fld>
             <a:endParaRPr lang="fr-FR"/>
           </a:p>
@@ -4460,7 +4385,7 @@
             <a:fld id="{959ED156-2732-479E-8410-D5807628268D}" type="datetimeFigureOut">
               <a:rPr lang="fr-FR"/>
               <a:pPr/>
-              <a:t>25/07/2017</a:t>
+              <a:t>27/07/2017</a:t>
             </a:fld>
             <a:endParaRPr lang="fr-FR"/>
           </a:p>
@@ -4866,7 +4791,7 @@
             <a:fld id="{959ED156-2732-479E-8410-D5807628268D}" type="datetimeFigureOut">
               <a:rPr lang="fr-FR"/>
               <a:pPr/>
-              <a:t>25/07/2017</a:t>
+              <a:t>27/07/2017</a:t>
             </a:fld>
             <a:endParaRPr lang="fr-FR"/>
           </a:p>
@@ -5309,7 +5234,7 @@
             <a:fld id="{959ED156-2732-479E-8410-D5807628268D}" type="datetimeFigureOut">
               <a:rPr lang="fr-FR"/>
               <a:pPr/>
-              <a:t>25/07/2017</a:t>
+              <a:t>27/07/2017</a:t>
             </a:fld>
             <a:endParaRPr lang="fr-FR"/>
           </a:p>
@@ -5407,7 +5332,7 @@
             <a:fld id="{959ED156-2732-479E-8410-D5807628268D}" type="datetimeFigureOut">
               <a:rPr lang="fr-FR"/>
               <a:pPr/>
-              <a:t>25/07/2017</a:t>
+              <a:t>27/07/2017</a:t>
             </a:fld>
             <a:endParaRPr lang="fr-FR"/>
           </a:p>
@@ -5530,7 +5455,7 @@
             <a:fld id="{959ED156-2732-479E-8410-D5807628268D}" type="datetimeFigureOut">
               <a:rPr lang="fr-FR"/>
               <a:pPr/>
-              <a:t>25/07/2017</a:t>
+              <a:t>27/07/2017</a:t>
             </a:fld>
             <a:endParaRPr lang="fr-FR"/>
           </a:p>
@@ -5801,7 +5726,7 @@
             <a:fld id="{959ED156-2732-479E-8410-D5807628268D}" type="datetimeFigureOut">
               <a:rPr lang="fr-FR"/>
               <a:pPr/>
-              <a:t>25/07/2017</a:t>
+              <a:t>27/07/2017</a:t>
             </a:fld>
             <a:endParaRPr lang="fr-FR"/>
           </a:p>
@@ -6003,7 +5928,7 @@
             <a:fld id="{959ED156-2732-479E-8410-D5807628268D}" type="datetimeFigureOut">
               <a:rPr lang="fr-FR"/>
               <a:pPr/>
-              <a:t>25/07/2017</a:t>
+              <a:t>27/07/2017</a:t>
             </a:fld>
             <a:endParaRPr lang="fr-FR"/>
           </a:p>
@@ -7112,7 +7037,7 @@
             <a:fld id="{959ED156-2732-479E-8410-D5807628268D}" type="datetimeFigureOut">
               <a:rPr lang="fr-FR"/>
               <a:pPr/>
-              <a:t>25/07/2017</a:t>
+              <a:t>27/07/2017</a:t>
             </a:fld>
             <a:endParaRPr lang="fr-FR"/>
           </a:p>
@@ -8842,11 +8767,7 @@
           <a:p>
             <a:r>
               <a:rPr lang="fr-FR" dirty="0" smtClean="0"/>
-              <a:t>Présentation du </a:t>
-            </a:r>
-            <a:r>
-              <a:rPr lang="fr-FR" dirty="0" smtClean="0"/>
-              <a:t>stage.</a:t>
+              <a:t>Particularité du stage.</a:t>
             </a:r>
             <a:endParaRPr lang="fr-FR" dirty="0"/>
           </a:p>
@@ -8951,11 +8872,7 @@
           <a:p>
             <a:r>
               <a:rPr lang="fr-FR" dirty="0" smtClean="0"/>
-              <a:t>Présentation de la </a:t>
-            </a:r>
-            <a:r>
-              <a:rPr lang="fr-FR" dirty="0" smtClean="0"/>
-              <a:t>société.</a:t>
+              <a:t>Présentation de la société.</a:t>
             </a:r>
           </a:p>
           <a:p>
@@ -9537,16 +9454,20 @@
           <a:p>
             <a:pPr lvl="2"/>
             <a:r>
+              <a:rPr lang="fr-FR" dirty="0"/>
+              <a:t>Planning </a:t>
+            </a:r>
+            <a:r>
+              <a:rPr lang="fr-FR" dirty="0" smtClean="0"/>
+              <a:t>détaillée</a:t>
+            </a:r>
+            <a:endParaRPr lang="fr-FR" dirty="0" smtClean="0"/>
+          </a:p>
+          <a:p>
+            <a:pPr lvl="2"/>
+            <a:r>
               <a:rPr lang="fr-FR" dirty="0" smtClean="0"/>
               <a:t>Planning général</a:t>
-            </a:r>
-            <a:endParaRPr lang="fr-FR" dirty="0"/>
-          </a:p>
-          <a:p>
-            <a:pPr lvl="2"/>
-            <a:r>
-              <a:rPr lang="fr-FR" dirty="0" smtClean="0"/>
-              <a:t>Planning détaillée</a:t>
             </a:r>
             <a:endParaRPr lang="fr-FR" dirty="0"/>
           </a:p>

--- a/doc/Rapport de stage/Presentation suivi de stagiaire.pptx
+++ b/doc/Rapport de stage/Presentation suivi de stagiaire.pptx
@@ -5,7 +5,7 @@
     <p:sldMasterId id="2147483660" r:id="rId2"/>
   </p:sldMasterIdLst>
   <p:notesMasterIdLst>
-    <p:notesMasterId r:id="rId20"/>
+    <p:notesMasterId r:id="rId21"/>
   </p:notesMasterIdLst>
   <p:sldIdLst>
     <p:sldId id="256" r:id="rId3"/>
@@ -24,7 +24,8 @@
     <p:sldId id="271" r:id="rId16"/>
     <p:sldId id="272" r:id="rId17"/>
     <p:sldId id="273" r:id="rId18"/>
-    <p:sldId id="266" r:id="rId19"/>
+    <p:sldId id="276" r:id="rId19"/>
+    <p:sldId id="266" r:id="rId20"/>
   </p:sldIdLst>
   <p:sldSz cx="9144000" cy="6858000" type="screen4x3"/>
   <p:notesSz cx="6858000" cy="9144000"/>
@@ -209,7 +210,7 @@
             <a:fld id="{3A590FE9-0B05-44A1-8E28-B3DBBEE66BAB}" type="datetimeFigureOut">
               <a:rPr lang="fr-FR"/>
               <a:pPr/>
-              <a:t>27/07/2017</a:t>
+              <a:t>31/07/2017</a:t>
             </a:fld>
             <a:endParaRPr lang="fr-FR"/>
           </a:p>
@@ -1182,7 +1183,7 @@
           </a:bodyPr>
           <a:lstStyle/>
           <a:p>
-            <a:endParaRPr lang="fr-FR"/>
+            <a:endParaRPr lang="fr-FR" dirty="0"/>
           </a:p>
         </p:txBody>
       </p:sp>
@@ -1205,6 +1206,88 @@
               <a:rPr lang="fr-FR" smtClean="0"/>
               <a:pPr/>
               <a:t>17</a:t>
+            </a:fld>
+            <a:endParaRPr lang="fr-FR"/>
+          </a:p>
+        </p:txBody>
+      </p:sp>
+    </p:spTree>
+  </p:cSld>
+  <p:clrMapOvr>
+    <a:masterClrMapping/>
+  </p:clrMapOvr>
+</p:notes>
+</file>
+
+<file path=ppt/notesSlides/notesSlide18.xml><?xml version="1.0" encoding="utf-8"?>
+<p:notes xmlns:a="http://schemas.openxmlformats.org/drawingml/2006/main" xmlns:r="http://schemas.openxmlformats.org/officeDocument/2006/relationships" xmlns:p="http://schemas.openxmlformats.org/presentationml/2006/main">
+  <p:cSld>
+    <p:spTree>
+      <p:nvGrpSpPr>
+        <p:cNvPr id="1" name=""/>
+        <p:cNvGrpSpPr/>
+        <p:nvPr/>
+      </p:nvGrpSpPr>
+      <p:grpSpPr>
+        <a:xfrm>
+          <a:off x="0" y="0"/>
+          <a:ext cx="0" cy="0"/>
+          <a:chOff x="0" y="0"/>
+          <a:chExt cx="0" cy="0"/>
+        </a:xfrm>
+      </p:grpSpPr>
+      <p:sp>
+        <p:nvSpPr>
+          <p:cNvPr id="2" name="Slide Image Placeholder 1"/>
+          <p:cNvSpPr>
+            <a:spLocks noGrp="1" noRot="1" noChangeAspect="1"/>
+          </p:cNvSpPr>
+          <p:nvPr>
+            <p:ph type="sldImg"/>
+          </p:nvPr>
+        </p:nvSpPr>
+        <p:spPr/>
+      </p:sp>
+      <p:sp>
+        <p:nvSpPr>
+          <p:cNvPr id="3" name="Notes Placeholder 2"/>
+          <p:cNvSpPr>
+            <a:spLocks noGrp="1"/>
+          </p:cNvSpPr>
+          <p:nvPr>
+            <p:ph type="body" idx="1"/>
+          </p:nvPr>
+        </p:nvSpPr>
+        <p:spPr/>
+        <p:txBody>
+          <a:bodyPr>
+            <a:normAutofit/>
+          </a:bodyPr>
+          <a:lstStyle/>
+          <a:p>
+            <a:endParaRPr lang="fr-FR"/>
+          </a:p>
+        </p:txBody>
+      </p:sp>
+      <p:sp>
+        <p:nvSpPr>
+          <p:cNvPr id="4" name="Slide Number Placeholder 3"/>
+          <p:cNvSpPr>
+            <a:spLocks noGrp="1"/>
+          </p:cNvSpPr>
+          <p:nvPr>
+            <p:ph type="sldNum" sz="quarter" idx="10"/>
+          </p:nvPr>
+        </p:nvSpPr>
+        <p:spPr/>
+        <p:txBody>
+          <a:bodyPr/>
+          <a:lstStyle/>
+          <a:p>
+            <a:fld id="{DB5CB03D-52F8-45FC-9D51-CC9AF1B89DEC}" type="slidenum">
+              <a:rPr lang="fr-FR" smtClean="0"/>
+              <a:pPr/>
+              <a:t>18</a:t>
             </a:fld>
             <a:endParaRPr lang="fr-FR"/>
           </a:p>
@@ -3589,7 +3672,7 @@
             <a:fld id="{959ED156-2732-479E-8410-D5807628268D}" type="datetimeFigureOut">
               <a:rPr lang="fr-FR"/>
               <a:pPr/>
-              <a:t>27/07/2017</a:t>
+              <a:t>31/07/2017</a:t>
             </a:fld>
             <a:endParaRPr lang="fr-FR"/>
           </a:p>
@@ -3787,7 +3870,7 @@
             <a:fld id="{959ED156-2732-479E-8410-D5807628268D}" type="datetimeFigureOut">
               <a:rPr lang="fr-FR"/>
               <a:pPr/>
-              <a:t>27/07/2017</a:t>
+              <a:t>31/07/2017</a:t>
             </a:fld>
             <a:endParaRPr lang="fr-FR"/>
           </a:p>
@@ -3974,7 +4057,7 @@
             <a:fld id="{959ED156-2732-479E-8410-D5807628268D}" type="datetimeFigureOut">
               <a:rPr lang="fr-FR"/>
               <a:pPr/>
-              <a:t>27/07/2017</a:t>
+              <a:t>31/07/2017</a:t>
             </a:fld>
             <a:endParaRPr lang="fr-FR"/>
           </a:p>
@@ -4126,7 +4209,7 @@
             <a:fld id="{959ED156-2732-479E-8410-D5807628268D}" type="datetimeFigureOut">
               <a:rPr lang="fr-FR"/>
               <a:pPr/>
-              <a:t>27/07/2017</a:t>
+              <a:t>31/07/2017</a:t>
             </a:fld>
             <a:endParaRPr lang="fr-FR"/>
           </a:p>
@@ -4385,7 +4468,7 @@
             <a:fld id="{959ED156-2732-479E-8410-D5807628268D}" type="datetimeFigureOut">
               <a:rPr lang="fr-FR"/>
               <a:pPr/>
-              <a:t>27/07/2017</a:t>
+              <a:t>31/07/2017</a:t>
             </a:fld>
             <a:endParaRPr lang="fr-FR"/>
           </a:p>
@@ -4791,7 +4874,7 @@
             <a:fld id="{959ED156-2732-479E-8410-D5807628268D}" type="datetimeFigureOut">
               <a:rPr lang="fr-FR"/>
               <a:pPr/>
-              <a:t>27/07/2017</a:t>
+              <a:t>31/07/2017</a:t>
             </a:fld>
             <a:endParaRPr lang="fr-FR"/>
           </a:p>
@@ -5234,7 +5317,7 @@
             <a:fld id="{959ED156-2732-479E-8410-D5807628268D}" type="datetimeFigureOut">
               <a:rPr lang="fr-FR"/>
               <a:pPr/>
-              <a:t>27/07/2017</a:t>
+              <a:t>31/07/2017</a:t>
             </a:fld>
             <a:endParaRPr lang="fr-FR"/>
           </a:p>
@@ -5332,7 +5415,7 @@
             <a:fld id="{959ED156-2732-479E-8410-D5807628268D}" type="datetimeFigureOut">
               <a:rPr lang="fr-FR"/>
               <a:pPr/>
-              <a:t>27/07/2017</a:t>
+              <a:t>31/07/2017</a:t>
             </a:fld>
             <a:endParaRPr lang="fr-FR"/>
           </a:p>
@@ -5455,7 +5538,7 @@
             <a:fld id="{959ED156-2732-479E-8410-D5807628268D}" type="datetimeFigureOut">
               <a:rPr lang="fr-FR"/>
               <a:pPr/>
-              <a:t>27/07/2017</a:t>
+              <a:t>31/07/2017</a:t>
             </a:fld>
             <a:endParaRPr lang="fr-FR"/>
           </a:p>
@@ -5726,7 +5809,7 @@
             <a:fld id="{959ED156-2732-479E-8410-D5807628268D}" type="datetimeFigureOut">
               <a:rPr lang="fr-FR"/>
               <a:pPr/>
-              <a:t>27/07/2017</a:t>
+              <a:t>31/07/2017</a:t>
             </a:fld>
             <a:endParaRPr lang="fr-FR"/>
           </a:p>
@@ -5928,7 +6011,7 @@
             <a:fld id="{959ED156-2732-479E-8410-D5807628268D}" type="datetimeFigureOut">
               <a:rPr lang="fr-FR"/>
               <a:pPr/>
-              <a:t>27/07/2017</a:t>
+              <a:t>31/07/2017</a:t>
             </a:fld>
             <a:endParaRPr lang="fr-FR"/>
           </a:p>
@@ -7037,7 +7120,7 @@
             <a:fld id="{959ED156-2732-479E-8410-D5807628268D}" type="datetimeFigureOut">
               <a:rPr lang="fr-FR"/>
               <a:pPr/>
-              <a:t>27/07/2017</a:t>
+              <a:t>31/07/2017</a:t>
             </a:fld>
             <a:endParaRPr lang="fr-FR"/>
           </a:p>
@@ -7672,6 +7755,14 @@
   <p:clrMapOvr>
     <a:masterClrMapping/>
   </p:clrMapOvr>
+  <mc:AlternateContent xmlns:mc="http://schemas.openxmlformats.org/markup-compatibility/2006" xmlns:p14="http://schemas.microsoft.com/office/powerpoint/2010/main">
+    <mc:Choice Requires="p14">
+      <p:transition spd="slow" p14:dur="2000" advTm="15106"/>
+    </mc:Choice>
+    <mc:Fallback xmlns="">
+      <p:transition spd="slow" advTm="15106"/>
+    </mc:Fallback>
+  </mc:AlternateContent>
   <p:timing>
     <p:tnLst>
       <p:par>
@@ -7720,8 +7811,11 @@
             </a:r>
             <a:r>
               <a:rPr lang="fr-FR" dirty="0" smtClean="0"/>
-              <a:t>.</a:t>
-            </a:r>
+              <a:t>. – Annexe 2</a:t>
+            </a:r>
+          </a:p>
+          <a:p>
+            <a:endParaRPr lang="fr-FR" dirty="0" smtClean="0"/>
           </a:p>
           <a:p>
             <a:pPr lvl="1"/>
@@ -7729,6 +7823,10 @@
               <a:rPr lang="fr-FR" dirty="0" smtClean="0"/>
               <a:t>Présentation au client.</a:t>
             </a:r>
+          </a:p>
+          <a:p>
+            <a:pPr lvl="1"/>
+            <a:endParaRPr lang="fr-FR" dirty="0" smtClean="0"/>
           </a:p>
           <a:p>
             <a:pPr lvl="1"/>
@@ -7776,6 +7874,14 @@
   <p:clrMapOvr>
     <a:masterClrMapping/>
   </p:clrMapOvr>
+  <mc:AlternateContent xmlns:mc="http://schemas.openxmlformats.org/markup-compatibility/2006" xmlns:p14="http://schemas.microsoft.com/office/powerpoint/2010/main">
+    <mc:Choice Requires="p14">
+      <p:transition spd="slow" p14:dur="2000" advTm="73611"/>
+    </mc:Choice>
+    <mc:Fallback xmlns="">
+      <p:transition spd="slow" advTm="73611"/>
+    </mc:Fallback>
+  </mc:AlternateContent>
   <p:timing>
     <p:tnLst>
       <p:par>
@@ -7820,8 +7926,11 @@
           <a:p>
             <a:r>
               <a:rPr lang="fr-FR" dirty="0" smtClean="0"/>
-              <a:t>Documentation</a:t>
-            </a:r>
+              <a:t>Documentation – Annexe 7 à 11</a:t>
+            </a:r>
+          </a:p>
+          <a:p>
+            <a:endParaRPr lang="fr-FR" dirty="0" smtClean="0"/>
           </a:p>
           <a:p>
             <a:pPr lvl="1"/>
@@ -7832,10 +7941,18 @@
           </a:p>
           <a:p>
             <a:pPr lvl="1"/>
-            <a:r>
-              <a:rPr lang="fr-FR" dirty="0" smtClean="0"/>
-              <a:t>Etude de la documentation.</a:t>
-            </a:r>
+            <a:endParaRPr lang="fr-FR" dirty="0" smtClean="0"/>
+          </a:p>
+          <a:p>
+            <a:pPr lvl="1"/>
+            <a:r>
+              <a:rPr lang="fr-FR" dirty="0" smtClean="0"/>
+              <a:t>Étude de la documentation.</a:t>
+            </a:r>
+          </a:p>
+          <a:p>
+            <a:pPr lvl="1"/>
+            <a:endParaRPr lang="fr-FR" dirty="0" smtClean="0"/>
           </a:p>
           <a:p>
             <a:pPr lvl="1"/>
@@ -7883,6 +8000,14 @@
   <p:clrMapOvr>
     <a:masterClrMapping/>
   </p:clrMapOvr>
+  <mc:AlternateContent xmlns:mc="http://schemas.openxmlformats.org/markup-compatibility/2006" xmlns:p14="http://schemas.microsoft.com/office/powerpoint/2010/main">
+    <mc:Choice Requires="p14">
+      <p:transition spd="slow" p14:dur="2000" advTm="92281"/>
+    </mc:Choice>
+    <mc:Fallback xmlns="">
+      <p:transition spd="slow" advTm="92281"/>
+    </mc:Fallback>
+  </mc:AlternateContent>
   <p:timing>
     <p:tnLst>
       <p:par>
@@ -7927,8 +8052,11 @@
           <a:p>
             <a:r>
               <a:rPr lang="fr-FR" dirty="0" smtClean="0"/>
-              <a:t>Analyse</a:t>
-            </a:r>
+              <a:t>Analyse – Annexe 12 à 18</a:t>
+            </a:r>
+          </a:p>
+          <a:p>
+            <a:endParaRPr lang="fr-FR" dirty="0" smtClean="0"/>
           </a:p>
           <a:p>
             <a:pPr lvl="1"/>
@@ -7941,58 +8069,68 @@
             <a:pPr lvl="1"/>
             <a:r>
               <a:rPr lang="fr-FR" dirty="0" smtClean="0"/>
-              <a:t>Dictionnaire de données.</a:t>
+              <a:t>Dictionnaire de données. – Annexe 14</a:t>
             </a:r>
           </a:p>
           <a:p>
             <a:pPr lvl="1"/>
             <a:r>
               <a:rPr lang="fr-FR" dirty="0" smtClean="0"/>
-              <a:t>Liste exigence.</a:t>
+              <a:t>Liste des exigences. – Annexe 12</a:t>
             </a:r>
           </a:p>
           <a:p>
             <a:pPr lvl="1"/>
             <a:r>
               <a:rPr lang="fr-FR" dirty="0" smtClean="0"/>
-              <a:t>Cas utilisation.</a:t>
+              <a:t>Cas utilisation. – Annexe 13</a:t>
             </a:r>
           </a:p>
           <a:p>
             <a:pPr lvl="1"/>
             <a:r>
               <a:rPr lang="fr-FR" dirty="0"/>
-              <a:t>Modèle conceptuelle de </a:t>
-            </a:r>
-            <a:r>
-              <a:rPr lang="fr-FR" dirty="0" smtClean="0"/>
-              <a:t>données</a:t>
+              <a:t>Modèle conceptuelle </a:t>
+            </a:r>
+            <a:r>
+              <a:rPr lang="fr-FR" dirty="0" smtClean="0"/>
+              <a:t>des données – Annexe 15</a:t>
             </a:r>
           </a:p>
           <a:p>
             <a:pPr lvl="1"/>
             <a:r>
               <a:rPr lang="fr-FR" dirty="0"/>
-              <a:t>Modèle logique de données</a:t>
-            </a:r>
+              <a:t>Modèle logique </a:t>
+            </a:r>
+            <a:r>
+              <a:rPr lang="fr-FR" dirty="0" smtClean="0"/>
+              <a:t>des données – Annexe 16</a:t>
+            </a:r>
+            <a:endParaRPr lang="fr-FR" dirty="0"/>
           </a:p>
           <a:p>
             <a:pPr lvl="1"/>
             <a:r>
               <a:rPr lang="fr-FR" dirty="0"/>
-              <a:t>Modèle physique de </a:t>
-            </a:r>
-            <a:r>
-              <a:rPr lang="fr-FR" dirty="0" smtClean="0"/>
-              <a:t>données</a:t>
+              <a:t>Modèle physique </a:t>
+            </a:r>
+            <a:r>
+              <a:rPr lang="fr-FR" dirty="0" smtClean="0"/>
+              <a:t>des données – Annexe 17</a:t>
             </a:r>
           </a:p>
           <a:p>
             <a:pPr lvl="1"/>
             <a:r>
               <a:rPr lang="fr-FR" dirty="0"/>
-              <a:t>Diagramme de classe</a:t>
-            </a:r>
+              <a:t>Diagramme de </a:t>
+            </a:r>
+            <a:r>
+              <a:rPr lang="fr-FR" dirty="0" smtClean="0"/>
+              <a:t>classe – Annexe 18</a:t>
+            </a:r>
+            <a:endParaRPr lang="fr-FR" dirty="0"/>
           </a:p>
           <a:p>
             <a:endParaRPr lang="fr-FR" dirty="0"/>
@@ -8032,6 +8170,14 @@
   <p:clrMapOvr>
     <a:masterClrMapping/>
   </p:clrMapOvr>
+  <mc:AlternateContent xmlns:mc="http://schemas.openxmlformats.org/markup-compatibility/2006" xmlns:p14="http://schemas.microsoft.com/office/powerpoint/2010/main">
+    <mc:Choice Requires="p14">
+      <p:transition spd="slow" p14:dur="2000" advTm="283112"/>
+    </mc:Choice>
+    <mc:Fallback xmlns="">
+      <p:transition spd="slow" advTm="283112"/>
+    </mc:Fallback>
+  </mc:AlternateContent>
   <p:timing>
     <p:tnLst>
       <p:par>
@@ -8080,6 +8226,9 @@
             </a:r>
           </a:p>
           <a:p>
+            <a:endParaRPr lang="fr-FR" dirty="0" smtClean="0"/>
+          </a:p>
+          <a:p>
             <a:pPr lvl="1"/>
             <a:r>
               <a:rPr lang="fr-FR" b="1" dirty="0"/>
@@ -8089,30 +8238,42 @@
           <a:p>
             <a:pPr lvl="1"/>
             <a:r>
+              <a:rPr lang="fr-FR" b="1" dirty="0" smtClean="0"/>
+              <a:t>Technologie – Annexe 19</a:t>
+            </a:r>
+            <a:endParaRPr lang="fr-FR" b="1" dirty="0"/>
+          </a:p>
+          <a:p>
+            <a:pPr lvl="1"/>
+            <a:r>
               <a:rPr lang="fr-FR" b="1" dirty="0"/>
-              <a:t>Technologie</a:t>
-            </a:r>
+              <a:t>Choix </a:t>
+            </a:r>
+            <a:r>
+              <a:rPr lang="fr-FR" b="1" dirty="0" smtClean="0"/>
+              <a:t>package – Annexe 20</a:t>
+            </a:r>
+            <a:endParaRPr lang="fr-FR" b="1" dirty="0"/>
           </a:p>
           <a:p>
             <a:pPr lvl="1"/>
             <a:r>
               <a:rPr lang="fr-FR" b="1" dirty="0"/>
-              <a:t>Choix package</a:t>
-            </a:r>
+              <a:t>Design </a:t>
+            </a:r>
+            <a:r>
+              <a:rPr lang="fr-FR" b="1" dirty="0" smtClean="0"/>
+              <a:t>pattern – Annexe 21et 22</a:t>
+            </a:r>
+            <a:endParaRPr lang="fr-FR" b="1" dirty="0"/>
           </a:p>
           <a:p>
             <a:pPr lvl="1"/>
             <a:r>
-              <a:rPr lang="fr-FR" b="1" dirty="0"/>
-              <a:t>Design pattern</a:t>
-            </a:r>
-          </a:p>
-          <a:p>
-            <a:pPr lvl="1"/>
-            <a:r>
-              <a:rPr lang="fr-FR" b="1" dirty="0"/>
+              <a:rPr lang="fr-FR" b="1" dirty="0" smtClean="0"/>
               <a:t>Amélioration</a:t>
             </a:r>
+            <a:endParaRPr lang="fr-FR" b="1" dirty="0"/>
           </a:p>
           <a:p>
             <a:pPr lvl="1"/>
@@ -8156,6 +8317,14 @@
   <p:clrMapOvr>
     <a:masterClrMapping/>
   </p:clrMapOvr>
+  <mc:AlternateContent xmlns:mc="http://schemas.openxmlformats.org/markup-compatibility/2006" xmlns:p14="http://schemas.microsoft.com/office/powerpoint/2010/main">
+    <mc:Choice Requires="p14">
+      <p:transition spd="slow" p14:dur="2000" advTm="133500"/>
+    </mc:Choice>
+    <mc:Fallback xmlns="">
+      <p:transition spd="slow" advTm="133500"/>
+    </mc:Fallback>
+  </mc:AlternateContent>
   <p:timing>
     <p:tnLst>
       <p:par>
@@ -8211,7 +8380,7 @@
             <a:pPr lvl="1"/>
             <a:r>
               <a:rPr lang="fr-FR" dirty="0" smtClean="0"/>
-              <a:t>Fiche de test</a:t>
+              <a:t>Fiche de test – Annexe 23</a:t>
             </a:r>
           </a:p>
           <a:p>
@@ -8260,6 +8429,14 @@
   <p:clrMapOvr>
     <a:masterClrMapping/>
   </p:clrMapOvr>
+  <mc:AlternateContent xmlns:mc="http://schemas.openxmlformats.org/markup-compatibility/2006" xmlns:p14="http://schemas.microsoft.com/office/powerpoint/2010/main">
+    <mc:Choice Requires="p14">
+      <p:transition spd="slow" p14:dur="2000" advTm="88718"/>
+    </mc:Choice>
+    <mc:Fallback xmlns="">
+      <p:transition spd="slow" advTm="88718"/>
+    </mc:Fallback>
+  </mc:AlternateContent>
   <p:timing>
     <p:tnLst>
       <p:par>
@@ -8303,8 +8480,8 @@
           <a:lstStyle/>
           <a:p>
             <a:r>
-              <a:rPr lang="fr-FR" smtClean="0"/>
-              <a:t>Code</a:t>
+              <a:rPr lang="fr-FR" dirty="0" smtClean="0"/>
+              <a:t>Code – Annexe 24 et 25</a:t>
             </a:r>
             <a:endParaRPr lang="fr-FR" dirty="0"/>
           </a:p>
@@ -8333,6 +8510,47 @@
           </a:p>
         </p:txBody>
       </p:sp>
+      <p:pic>
+        <p:nvPicPr>
+          <p:cNvPr id="1027" name="Picture 3" descr="D:\Projet\Suivi stagiaire\Rapport de stage\Image\Recherche multicritere - presentation .png"/>
+          <p:cNvPicPr>
+            <a:picLocks noChangeAspect="1" noChangeArrowheads="1"/>
+          </p:cNvPicPr>
+          <p:nvPr/>
+        </p:nvPicPr>
+        <p:blipFill>
+          <a:blip r:embed="rId3">
+            <a:extLst>
+              <a:ext uri="{28A0092B-C50C-407E-A947-70E740481C1C}">
+                <a14:useLocalDpi xmlns:a14="http://schemas.microsoft.com/office/drawing/2010/main" val="0"/>
+              </a:ext>
+            </a:extLst>
+          </a:blip>
+          <a:srcRect/>
+          <a:stretch>
+            <a:fillRect/>
+          </a:stretch>
+        </p:blipFill>
+        <p:spPr bwMode="auto">
+          <a:xfrm>
+            <a:off x="1115616" y="2348880"/>
+            <a:ext cx="6869113" cy="3476625"/>
+          </a:xfrm>
+          <a:prstGeom prst="rect">
+            <a:avLst/>
+          </a:prstGeom>
+          <a:noFill/>
+          <a:extLst>
+            <a:ext uri="{909E8E84-426E-40DD-AFC4-6F175D3DCCD1}">
+              <a14:hiddenFill xmlns:a14="http://schemas.microsoft.com/office/drawing/2010/main">
+                <a:solidFill>
+                  <a:srgbClr val="FFFFFF"/>
+                </a:solidFill>
+              </a14:hiddenFill>
+            </a:ext>
+          </a:extLst>
+        </p:spPr>
+      </p:pic>
     </p:spTree>
     <p:extLst>
       <p:ext uri="{BB962C8B-B14F-4D97-AF65-F5344CB8AC3E}">
@@ -8343,6 +8561,14 @@
   <p:clrMapOvr>
     <a:masterClrMapping/>
   </p:clrMapOvr>
+  <mc:AlternateContent xmlns:mc="http://schemas.openxmlformats.org/markup-compatibility/2006" xmlns:p14="http://schemas.microsoft.com/office/powerpoint/2010/main">
+    <mc:Choice Requires="p14">
+      <p:transition spd="slow" p14:dur="2000" advTm="166179"/>
+    </mc:Choice>
+    <mc:Fallback xmlns="">
+      <p:transition spd="slow" advTm="166179"/>
+    </mc:Fallback>
+  </mc:AlternateContent>
   <p:timing>
     <p:tnLst>
       <p:par>
@@ -8432,6 +8658,14 @@
   <p:clrMapOvr>
     <a:masterClrMapping/>
   </p:clrMapOvr>
+  <mc:AlternateContent xmlns:mc="http://schemas.openxmlformats.org/markup-compatibility/2006" xmlns:p14="http://schemas.microsoft.com/office/powerpoint/2010/main">
+    <mc:Choice Requires="p14">
+      <p:transition spd="slow" p14:dur="2000" advTm="64033"/>
+    </mc:Choice>
+    <mc:Fallback xmlns="">
+      <p:transition spd="slow" advTm="64033"/>
+    </mc:Fallback>
+  </mc:AlternateContent>
   <p:timing>
     <p:tnLst>
       <p:par>
@@ -8476,26 +8710,128 @@
           <a:p>
             <a:r>
               <a:rPr lang="fr-FR" dirty="0" smtClean="0"/>
+              <a:t>Démonstration</a:t>
+            </a:r>
+          </a:p>
+        </p:txBody>
+      </p:sp>
+      <p:sp>
+        <p:nvSpPr>
+          <p:cNvPr id="2" name="Title 1"/>
+          <p:cNvSpPr>
+            <a:spLocks noGrp="1"/>
+          </p:cNvSpPr>
+          <p:nvPr>
+            <p:ph type="title"/>
+          </p:nvPr>
+        </p:nvSpPr>
+        <p:spPr/>
+        <p:txBody>
+          <a:bodyPr/>
+          <a:lstStyle/>
+          <a:p>
+            <a:r>
+              <a:rPr lang="fr-FR" dirty="0" smtClean="0"/>
+              <a:t>Le projet</a:t>
+            </a:r>
+            <a:endParaRPr lang="fr-FR" dirty="0"/>
+          </a:p>
+        </p:txBody>
+      </p:sp>
+    </p:spTree>
+    <p:extLst>
+      <p:ext uri="{BB962C8B-B14F-4D97-AF65-F5344CB8AC3E}">
+        <p14:creationId xmlns:p14="http://schemas.microsoft.com/office/powerpoint/2010/main" val="3395638914"/>
+      </p:ext>
+    </p:extLst>
+  </p:cSld>
+  <p:clrMapOvr>
+    <a:masterClrMapping/>
+  </p:clrMapOvr>
+  <mc:AlternateContent xmlns:mc="http://schemas.openxmlformats.org/markup-compatibility/2006" xmlns:p14="http://schemas.microsoft.com/office/powerpoint/2010/main">
+    <mc:Choice Requires="p14">
+      <p:transition spd="slow" p14:dur="2000" advTm="64033"/>
+    </mc:Choice>
+    <mc:Fallback xmlns="">
+      <p:transition spd="slow" advTm="64033"/>
+    </mc:Fallback>
+  </mc:AlternateContent>
+  <p:timing>
+    <p:tnLst>
+      <p:par>
+        <p:cTn id="1" dur="indefinite" restart="never" nodeType="tmRoot"/>
+      </p:par>
+    </p:tnLst>
+  </p:timing>
+</p:sld>
+</file>
+
+<file path=ppt/slides/slide18.xml><?xml version="1.0" encoding="utf-8"?>
+<p:sld xmlns:a="http://schemas.openxmlformats.org/drawingml/2006/main" xmlns:r="http://schemas.openxmlformats.org/officeDocument/2006/relationships" xmlns:p="http://schemas.openxmlformats.org/presentationml/2006/main">
+  <p:cSld>
+    <p:spTree>
+      <p:nvGrpSpPr>
+        <p:cNvPr id="1" name=""/>
+        <p:cNvGrpSpPr/>
+        <p:nvPr/>
+      </p:nvGrpSpPr>
+      <p:grpSpPr>
+        <a:xfrm>
+          <a:off x="0" y="0"/>
+          <a:ext cx="0" cy="0"/>
+          <a:chOff x="0" y="0"/>
+          <a:chExt cx="0" cy="0"/>
+        </a:xfrm>
+      </p:grpSpPr>
+      <p:sp>
+        <p:nvSpPr>
+          <p:cNvPr id="3" name="Content Placeholder 2"/>
+          <p:cNvSpPr>
+            <a:spLocks noGrp="1"/>
+          </p:cNvSpPr>
+          <p:nvPr>
+            <p:ph idx="1"/>
+          </p:nvPr>
+        </p:nvSpPr>
+        <p:spPr/>
+        <p:txBody>
+          <a:bodyPr/>
+          <a:lstStyle/>
+          <a:p>
+            <a:r>
+              <a:rPr lang="fr-FR" dirty="0" smtClean="0"/>
               <a:t>Test unitaire en transverse</a:t>
             </a:r>
           </a:p>
           <a:p>
+            <a:endParaRPr lang="fr-FR" dirty="0" smtClean="0"/>
+          </a:p>
+          <a:p>
             <a:r>
               <a:rPr lang="fr-FR" dirty="0" smtClean="0"/>
               <a:t>Petit itératif</a:t>
             </a:r>
           </a:p>
           <a:p>
+            <a:endParaRPr lang="fr-FR" dirty="0" smtClean="0"/>
+          </a:p>
+          <a:p>
             <a:r>
               <a:rPr lang="fr-FR" dirty="0" smtClean="0"/>
               <a:t>N-tiers</a:t>
             </a:r>
           </a:p>
           <a:p>
+            <a:endParaRPr lang="fr-FR" dirty="0" smtClean="0"/>
+          </a:p>
+          <a:p>
             <a:r>
               <a:rPr lang="fr-FR" dirty="0" smtClean="0"/>
               <a:t>Planification</a:t>
             </a:r>
+          </a:p>
+          <a:p>
+            <a:endParaRPr lang="fr-FR" dirty="0" smtClean="0"/>
           </a:p>
           <a:p>
             <a:r>
@@ -8543,6 +8879,14 @@
   <p:clrMapOvr>
     <a:masterClrMapping/>
   </p:clrMapOvr>
+  <mc:AlternateContent xmlns:mc="http://schemas.openxmlformats.org/markup-compatibility/2006" xmlns:p14="http://schemas.microsoft.com/office/powerpoint/2010/main">
+    <mc:Choice Requires="p14">
+      <p:transition spd="slow" p14:dur="2000" advTm="223086"/>
+    </mc:Choice>
+    <mc:Fallback xmlns="">
+      <p:transition spd="slow" advTm="223086"/>
+    </mc:Fallback>
+  </mc:AlternateContent>
   <p:timing>
     <p:tnLst>
       <p:par>
@@ -8687,6 +9031,14 @@
   <p:clrMapOvr>
     <a:masterClrMapping/>
   </p:clrMapOvr>
+  <mc:AlternateContent xmlns:mc="http://schemas.openxmlformats.org/markup-compatibility/2006" xmlns:p14="http://schemas.microsoft.com/office/powerpoint/2010/main">
+    <mc:Choice Requires="p14">
+      <p:transition spd="slow" p14:dur="2000" advTm="47821"/>
+    </mc:Choice>
+    <mc:Fallback xmlns="">
+      <p:transition spd="slow" advTm="47821"/>
+    </mc:Fallback>
+  </mc:AlternateContent>
   <p:timing>
     <p:tnLst>
       <p:par>
@@ -8729,6 +9081,12 @@
           <a:bodyPr/>
           <a:lstStyle/>
           <a:p>
+            <a:pPr marL="109728" indent="0">
+              <a:buNone/>
+            </a:pPr>
+            <a:endParaRPr lang="fr-FR" dirty="0" smtClean="0"/>
+          </a:p>
+          <a:p>
             <a:r>
               <a:rPr lang="fr-FR" dirty="0" smtClean="0"/>
               <a:t>Pourquoi </a:t>
@@ -8739,19 +9097,30 @@
             </a:r>
             <a:r>
               <a:rPr lang="fr-FR" dirty="0" smtClean="0"/>
-              <a:t>démissionner?</a:t>
+              <a:t>démissionné ?</a:t>
             </a:r>
           </a:p>
           <a:p>
             <a:endParaRPr lang="fr-FR" dirty="0" smtClean="0"/>
           </a:p>
           <a:p>
+            <a:pPr marL="109728" indent="0">
+              <a:buNone/>
+            </a:pPr>
             <a:endParaRPr lang="fr-FR" dirty="0"/>
           </a:p>
           <a:p>
             <a:r>
               <a:rPr lang="fr-FR" dirty="0"/>
-              <a:t>Pourquoi le stage a l’AFPA</a:t>
+              <a:t>Pourquoi le stage </a:t>
+            </a:r>
+            <a:r>
+              <a:rPr lang="fr-FR" dirty="0" smtClean="0"/>
+              <a:t>à </a:t>
+            </a:r>
+            <a:r>
+              <a:rPr lang="fr-FR" dirty="0"/>
+              <a:t>l’AFPA</a:t>
             </a:r>
             <a:r>
               <a:rPr lang="fr-FR" dirty="0" smtClean="0"/>
@@ -8802,6 +9171,14 @@
   <p:clrMapOvr>
     <a:masterClrMapping/>
   </p:clrMapOvr>
+  <mc:AlternateContent xmlns:mc="http://schemas.openxmlformats.org/markup-compatibility/2006" xmlns:p14="http://schemas.microsoft.com/office/powerpoint/2010/main">
+    <mc:Choice Requires="p14">
+      <p:transition spd="slow" p14:dur="2000" advTm="138911"/>
+    </mc:Choice>
+    <mc:Fallback xmlns="">
+      <p:transition spd="slow" advTm="138911"/>
+    </mc:Fallback>
+  </mc:AlternateContent>
   <p:timing>
     <p:tnLst>
       <p:par>
@@ -8870,9 +9247,22 @@
           <a:bodyPr/>
           <a:lstStyle/>
           <a:p>
-            <a:r>
-              <a:rPr lang="fr-FR" dirty="0" smtClean="0"/>
-              <a:t>Présentation de la société.</a:t>
+            <a:pPr marL="109728" indent="0">
+              <a:buNone/>
+            </a:pPr>
+            <a:endParaRPr lang="fr-FR" dirty="0"/>
+          </a:p>
+          <a:p>
+            <a:endParaRPr lang="fr-FR" dirty="0" smtClean="0"/>
+          </a:p>
+          <a:p>
+            <a:r>
+              <a:rPr lang="fr-FR" dirty="0" smtClean="0"/>
+              <a:t>Présentation </a:t>
+            </a:r>
+            <a:r>
+              <a:rPr lang="fr-FR" dirty="0" smtClean="0"/>
+              <a:t>de la société.</a:t>
             </a:r>
           </a:p>
           <a:p>
@@ -8906,6 +9296,14 @@
   <p:clrMapOvr>
     <a:masterClrMapping/>
   </p:clrMapOvr>
+  <mc:AlternateContent xmlns:mc="http://schemas.openxmlformats.org/markup-compatibility/2006" xmlns:p14="http://schemas.microsoft.com/office/powerpoint/2010/main">
+    <mc:Choice Requires="p14">
+      <p:transition spd="slow" p14:dur="2000" advTm="79283"/>
+    </mc:Choice>
+    <mc:Fallback xmlns="">
+      <p:transition spd="slow" advTm="79283"/>
+    </mc:Fallback>
+  </mc:AlternateContent>
   <p:timing>
     <p:tnLst>
       <p:par>
@@ -8986,6 +9384,14 @@
   <p:clrMapOvr>
     <a:masterClrMapping/>
   </p:clrMapOvr>
+  <mc:AlternateContent xmlns:mc="http://schemas.openxmlformats.org/markup-compatibility/2006" xmlns:p14="http://schemas.microsoft.com/office/powerpoint/2010/main">
+    <mc:Choice Requires="p14">
+      <p:transition spd="slow" p14:dur="2000" advTm="44136"/>
+    </mc:Choice>
+    <mc:Fallback xmlns="">
+      <p:transition spd="slow" advTm="44136"/>
+    </mc:Fallback>
+  </mc:AlternateContent>
   <p:timing>
     <p:tnLst>
       <p:par>
@@ -9041,7 +9447,7 @@
             <a:pPr lvl="1"/>
             <a:r>
               <a:rPr lang="fr-FR" dirty="0" smtClean="0"/>
-              <a:t>Proposition de 3 projets</a:t>
+              <a:t>Proposition de 3 projets – Annexe 1</a:t>
             </a:r>
           </a:p>
           <a:p>
@@ -9141,6 +9547,14 @@
   <p:clrMapOvr>
     <a:masterClrMapping/>
   </p:clrMapOvr>
+  <mc:AlternateContent xmlns:mc="http://schemas.openxmlformats.org/markup-compatibility/2006" xmlns:p14="http://schemas.microsoft.com/office/powerpoint/2010/main">
+    <mc:Choice Requires="p14">
+      <p:transition spd="slow" p14:dur="2000" advTm="188071"/>
+    </mc:Choice>
+    <mc:Fallback xmlns="">
+      <p:transition spd="slow" advTm="188071"/>
+    </mc:Fallback>
+  </mc:AlternateContent>
   <p:timing>
     <p:tnLst>
       <p:par>
@@ -9189,13 +9603,10 @@
             </a:r>
             <a:r>
               <a:rPr lang="fr-FR" dirty="0" smtClean="0"/>
-              <a:t>projet</a:t>
-            </a:r>
-          </a:p>
-          <a:p>
-            <a:pPr marL="109728" indent="0">
-              <a:buNone/>
-            </a:pPr>
+              <a:t>projet – Annexe 2</a:t>
+            </a:r>
+          </a:p>
+          <a:p>
             <a:endParaRPr lang="fr-FR" dirty="0"/>
           </a:p>
           <a:p>
@@ -9283,6 +9694,14 @@
   <p:clrMapOvr>
     <a:masterClrMapping/>
   </p:clrMapOvr>
+  <mc:AlternateContent xmlns:mc="http://schemas.openxmlformats.org/markup-compatibility/2006" xmlns:p14="http://schemas.microsoft.com/office/powerpoint/2010/main">
+    <mc:Choice Requires="p14">
+      <p:transition spd="slow" p14:dur="2000" advTm="174650"/>
+    </mc:Choice>
+    <mc:Fallback xmlns="">
+      <p:transition spd="slow" advTm="174650"/>
+    </mc:Fallback>
+  </mc:AlternateContent>
   <p:timing>
     <p:tnLst>
       <p:par>
@@ -9338,8 +9757,12 @@
             <a:pPr lvl="1"/>
             <a:r>
               <a:rPr lang="fr-FR" dirty="0" smtClean="0"/>
-              <a:t>Organisation autour du projet.</a:t>
-            </a:r>
+              <a:t>Organisation autour du projet. – Annexe 3</a:t>
+            </a:r>
+          </a:p>
+          <a:p>
+            <a:pPr lvl="1"/>
+            <a:endParaRPr lang="fr-FR" dirty="0" smtClean="0"/>
           </a:p>
           <a:p>
             <a:pPr lvl="1"/>
@@ -9349,11 +9772,17 @@
             <a:pPr lvl="1"/>
             <a:r>
               <a:rPr lang="fr-FR" dirty="0" smtClean="0"/>
-              <a:t>Sauvegarde automatique.</a:t>
+              <a:t>Sauvegarde automatique. – Annexe 4</a:t>
             </a:r>
           </a:p>
           <a:p>
             <a:pPr lvl="1"/>
+            <a:endParaRPr lang="fr-FR" dirty="0" smtClean="0"/>
+          </a:p>
+          <a:p>
+            <a:pPr marL="393192" lvl="1" indent="0">
+              <a:buNone/>
+            </a:pPr>
             <a:endParaRPr lang="fr-FR" dirty="0" smtClean="0"/>
           </a:p>
           <a:p>
@@ -9397,6 +9826,14 @@
   <p:clrMapOvr>
     <a:masterClrMapping/>
   </p:clrMapOvr>
+  <mc:AlternateContent xmlns:mc="http://schemas.openxmlformats.org/markup-compatibility/2006" xmlns:p14="http://schemas.microsoft.com/office/powerpoint/2010/main">
+    <mc:Choice Requires="p14">
+      <p:transition spd="slow" p14:dur="2000" advTm="186351"/>
+    </mc:Choice>
+    <mc:Fallback xmlns="">
+      <p:transition spd="slow" advTm="186351"/>
+    </mc:Fallback>
+  </mc:AlternateContent>
   <p:timing>
     <p:tnLst>
       <p:par>
@@ -9445,6 +9882,9 @@
             </a:r>
           </a:p>
           <a:p>
+            <a:endParaRPr lang="fr-FR" dirty="0" smtClean="0"/>
+          </a:p>
+          <a:p>
             <a:pPr lvl="1"/>
             <a:r>
               <a:rPr lang="fr-FR" dirty="0" smtClean="0"/>
@@ -9459,16 +9899,18 @@
             </a:r>
             <a:r>
               <a:rPr lang="fr-FR" dirty="0" smtClean="0"/>
-              <a:t>détaillée</a:t>
-            </a:r>
-            <a:endParaRPr lang="fr-FR" dirty="0" smtClean="0"/>
+              <a:t>détaillée – Annexe 5</a:t>
+            </a:r>
           </a:p>
           <a:p>
             <a:pPr lvl="2"/>
             <a:r>
               <a:rPr lang="fr-FR" dirty="0" smtClean="0"/>
-              <a:t>Planning général</a:t>
-            </a:r>
+              <a:t>Planning général – Annexe 6</a:t>
+            </a:r>
+          </a:p>
+          <a:p>
+            <a:pPr lvl="2"/>
             <a:endParaRPr lang="fr-FR" dirty="0"/>
           </a:p>
           <a:p>
@@ -9521,6 +9963,14 @@
   <p:clrMapOvr>
     <a:masterClrMapping/>
   </p:clrMapOvr>
+  <mc:AlternateContent xmlns:mc="http://schemas.openxmlformats.org/markup-compatibility/2006" xmlns:p14="http://schemas.microsoft.com/office/powerpoint/2010/main">
+    <mc:Choice Requires="p14">
+      <p:transition spd="slow" p14:dur="2000" advTm="75138"/>
+    </mc:Choice>
+    <mc:Fallback xmlns="">
+      <p:transition spd="slow" advTm="75138"/>
+    </mc:Fallback>
+  </mc:AlternateContent>
   <p:timing>
     <p:tnLst>
       <p:par>
